--- a/002Matlab Project/Project.pptx
+++ b/002Matlab Project/Project.pptx
@@ -5,14 +5,15 @@
     <p:sldMasterId id="2147483648" r:id="rId1"/>
   </p:sldMasterIdLst>
   <p:notesMasterIdLst>
-    <p:notesMasterId r:id="rId7"/>
+    <p:notesMasterId r:id="rId8"/>
   </p:notesMasterIdLst>
   <p:sldIdLst>
     <p:sldId id="256" r:id="rId2"/>
     <p:sldId id="257" r:id="rId3"/>
     <p:sldId id="263" r:id="rId4"/>
     <p:sldId id="264" r:id="rId5"/>
-    <p:sldId id="260" r:id="rId6"/>
+    <p:sldId id="265" r:id="rId6"/>
+    <p:sldId id="260" r:id="rId7"/>
   </p:sldIdLst>
   <p:sldSz cx="9144000" cy="5143500" type="screen16x9"/>
   <p:notesSz cx="6858000" cy="9947275"/>
@@ -401,6 +402,118 @@
 </p:notesMaster>
 </file>
 
+<file path=ppt/notesSlides/notesSlide1.xml><?xml version="1.0" encoding="utf-8"?>
+<p:notes xmlns:a="http://schemas.openxmlformats.org/drawingml/2006/main" xmlns:r="http://schemas.openxmlformats.org/officeDocument/2006/relationships" xmlns:p="http://schemas.openxmlformats.org/presentationml/2006/main">
+  <p:cSld>
+    <p:spTree>
+      <p:nvGrpSpPr>
+        <p:cNvPr id="1" name="">
+          <a:extLst>
+            <a:ext uri="{FF2B5EF4-FFF2-40B4-BE49-F238E27FC236}">
+              <a16:creationId xmlns:a16="http://schemas.microsoft.com/office/drawing/2014/main" id="{66BD4900-F60E-213D-9D93-CDD1C13C62C4}"/>
+            </a:ext>
+          </a:extLst>
+        </p:cNvPr>
+        <p:cNvGrpSpPr/>
+        <p:nvPr/>
+      </p:nvGrpSpPr>
+      <p:grpSpPr>
+        <a:xfrm>
+          <a:off x="0" y="0"/>
+          <a:ext cx="0" cy="0"/>
+          <a:chOff x="0" y="0"/>
+          <a:chExt cx="0" cy="0"/>
+        </a:xfrm>
+      </p:grpSpPr>
+      <p:sp>
+        <p:nvSpPr>
+          <p:cNvPr id="2" name="幻灯片图像占位符 1">
+            <a:extLst>
+              <a:ext uri="{FF2B5EF4-FFF2-40B4-BE49-F238E27FC236}">
+                <a16:creationId xmlns:a16="http://schemas.microsoft.com/office/drawing/2014/main" id="{C1BA39E2-D31A-4716-3B9E-5B6577720D59}"/>
+              </a:ext>
+            </a:extLst>
+          </p:cNvPr>
+          <p:cNvSpPr>
+            <a:spLocks noGrp="1" noRot="1" noChangeAspect="1"/>
+          </p:cNvSpPr>
+          <p:nvPr>
+            <p:ph type="sldImg"/>
+          </p:nvPr>
+        </p:nvSpPr>
+        <p:spPr/>
+      </p:sp>
+      <p:sp>
+        <p:nvSpPr>
+          <p:cNvPr id="3" name="备注占位符 2">
+            <a:extLst>
+              <a:ext uri="{FF2B5EF4-FFF2-40B4-BE49-F238E27FC236}">
+                <a16:creationId xmlns:a16="http://schemas.microsoft.com/office/drawing/2014/main" id="{561FC7EE-7350-ADB8-B806-CFAF4B64DC22}"/>
+              </a:ext>
+            </a:extLst>
+          </p:cNvPr>
+          <p:cNvSpPr>
+            <a:spLocks noGrp="1"/>
+          </p:cNvSpPr>
+          <p:nvPr>
+            <p:ph type="body" idx="1"/>
+          </p:nvPr>
+        </p:nvSpPr>
+        <p:spPr/>
+        <p:txBody>
+          <a:bodyPr/>
+          <a:lstStyle/>
+          <a:p>
+            <a:r>
+              <a:rPr lang="en-US" altLang="zh-CN" dirty="0"/>
+              <a:t>029030dc-a7b8-4b08-84f7-8538096bc74a.source.5.zh-Hans</a:t>
+            </a:r>
+            <a:endParaRPr lang="zh-CN" altLang="en-US" dirty="0"/>
+          </a:p>
+        </p:txBody>
+      </p:sp>
+      <p:sp>
+        <p:nvSpPr>
+          <p:cNvPr id="4" name="灯片编号占位符 3">
+            <a:extLst>
+              <a:ext uri="{FF2B5EF4-FFF2-40B4-BE49-F238E27FC236}">
+                <a16:creationId xmlns:a16="http://schemas.microsoft.com/office/drawing/2014/main" id="{5C8243BF-B4BE-25F5-5C9C-5C6F2BBF8734}"/>
+              </a:ext>
+            </a:extLst>
+          </p:cNvPr>
+          <p:cNvSpPr>
+            <a:spLocks noGrp="1"/>
+          </p:cNvSpPr>
+          <p:nvPr>
+            <p:ph type="sldNum" sz="quarter" idx="10"/>
+          </p:nvPr>
+        </p:nvSpPr>
+        <p:spPr/>
+        <p:txBody>
+          <a:bodyPr/>
+          <a:lstStyle/>
+          <a:p>
+            <a:fld id="{E9E6FDB6-6D2B-46C1-9FA1-D82906A37C3A}" type="slidenum">
+              <a:rPr lang="zh-CN" altLang="en-US" smtClean="0"/>
+              <a:t>5</a:t>
+            </a:fld>
+            <a:endParaRPr lang="zh-CN" altLang="en-US"/>
+          </a:p>
+        </p:txBody>
+      </p:sp>
+    </p:spTree>
+    <p:extLst>
+      <p:ext uri="{BB962C8B-B14F-4D97-AF65-F5344CB8AC3E}">
+        <p14:creationId xmlns:p14="http://schemas.microsoft.com/office/powerpoint/2010/main" val="3894678962"/>
+      </p:ext>
+    </p:extLst>
+  </p:cSld>
+  <p:clrMapOvr>
+    <a:masterClrMapping/>
+  </p:clrMapOvr>
+</p:notes>
+</file>
+
 <file path=ppt/slideLayouts/slideLayout1.xml><?xml version="1.0" encoding="utf-8"?>
 <p:sldLayout xmlns:a="http://schemas.openxmlformats.org/drawingml/2006/main" xmlns:r="http://schemas.openxmlformats.org/officeDocument/2006/relationships" xmlns:p="http://schemas.openxmlformats.org/presentationml/2006/main" showMasterSp="0" preserve="1" userDrawn="1">
   <p:cSld name="Title Slide">
@@ -2458,6 +2571,36 @@
 </p:sldLayout>
 </file>
 
+<file path=ppt/slideLayouts/slideLayout9.xml><?xml version="1.0" encoding="utf-8"?>
+<p:sldLayout xmlns:a="http://schemas.openxmlformats.org/drawingml/2006/main" xmlns:r="http://schemas.openxmlformats.org/officeDocument/2006/relationships" xmlns:p="http://schemas.openxmlformats.org/presentationml/2006/main" userDrawn="1">
+  <p:cSld name="Blank-OfficePLUS">
+    <p:spTree>
+      <p:nvGrpSpPr>
+        <p:cNvPr id="1" name=""/>
+        <p:cNvGrpSpPr/>
+        <p:nvPr/>
+      </p:nvGrpSpPr>
+      <p:grpSpPr>
+        <a:xfrm>
+          <a:off x="0" y="0"/>
+          <a:ext cx="0" cy="0"/>
+          <a:chOff x="0" y="0"/>
+          <a:chExt cx="0" cy="0"/>
+        </a:xfrm>
+      </p:grpSpPr>
+    </p:spTree>
+    <p:extLst>
+      <p:ext uri="{BB962C8B-B14F-4D97-AF65-F5344CB8AC3E}">
+        <p14:creationId xmlns:p14="http://schemas.microsoft.com/office/powerpoint/2010/main" val="3021616277"/>
+      </p:ext>
+    </p:extLst>
+  </p:cSld>
+  <p:clrMapOvr>
+    <a:masterClrMapping/>
+  </p:clrMapOvr>
+</p:sldLayout>
+</file>
+
 <file path=ppt/slideMasters/slideMaster1.xml><?xml version="1.0" encoding="utf-8"?>
 <p:sldMaster xmlns:a="http://schemas.openxmlformats.org/drawingml/2006/main" xmlns:r="http://schemas.openxmlformats.org/officeDocument/2006/relationships" xmlns:p="http://schemas.openxmlformats.org/presentationml/2006/main">
   <p:cSld>
@@ -2726,6 +2869,7 @@
     <p:sldLayoutId id="2147483658" r:id="rId6"/>
     <p:sldLayoutId id="2147483659" r:id="rId7"/>
     <p:sldLayoutId id="2147483654" r:id="rId8"/>
+    <p:sldLayoutId id="2147483663" r:id="rId9"/>
   </p:sldLayoutIdLst>
   <p:hf hdr="0" dt="0"/>
   <p:txStyles>
@@ -3347,24 +3491,6 @@
       </p:grpSpPr>
       <p:sp>
         <p:nvSpPr>
-          <p:cNvPr id="11" name="图片占位符 10">
-            <a:extLst>
-              <a:ext uri="{FF2B5EF4-FFF2-40B4-BE49-F238E27FC236}">
-                <a16:creationId xmlns:a16="http://schemas.microsoft.com/office/drawing/2014/main" id="{7350FD71-5ECA-E421-BFA6-17B9B0290C2B}"/>
-              </a:ext>
-            </a:extLst>
-          </p:cNvPr>
-          <p:cNvSpPr>
-            <a:spLocks noGrp="1"/>
-          </p:cNvSpPr>
-          <p:nvPr>
-            <p:ph type="pic" sz="quarter" idx="12"/>
-          </p:nvPr>
-        </p:nvSpPr>
-        <p:spPr/>
-      </p:sp>
-      <p:sp>
-        <p:nvSpPr>
           <p:cNvPr id="2" name="Title 1"/>
           <p:cNvSpPr>
             <a:spLocks noGrp="1"/>
@@ -3421,6 +3547,41 @@
           </a:p>
         </p:txBody>
       </p:sp>
+      <p:pic>
+        <p:nvPicPr>
+          <p:cNvPr id="12" name="图片 11">
+            <a:extLst>
+              <a:ext uri="{FF2B5EF4-FFF2-40B4-BE49-F238E27FC236}">
+                <a16:creationId xmlns:a16="http://schemas.microsoft.com/office/drawing/2014/main" id="{6B648E64-FC36-3361-7CA5-3EA34D0DB992}"/>
+              </a:ext>
+            </a:extLst>
+          </p:cNvPr>
+          <p:cNvPicPr>
+            <a:picLocks noChangeAspect="1"/>
+          </p:cNvPicPr>
+          <p:nvPr/>
+        </p:nvPicPr>
+        <p:blipFill rotWithShape="1">
+          <a:blip r:embed="rId2" cstate="print">
+            <a:extLst>
+              <a:ext uri="{28A0092B-C50C-407E-A947-70E740481C1C}">
+                <a14:useLocalDpi xmlns:a14="http://schemas.microsoft.com/office/drawing/2010/main" val="0"/>
+              </a:ext>
+            </a:extLst>
+          </a:blip>
+          <a:srcRect l="3892" t="4760" b="5099"/>
+          <a:stretch/>
+        </p:blipFill>
+        <p:spPr>
+          <a:xfrm>
+            <a:off x="129601" y="1124396"/>
+            <a:ext cx="4015850" cy="3692404"/>
+          </a:xfrm>
+          <a:prstGeom prst="rect">
+            <a:avLst/>
+          </a:prstGeom>
+        </p:spPr>
+      </p:pic>
     </p:spTree>
     <p:extLst>
       <p:ext uri="{BB962C8B-B14F-4D97-AF65-F5344CB8AC3E}">
@@ -3575,6 +3736,2452 @@
 </file>
 
 <file path=ppt/slides/slide5.xml><?xml version="1.0" encoding="utf-8"?>
+<p:sld xmlns:a="http://schemas.openxmlformats.org/drawingml/2006/main" xmlns:r="http://schemas.openxmlformats.org/officeDocument/2006/relationships" xmlns:p="http://schemas.openxmlformats.org/presentationml/2006/main">
+  <p:cSld>
+    <p:spTree>
+      <p:nvGrpSpPr>
+        <p:cNvPr id="1" name="">
+          <a:extLst>
+            <a:ext uri="{FF2B5EF4-FFF2-40B4-BE49-F238E27FC236}">
+              <a16:creationId xmlns:a16="http://schemas.microsoft.com/office/drawing/2014/main" id="{31760CA0-CDD3-96F1-59ED-F08B9AB1CE61}"/>
+            </a:ext>
+          </a:extLst>
+        </p:cNvPr>
+        <p:cNvGrpSpPr/>
+        <p:nvPr/>
+      </p:nvGrpSpPr>
+      <p:grpSpPr>
+        <a:xfrm>
+          <a:off x="0" y="0"/>
+          <a:ext cx="0" cy="0"/>
+          <a:chOff x="0" y="0"/>
+          <a:chExt cx="0" cy="0"/>
+        </a:xfrm>
+      </p:grpSpPr>
+      <p:grpSp>
+        <p:nvGrpSpPr>
+          <p:cNvPr id="8" name="组合 7">
+            <a:extLst>
+              <a:ext uri="{FF2B5EF4-FFF2-40B4-BE49-F238E27FC236}">
+                <a16:creationId xmlns:a16="http://schemas.microsoft.com/office/drawing/2014/main" id="{EB00A5B2-EB4A-6388-8FFF-7D72B36E56B0}"/>
+              </a:ext>
+            </a:extLst>
+          </p:cNvPr>
+          <p:cNvGrpSpPr/>
+          <p:nvPr/>
+        </p:nvGrpSpPr>
+        <p:grpSpPr>
+          <a:xfrm>
+            <a:off x="583190" y="847725"/>
+            <a:ext cx="7968096" cy="3394724"/>
+            <a:chOff x="777586" y="1130300"/>
+            <a:chExt cx="10624128" cy="4526298"/>
+          </a:xfrm>
+        </p:grpSpPr>
+        <p:sp>
+          <p:nvSpPr>
+            <p:cNvPr id="2" name="文本框 1">
+              <a:extLst>
+                <a:ext uri="{FF2B5EF4-FFF2-40B4-BE49-F238E27FC236}">
+                  <a16:creationId xmlns:a16="http://schemas.microsoft.com/office/drawing/2014/main" id="{5D52B791-8104-ED24-3D85-71F28F43DF47}"/>
+                </a:ext>
+              </a:extLst>
+            </p:cNvPr>
+            <p:cNvSpPr txBox="1"/>
+            <p:nvPr/>
+          </p:nvSpPr>
+          <p:spPr>
+            <a:xfrm>
+              <a:off x="4979505" y="1998816"/>
+              <a:ext cx="2220297" cy="369332"/>
+            </a:xfrm>
+            <a:prstGeom prst="rect">
+              <a:avLst/>
+            </a:prstGeom>
+            <a:noFill/>
+            <a:ln>
+              <a:noFill/>
+            </a:ln>
+          </p:spPr>
+          <p:txBody>
+            <a:bodyPr wrap="square" lIns="68580" tIns="34290" rIns="68580" bIns="34290" anchor="ctr" anchorCtr="0">
+              <a:spAutoFit/>
+            </a:bodyPr>
+            <a:lstStyle/>
+            <a:p>
+              <a:pPr algn="ctr">
+                <a:buSzPct val="25000"/>
+              </a:pPr>
+              <a:r>
+                <a:rPr lang="en-US" altLang="zh-CN" sz="1350" b="1" dirty="0">
+                  <a:solidFill>
+                    <a:schemeClr val="accent1"/>
+                  </a:solidFill>
+                  <a:latin typeface="Calibri" panose="020F0502020204030204" pitchFamily="34" charset="0"/>
+                  <a:ea typeface="微软雅黑" panose="020B0503020204020204" pitchFamily="34" charset="-122"/>
+                </a:rPr>
+                <a:t>Supporting text here.</a:t>
+              </a:r>
+            </a:p>
+          </p:txBody>
+        </p:sp>
+        <p:cxnSp>
+          <p:nvCxnSpPr>
+            <p:cNvPr id="3" name="直接连接符 2">
+              <a:extLst>
+                <a:ext uri="{FF2B5EF4-FFF2-40B4-BE49-F238E27FC236}">
+                  <a16:creationId xmlns:a16="http://schemas.microsoft.com/office/drawing/2014/main" id="{3BAF065D-0213-7025-44F7-F38D3D4B4DB6}"/>
+                </a:ext>
+              </a:extLst>
+            </p:cNvPr>
+            <p:cNvCxnSpPr>
+              <a:cxnSpLocks/>
+            </p:cNvCxnSpPr>
+            <p:nvPr/>
+          </p:nvCxnSpPr>
+          <p:spPr>
+            <a:xfrm>
+              <a:off x="6089652" y="2481220"/>
+              <a:ext cx="0" cy="304800"/>
+            </a:xfrm>
+            <a:prstGeom prst="line">
+              <a:avLst/>
+            </a:prstGeom>
+            <a:ln>
+              <a:solidFill>
+                <a:schemeClr val="tx1">
+                  <a:alpha val="20000"/>
+                </a:schemeClr>
+              </a:solidFill>
+            </a:ln>
+          </p:spPr>
+          <p:style>
+            <a:lnRef idx="1">
+              <a:schemeClr val="accent1"/>
+            </a:lnRef>
+            <a:fillRef idx="0">
+              <a:schemeClr val="accent1"/>
+            </a:fillRef>
+            <a:effectRef idx="0">
+              <a:schemeClr val="accent1"/>
+            </a:effectRef>
+            <a:fontRef idx="minor">
+              <a:schemeClr val="tx1"/>
+            </a:fontRef>
+          </p:style>
+        </p:cxnSp>
+        <p:sp>
+          <p:nvSpPr>
+            <p:cNvPr id="4" name="任意多边形: 形状 3">
+              <a:extLst>
+                <a:ext uri="{FF2B5EF4-FFF2-40B4-BE49-F238E27FC236}">
+                  <a16:creationId xmlns:a16="http://schemas.microsoft.com/office/drawing/2014/main" id="{0EE66681-9243-B206-1444-ECEAE54889BB}"/>
+                </a:ext>
+              </a:extLst>
+            </p:cNvPr>
+            <p:cNvSpPr/>
+            <p:nvPr/>
+          </p:nvSpPr>
+          <p:spPr>
+            <a:xfrm rot="5400000">
+              <a:off x="5902603" y="-1477569"/>
+              <a:ext cx="374094" cy="8902695"/>
+            </a:xfrm>
+            <a:custGeom>
+              <a:avLst/>
+              <a:gdLst>
+                <a:gd name="connsiteX0" fmla="*/ 0 w 2348789"/>
+                <a:gd name="connsiteY0" fmla="*/ 213669 h 8902695"/>
+                <a:gd name="connsiteX1" fmla="*/ 213669 w 2348789"/>
+                <a:gd name="connsiteY1" fmla="*/ 0 h 8902695"/>
+                <a:gd name="connsiteX2" fmla="*/ 2135120 w 2348789"/>
+                <a:gd name="connsiteY2" fmla="*/ 0 h 8902695"/>
+                <a:gd name="connsiteX3" fmla="*/ 2348789 w 2348789"/>
+                <a:gd name="connsiteY3" fmla="*/ 213669 h 8902695"/>
+                <a:gd name="connsiteX4" fmla="*/ 2348789 w 2348789"/>
+                <a:gd name="connsiteY4" fmla="*/ 8689026 h 8902695"/>
+                <a:gd name="connsiteX5" fmla="*/ 2135120 w 2348789"/>
+                <a:gd name="connsiteY5" fmla="*/ 8902695 h 8902695"/>
+                <a:gd name="connsiteX6" fmla="*/ 213669 w 2348789"/>
+                <a:gd name="connsiteY6" fmla="*/ 8902695 h 8902695"/>
+                <a:gd name="connsiteX7" fmla="*/ 0 w 2348789"/>
+                <a:gd name="connsiteY7" fmla="*/ 8689026 h 8902695"/>
+                <a:gd name="connsiteX8" fmla="*/ 0 w 2348789"/>
+                <a:gd name="connsiteY8" fmla="*/ 213669 h 8902695"/>
+                <a:gd name="connsiteX0" fmla="*/ 2348789 w 2440229"/>
+                <a:gd name="connsiteY0" fmla="*/ 213669 h 8902695"/>
+                <a:gd name="connsiteX1" fmla="*/ 2348789 w 2440229"/>
+                <a:gd name="connsiteY1" fmla="*/ 8689026 h 8902695"/>
+                <a:gd name="connsiteX2" fmla="*/ 2135120 w 2440229"/>
+                <a:gd name="connsiteY2" fmla="*/ 8902695 h 8902695"/>
+                <a:gd name="connsiteX3" fmla="*/ 213669 w 2440229"/>
+                <a:gd name="connsiteY3" fmla="*/ 8902695 h 8902695"/>
+                <a:gd name="connsiteX4" fmla="*/ 0 w 2440229"/>
+                <a:gd name="connsiteY4" fmla="*/ 8689026 h 8902695"/>
+                <a:gd name="connsiteX5" fmla="*/ 0 w 2440229"/>
+                <a:gd name="connsiteY5" fmla="*/ 213669 h 8902695"/>
+                <a:gd name="connsiteX6" fmla="*/ 213669 w 2440229"/>
+                <a:gd name="connsiteY6" fmla="*/ 0 h 8902695"/>
+                <a:gd name="connsiteX7" fmla="*/ 2135120 w 2440229"/>
+                <a:gd name="connsiteY7" fmla="*/ 0 h 8902695"/>
+                <a:gd name="connsiteX8" fmla="*/ 2440229 w 2440229"/>
+                <a:gd name="connsiteY8" fmla="*/ 305109 h 8902695"/>
+                <a:gd name="connsiteX0" fmla="*/ 2348789 w 2440229"/>
+                <a:gd name="connsiteY0" fmla="*/ 8689026 h 8902695"/>
+                <a:gd name="connsiteX1" fmla="*/ 2135120 w 2440229"/>
+                <a:gd name="connsiteY1" fmla="*/ 8902695 h 8902695"/>
+                <a:gd name="connsiteX2" fmla="*/ 213669 w 2440229"/>
+                <a:gd name="connsiteY2" fmla="*/ 8902695 h 8902695"/>
+                <a:gd name="connsiteX3" fmla="*/ 0 w 2440229"/>
+                <a:gd name="connsiteY3" fmla="*/ 8689026 h 8902695"/>
+                <a:gd name="connsiteX4" fmla="*/ 0 w 2440229"/>
+                <a:gd name="connsiteY4" fmla="*/ 213669 h 8902695"/>
+                <a:gd name="connsiteX5" fmla="*/ 213669 w 2440229"/>
+                <a:gd name="connsiteY5" fmla="*/ 0 h 8902695"/>
+                <a:gd name="connsiteX6" fmla="*/ 2135120 w 2440229"/>
+                <a:gd name="connsiteY6" fmla="*/ 0 h 8902695"/>
+                <a:gd name="connsiteX7" fmla="*/ 2440229 w 2440229"/>
+                <a:gd name="connsiteY7" fmla="*/ 305109 h 8902695"/>
+                <a:gd name="connsiteX0" fmla="*/ 2348789 w 2348789"/>
+                <a:gd name="connsiteY0" fmla="*/ 8689026 h 8902695"/>
+                <a:gd name="connsiteX1" fmla="*/ 2135120 w 2348789"/>
+                <a:gd name="connsiteY1" fmla="*/ 8902695 h 8902695"/>
+                <a:gd name="connsiteX2" fmla="*/ 213669 w 2348789"/>
+                <a:gd name="connsiteY2" fmla="*/ 8902695 h 8902695"/>
+                <a:gd name="connsiteX3" fmla="*/ 0 w 2348789"/>
+                <a:gd name="connsiteY3" fmla="*/ 8689026 h 8902695"/>
+                <a:gd name="connsiteX4" fmla="*/ 0 w 2348789"/>
+                <a:gd name="connsiteY4" fmla="*/ 213669 h 8902695"/>
+                <a:gd name="connsiteX5" fmla="*/ 213669 w 2348789"/>
+                <a:gd name="connsiteY5" fmla="*/ 0 h 8902695"/>
+                <a:gd name="connsiteX6" fmla="*/ 2135120 w 2348789"/>
+                <a:gd name="connsiteY6" fmla="*/ 0 h 8902695"/>
+                <a:gd name="connsiteX0" fmla="*/ 2135120 w 2135120"/>
+                <a:gd name="connsiteY0" fmla="*/ 8902695 h 8902695"/>
+                <a:gd name="connsiteX1" fmla="*/ 213669 w 2135120"/>
+                <a:gd name="connsiteY1" fmla="*/ 8902695 h 8902695"/>
+                <a:gd name="connsiteX2" fmla="*/ 0 w 2135120"/>
+                <a:gd name="connsiteY2" fmla="*/ 8689026 h 8902695"/>
+                <a:gd name="connsiteX3" fmla="*/ 0 w 2135120"/>
+                <a:gd name="connsiteY3" fmla="*/ 213669 h 8902695"/>
+                <a:gd name="connsiteX4" fmla="*/ 213669 w 2135120"/>
+                <a:gd name="connsiteY4" fmla="*/ 0 h 8902695"/>
+                <a:gd name="connsiteX5" fmla="*/ 2135120 w 2135120"/>
+                <a:gd name="connsiteY5" fmla="*/ 0 h 8902695"/>
+                <a:gd name="connsiteX0" fmla="*/ 2135120 w 2135120"/>
+                <a:gd name="connsiteY0" fmla="*/ 8902695 h 8902695"/>
+                <a:gd name="connsiteX1" fmla="*/ 736848 w 2135120"/>
+                <a:gd name="connsiteY1" fmla="*/ 8902695 h 8902695"/>
+                <a:gd name="connsiteX2" fmla="*/ 213669 w 2135120"/>
+                <a:gd name="connsiteY2" fmla="*/ 8902695 h 8902695"/>
+                <a:gd name="connsiteX3" fmla="*/ 0 w 2135120"/>
+                <a:gd name="connsiteY3" fmla="*/ 8689026 h 8902695"/>
+                <a:gd name="connsiteX4" fmla="*/ 0 w 2135120"/>
+                <a:gd name="connsiteY4" fmla="*/ 213669 h 8902695"/>
+                <a:gd name="connsiteX5" fmla="*/ 213669 w 2135120"/>
+                <a:gd name="connsiteY5" fmla="*/ 0 h 8902695"/>
+                <a:gd name="connsiteX6" fmla="*/ 2135120 w 2135120"/>
+                <a:gd name="connsiteY6" fmla="*/ 0 h 8902695"/>
+                <a:gd name="connsiteX0" fmla="*/ 2135120 w 2135120"/>
+                <a:gd name="connsiteY0" fmla="*/ 8902695 h 8902695"/>
+                <a:gd name="connsiteX1" fmla="*/ 736848 w 2135120"/>
+                <a:gd name="connsiteY1" fmla="*/ 8902695 h 8902695"/>
+                <a:gd name="connsiteX2" fmla="*/ 213669 w 2135120"/>
+                <a:gd name="connsiteY2" fmla="*/ 8902695 h 8902695"/>
+                <a:gd name="connsiteX3" fmla="*/ 0 w 2135120"/>
+                <a:gd name="connsiteY3" fmla="*/ 8689026 h 8902695"/>
+                <a:gd name="connsiteX4" fmla="*/ 0 w 2135120"/>
+                <a:gd name="connsiteY4" fmla="*/ 213669 h 8902695"/>
+                <a:gd name="connsiteX5" fmla="*/ 213669 w 2135120"/>
+                <a:gd name="connsiteY5" fmla="*/ 0 h 8902695"/>
+                <a:gd name="connsiteX6" fmla="*/ 747859 w 2135120"/>
+                <a:gd name="connsiteY6" fmla="*/ 6345 h 8902695"/>
+                <a:gd name="connsiteX7" fmla="*/ 2135120 w 2135120"/>
+                <a:gd name="connsiteY7" fmla="*/ 0 h 8902695"/>
+                <a:gd name="connsiteX0" fmla="*/ 2135120 w 2135120"/>
+                <a:gd name="connsiteY0" fmla="*/ 8902695 h 8902695"/>
+                <a:gd name="connsiteX1" fmla="*/ 736848 w 2135120"/>
+                <a:gd name="connsiteY1" fmla="*/ 8902695 h 8902695"/>
+                <a:gd name="connsiteX2" fmla="*/ 213669 w 2135120"/>
+                <a:gd name="connsiteY2" fmla="*/ 8902695 h 8902695"/>
+                <a:gd name="connsiteX3" fmla="*/ 0 w 2135120"/>
+                <a:gd name="connsiteY3" fmla="*/ 8689026 h 8902695"/>
+                <a:gd name="connsiteX4" fmla="*/ 0 w 2135120"/>
+                <a:gd name="connsiteY4" fmla="*/ 213669 h 8902695"/>
+                <a:gd name="connsiteX5" fmla="*/ 213669 w 2135120"/>
+                <a:gd name="connsiteY5" fmla="*/ 0 h 8902695"/>
+                <a:gd name="connsiteX6" fmla="*/ 747859 w 2135120"/>
+                <a:gd name="connsiteY6" fmla="*/ 6345 h 8902695"/>
+                <a:gd name="connsiteX0" fmla="*/ 736848 w 747859"/>
+                <a:gd name="connsiteY0" fmla="*/ 8902695 h 8902695"/>
+                <a:gd name="connsiteX1" fmla="*/ 213669 w 747859"/>
+                <a:gd name="connsiteY1" fmla="*/ 8902695 h 8902695"/>
+                <a:gd name="connsiteX2" fmla="*/ 0 w 747859"/>
+                <a:gd name="connsiteY2" fmla="*/ 8689026 h 8902695"/>
+                <a:gd name="connsiteX3" fmla="*/ 0 w 747859"/>
+                <a:gd name="connsiteY3" fmla="*/ 213669 h 8902695"/>
+                <a:gd name="connsiteX4" fmla="*/ 213669 w 747859"/>
+                <a:gd name="connsiteY4" fmla="*/ 0 h 8902695"/>
+                <a:gd name="connsiteX5" fmla="*/ 747859 w 747859"/>
+                <a:gd name="connsiteY5" fmla="*/ 6345 h 8902695"/>
+                <a:gd name="connsiteX0" fmla="*/ 736848 w 757502"/>
+                <a:gd name="connsiteY0" fmla="*/ 8902695 h 8902695"/>
+                <a:gd name="connsiteX1" fmla="*/ 213669 w 757502"/>
+                <a:gd name="connsiteY1" fmla="*/ 8902695 h 8902695"/>
+                <a:gd name="connsiteX2" fmla="*/ 0 w 757502"/>
+                <a:gd name="connsiteY2" fmla="*/ 8689026 h 8902695"/>
+                <a:gd name="connsiteX3" fmla="*/ 0 w 757502"/>
+                <a:gd name="connsiteY3" fmla="*/ 213669 h 8902695"/>
+                <a:gd name="connsiteX4" fmla="*/ 213669 w 757502"/>
+                <a:gd name="connsiteY4" fmla="*/ 0 h 8902695"/>
+                <a:gd name="connsiteX5" fmla="*/ 757501 w 757502"/>
+                <a:gd name="connsiteY5" fmla="*/ 1580 h 8902695"/>
+              </a:gdLst>
+              <a:ahLst/>
+              <a:cxnLst>
+                <a:cxn ang="0">
+                  <a:pos x="connsiteX0" y="connsiteY0"/>
+                </a:cxn>
+                <a:cxn ang="0">
+                  <a:pos x="connsiteX1" y="connsiteY1"/>
+                </a:cxn>
+                <a:cxn ang="0">
+                  <a:pos x="connsiteX2" y="connsiteY2"/>
+                </a:cxn>
+                <a:cxn ang="0">
+                  <a:pos x="connsiteX3" y="connsiteY3"/>
+                </a:cxn>
+                <a:cxn ang="0">
+                  <a:pos x="connsiteX4" y="connsiteY4"/>
+                </a:cxn>
+                <a:cxn ang="0">
+                  <a:pos x="connsiteX5" y="connsiteY5"/>
+                </a:cxn>
+              </a:cxnLst>
+              <a:rect l="l" t="t" r="r" b="b"/>
+              <a:pathLst>
+                <a:path w="757502" h="8902695">
+                  <a:moveTo>
+                    <a:pt x="736848" y="8902695"/>
+                  </a:moveTo>
+                  <a:lnTo>
+                    <a:pt x="213669" y="8902695"/>
+                  </a:lnTo>
+                  <a:cubicBezTo>
+                    <a:pt x="95663" y="8902695"/>
+                    <a:pt x="0" y="8807032"/>
+                    <a:pt x="0" y="8689026"/>
+                  </a:cubicBezTo>
+                  <a:lnTo>
+                    <a:pt x="0" y="213669"/>
+                  </a:lnTo>
+                  <a:cubicBezTo>
+                    <a:pt x="0" y="95663"/>
+                    <a:pt x="95663" y="0"/>
+                    <a:pt x="213669" y="0"/>
+                  </a:cubicBezTo>
+                  <a:lnTo>
+                    <a:pt x="757501" y="1580"/>
+                  </a:lnTo>
+                </a:path>
+              </a:pathLst>
+            </a:custGeom>
+            <a:ln>
+              <a:solidFill>
+                <a:schemeClr val="tx1">
+                  <a:alpha val="20000"/>
+                </a:schemeClr>
+              </a:solidFill>
+            </a:ln>
+          </p:spPr>
+          <p:style>
+            <a:lnRef idx="1">
+              <a:schemeClr val="accent1"/>
+            </a:lnRef>
+            <a:fillRef idx="0">
+              <a:schemeClr val="accent1"/>
+            </a:fillRef>
+            <a:effectRef idx="0">
+              <a:schemeClr val="accent1"/>
+            </a:effectRef>
+            <a:fontRef idx="minor">
+              <a:schemeClr val="tx1"/>
+            </a:fontRef>
+          </p:style>
+          <p:txBody>
+            <a:bodyPr rtlCol="0" anchor="ctr"/>
+            <a:lstStyle/>
+            <a:p>
+              <a:pPr algn="ctr"/>
+              <a:endParaRPr lang="zh-CN" altLang="en-US" sz="1350" dirty="0"/>
+            </a:p>
+          </p:txBody>
+        </p:sp>
+        <p:grpSp>
+          <p:nvGrpSpPr>
+            <p:cNvPr id="5" name="组合 4">
+              <a:extLst>
+                <a:ext uri="{FF2B5EF4-FFF2-40B4-BE49-F238E27FC236}">
+                  <a16:creationId xmlns:a16="http://schemas.microsoft.com/office/drawing/2014/main" id="{06704193-1710-49E2-5E86-0EBD19291C80}"/>
+                </a:ext>
+              </a:extLst>
+            </p:cNvPr>
+            <p:cNvGrpSpPr/>
+            <p:nvPr/>
+          </p:nvGrpSpPr>
+          <p:grpSpPr>
+            <a:xfrm>
+              <a:off x="3863976" y="2786021"/>
+              <a:ext cx="4451348" cy="971412"/>
+              <a:chOff x="3863976" y="2786020"/>
+              <a:chExt cx="4451348" cy="1658412"/>
+            </a:xfrm>
+          </p:grpSpPr>
+          <p:cxnSp>
+            <p:nvCxnSpPr>
+              <p:cNvPr id="6" name="直接连接符 5">
+                <a:extLst>
+                  <a:ext uri="{FF2B5EF4-FFF2-40B4-BE49-F238E27FC236}">
+                    <a16:creationId xmlns:a16="http://schemas.microsoft.com/office/drawing/2014/main" id="{FEF5643A-DEF4-1128-33A6-28E030794640}"/>
+                  </a:ext>
+                </a:extLst>
+              </p:cNvPr>
+              <p:cNvCxnSpPr>
+                <a:cxnSpLocks/>
+              </p:cNvCxnSpPr>
+              <p:nvPr/>
+            </p:nvCxnSpPr>
+            <p:spPr>
+              <a:xfrm>
+                <a:off x="3863976" y="2786020"/>
+                <a:ext cx="0" cy="1658412"/>
+              </a:xfrm>
+              <a:prstGeom prst="line">
+                <a:avLst/>
+              </a:prstGeom>
+              <a:ln>
+                <a:solidFill>
+                  <a:schemeClr val="tx1">
+                    <a:alpha val="20000"/>
+                  </a:schemeClr>
+                </a:solidFill>
+              </a:ln>
+            </p:spPr>
+            <p:style>
+              <a:lnRef idx="1">
+                <a:schemeClr val="accent1"/>
+              </a:lnRef>
+              <a:fillRef idx="0">
+                <a:schemeClr val="accent1"/>
+              </a:fillRef>
+              <a:effectRef idx="0">
+                <a:schemeClr val="accent1"/>
+              </a:effectRef>
+              <a:fontRef idx="minor">
+                <a:schemeClr val="tx1"/>
+              </a:fontRef>
+            </p:style>
+          </p:cxnSp>
+          <p:cxnSp>
+            <p:nvCxnSpPr>
+              <p:cNvPr id="7" name="直接连接符 6">
+                <a:extLst>
+                  <a:ext uri="{FF2B5EF4-FFF2-40B4-BE49-F238E27FC236}">
+                    <a16:creationId xmlns:a16="http://schemas.microsoft.com/office/drawing/2014/main" id="{E9D6EA0A-6024-E80F-E278-C4BF42978DC6}"/>
+                  </a:ext>
+                </a:extLst>
+              </p:cNvPr>
+              <p:cNvCxnSpPr>
+                <a:cxnSpLocks/>
+              </p:cNvCxnSpPr>
+              <p:nvPr/>
+            </p:nvCxnSpPr>
+            <p:spPr>
+              <a:xfrm>
+                <a:off x="8315324" y="2786020"/>
+                <a:ext cx="0" cy="1658412"/>
+              </a:xfrm>
+              <a:prstGeom prst="line">
+                <a:avLst/>
+              </a:prstGeom>
+              <a:ln>
+                <a:solidFill>
+                  <a:schemeClr val="tx1">
+                    <a:alpha val="20000"/>
+                  </a:schemeClr>
+                </a:solidFill>
+              </a:ln>
+            </p:spPr>
+            <p:style>
+              <a:lnRef idx="1">
+                <a:schemeClr val="accent1"/>
+              </a:lnRef>
+              <a:fillRef idx="0">
+                <a:schemeClr val="accent1"/>
+              </a:fillRef>
+              <a:effectRef idx="0">
+                <a:schemeClr val="accent1"/>
+              </a:effectRef>
+              <a:fontRef idx="minor">
+                <a:schemeClr val="tx1"/>
+              </a:fontRef>
+            </p:style>
+          </p:cxnSp>
+        </p:grpSp>
+        <p:grpSp>
+          <p:nvGrpSpPr>
+            <p:cNvPr id="11" name="组合 10">
+              <a:extLst>
+                <a:ext uri="{FF2B5EF4-FFF2-40B4-BE49-F238E27FC236}">
+                  <a16:creationId xmlns:a16="http://schemas.microsoft.com/office/drawing/2014/main" id="{01684F58-E6EB-14BF-8A65-2C3DCF8A5C25}"/>
+                </a:ext>
+              </a:extLst>
+            </p:cNvPr>
+            <p:cNvGrpSpPr/>
+            <p:nvPr/>
+          </p:nvGrpSpPr>
+          <p:grpSpPr>
+            <a:xfrm>
+              <a:off x="777586" y="3261390"/>
+              <a:ext cx="1721432" cy="827245"/>
+              <a:chOff x="777586" y="3236888"/>
+              <a:chExt cx="1721432" cy="827245"/>
+            </a:xfrm>
+          </p:grpSpPr>
+          <p:sp>
+            <p:nvSpPr>
+              <p:cNvPr id="12" name="文本框 11">
+                <a:extLst>
+                  <a:ext uri="{FF2B5EF4-FFF2-40B4-BE49-F238E27FC236}">
+                    <a16:creationId xmlns:a16="http://schemas.microsoft.com/office/drawing/2014/main" id="{38DF93F4-2020-A86C-2CBF-0DE8398B1640}"/>
+                  </a:ext>
+                </a:extLst>
+              </p:cNvPr>
+              <p:cNvSpPr txBox="1"/>
+              <p:nvPr/>
+            </p:nvSpPr>
+            <p:spPr>
+              <a:xfrm>
+                <a:off x="777586" y="3533988"/>
+                <a:ext cx="1721432" cy="530145"/>
+              </a:xfrm>
+              <a:prstGeom prst="rect">
+                <a:avLst/>
+              </a:prstGeom>
+              <a:noFill/>
+              <a:ln w="38100">
+                <a:noFill/>
+                <a:round/>
+                <a:headEnd/>
+                <a:tailEnd/>
+              </a:ln>
+              <a:effectLst/>
+            </p:spPr>
+            <p:style>
+              <a:lnRef idx="2">
+                <a:schemeClr val="accent1">
+                  <a:shade val="50000"/>
+                </a:schemeClr>
+              </a:lnRef>
+              <a:fillRef idx="1">
+                <a:schemeClr val="accent1"/>
+              </a:fillRef>
+              <a:effectRef idx="0">
+                <a:schemeClr val="accent1"/>
+              </a:effectRef>
+              <a:fontRef idx="minor">
+                <a:schemeClr val="lt1"/>
+              </a:fontRef>
+            </p:style>
+            <p:txBody>
+              <a:bodyPr rot="0" spcFirstLastPara="0" vert="horz" wrap="square" lIns="68580" tIns="34290" rIns="68580" bIns="34290" numCol="1" spcCol="0" rtlCol="0" fromWordArt="0" anchor="t" anchorCtr="0" forceAA="0" compatLnSpc="1">
+                <a:prstTxWarp prst="textNoShape">
+                  <a:avLst/>
+                </a:prstTxWarp>
+                <a:spAutoFit/>
+              </a:bodyPr>
+              <a:lstStyle>
+                <a:defPPr>
+                  <a:defRPr lang="zh-CN"/>
+                </a:defPPr>
+                <a:lvl1pPr algn="ctr"/>
+                <a:lvl2pPr>
+                  <a:defRPr>
+                    <a:solidFill>
+                      <a:schemeClr val="lt1"/>
+                    </a:solidFill>
+                  </a:defRPr>
+                </a:lvl2pPr>
+                <a:lvl3pPr>
+                  <a:defRPr>
+                    <a:solidFill>
+                      <a:schemeClr val="lt1"/>
+                    </a:solidFill>
+                  </a:defRPr>
+                </a:lvl3pPr>
+                <a:lvl4pPr>
+                  <a:defRPr>
+                    <a:solidFill>
+                      <a:schemeClr val="lt1"/>
+                    </a:solidFill>
+                  </a:defRPr>
+                </a:lvl4pPr>
+                <a:lvl5pPr>
+                  <a:defRPr>
+                    <a:solidFill>
+                      <a:schemeClr val="lt1"/>
+                    </a:solidFill>
+                  </a:defRPr>
+                </a:lvl5pPr>
+                <a:lvl6pPr>
+                  <a:defRPr>
+                    <a:solidFill>
+                      <a:schemeClr val="lt1"/>
+                    </a:solidFill>
+                  </a:defRPr>
+                </a:lvl6pPr>
+                <a:lvl7pPr>
+                  <a:defRPr>
+                    <a:solidFill>
+                      <a:schemeClr val="lt1"/>
+                    </a:solidFill>
+                  </a:defRPr>
+                </a:lvl7pPr>
+                <a:lvl8pPr>
+                  <a:defRPr>
+                    <a:solidFill>
+                      <a:schemeClr val="lt1"/>
+                    </a:solidFill>
+                  </a:defRPr>
+                </a:lvl8pPr>
+                <a:lvl9pPr>
+                  <a:defRPr>
+                    <a:solidFill>
+                      <a:schemeClr val="lt1"/>
+                    </a:solidFill>
+                  </a:defRPr>
+                </a:lvl9pPr>
+              </a:lstStyle>
+              <a:p>
+                <a:pPr defTabSz="685324">
+                  <a:lnSpc>
+                    <a:spcPct val="150000"/>
+                  </a:lnSpc>
+                  <a:buSzPct val="30000"/>
+                  <a:defRPr/>
+                </a:pPr>
+                <a:r>
+                  <a:rPr lang="en-US" altLang="zh-CN" sz="750" dirty="0">
+                    <a:solidFill>
+                      <a:schemeClr val="tx1"/>
+                    </a:solidFill>
+                    <a:latin typeface="Calibri" panose="020F0502020204030204" pitchFamily="34" charset="0"/>
+                    <a:ea typeface="微软雅黑" panose="020B0503020204020204" pitchFamily="34" charset="-122"/>
+                  </a:rPr>
+                  <a:t>Theme  color makes PPT more convenient to change.</a:t>
+                </a:r>
+              </a:p>
+            </p:txBody>
+          </p:sp>
+          <p:sp>
+            <p:nvSpPr>
+              <p:cNvPr id="13" name="文本框 12">
+                <a:extLst>
+                  <a:ext uri="{FF2B5EF4-FFF2-40B4-BE49-F238E27FC236}">
+                    <a16:creationId xmlns:a16="http://schemas.microsoft.com/office/drawing/2014/main" id="{83E9AB73-581A-FD94-E578-36D60E0D6AB2}"/>
+                  </a:ext>
+                </a:extLst>
+              </p:cNvPr>
+              <p:cNvSpPr txBox="1"/>
+              <p:nvPr/>
+            </p:nvSpPr>
+            <p:spPr>
+              <a:xfrm>
+                <a:off x="777586" y="3236888"/>
+                <a:ext cx="1721432" cy="369332"/>
+              </a:xfrm>
+              <a:prstGeom prst="rect">
+                <a:avLst/>
+              </a:prstGeom>
+              <a:noFill/>
+              <a:ln w="38100">
+                <a:noFill/>
+                <a:round/>
+                <a:headEnd/>
+                <a:tailEnd/>
+              </a:ln>
+              <a:effectLst/>
+            </p:spPr>
+            <p:style>
+              <a:lnRef idx="2">
+                <a:schemeClr val="accent1">
+                  <a:shade val="50000"/>
+                </a:schemeClr>
+              </a:lnRef>
+              <a:fillRef idx="1">
+                <a:schemeClr val="accent1"/>
+              </a:fillRef>
+              <a:effectRef idx="0">
+                <a:schemeClr val="accent1"/>
+              </a:effectRef>
+              <a:fontRef idx="minor">
+                <a:schemeClr val="lt1"/>
+              </a:fontRef>
+            </p:style>
+            <p:txBody>
+              <a:bodyPr rot="0" spcFirstLastPara="0" vert="horz" wrap="square" lIns="68580" tIns="34290" rIns="68580" bIns="34290" numCol="1" spcCol="0" rtlCol="0" fromWordArt="0" anchor="t" anchorCtr="0" forceAA="0" compatLnSpc="1">
+                <a:prstTxWarp prst="textNoShape">
+                  <a:avLst/>
+                </a:prstTxWarp>
+                <a:spAutoFit/>
+              </a:bodyPr>
+              <a:lstStyle>
+                <a:defPPr>
+                  <a:defRPr lang="zh-CN"/>
+                </a:defPPr>
+                <a:lvl1pPr algn="ctr"/>
+                <a:lvl2pPr>
+                  <a:defRPr>
+                    <a:solidFill>
+                      <a:schemeClr val="lt1"/>
+                    </a:solidFill>
+                  </a:defRPr>
+                </a:lvl2pPr>
+                <a:lvl3pPr>
+                  <a:defRPr>
+                    <a:solidFill>
+                      <a:schemeClr val="lt1"/>
+                    </a:solidFill>
+                  </a:defRPr>
+                </a:lvl3pPr>
+                <a:lvl4pPr>
+                  <a:defRPr>
+                    <a:solidFill>
+                      <a:schemeClr val="lt1"/>
+                    </a:solidFill>
+                  </a:defRPr>
+                </a:lvl4pPr>
+                <a:lvl5pPr>
+                  <a:defRPr>
+                    <a:solidFill>
+                      <a:schemeClr val="lt1"/>
+                    </a:solidFill>
+                  </a:defRPr>
+                </a:lvl5pPr>
+                <a:lvl6pPr>
+                  <a:defRPr>
+                    <a:solidFill>
+                      <a:schemeClr val="lt1"/>
+                    </a:solidFill>
+                  </a:defRPr>
+                </a:lvl6pPr>
+                <a:lvl7pPr>
+                  <a:defRPr>
+                    <a:solidFill>
+                      <a:schemeClr val="lt1"/>
+                    </a:solidFill>
+                  </a:defRPr>
+                </a:lvl7pPr>
+                <a:lvl8pPr>
+                  <a:defRPr>
+                    <a:solidFill>
+                      <a:schemeClr val="lt1"/>
+                    </a:solidFill>
+                  </a:defRPr>
+                </a:lvl8pPr>
+                <a:lvl9pPr>
+                  <a:defRPr>
+                    <a:solidFill>
+                      <a:schemeClr val="lt1"/>
+                    </a:solidFill>
+                  </a:defRPr>
+                </a:lvl9pPr>
+              </a:lstStyle>
+              <a:p>
+                <a:pPr defTabSz="685324">
+                  <a:buSzPct val="25000"/>
+                  <a:defRPr/>
+                </a:pPr>
+                <a:r>
+                  <a:rPr lang="en-US" altLang="zh-CN" sz="1350" b="1" dirty="0">
+                    <a:solidFill>
+                      <a:schemeClr val="tx1"/>
+                    </a:solidFill>
+                    <a:latin typeface="Calibri" panose="020F0502020204030204" pitchFamily="34" charset="0"/>
+                    <a:ea typeface="微软雅黑" panose="020B0503020204020204" pitchFamily="34" charset="-122"/>
+                  </a:rPr>
+                  <a:t>Text here</a:t>
+                </a:r>
+              </a:p>
+            </p:txBody>
+          </p:sp>
+        </p:grpSp>
+        <p:cxnSp>
+          <p:nvCxnSpPr>
+            <p:cNvPr id="14" name="直接连接符 13">
+              <a:extLst>
+                <a:ext uri="{FF2B5EF4-FFF2-40B4-BE49-F238E27FC236}">
+                  <a16:creationId xmlns:a16="http://schemas.microsoft.com/office/drawing/2014/main" id="{C769AC0C-60F7-77B5-5FC4-5C4FE80A5DC5}"/>
+                </a:ext>
+              </a:extLst>
+            </p:cNvPr>
+            <p:cNvCxnSpPr>
+              <a:cxnSpLocks/>
+            </p:cNvCxnSpPr>
+            <p:nvPr/>
+          </p:nvCxnSpPr>
+          <p:spPr>
+            <a:xfrm>
+              <a:off x="6088854" y="2786020"/>
+              <a:ext cx="0" cy="373162"/>
+            </a:xfrm>
+            <a:prstGeom prst="line">
+              <a:avLst/>
+            </a:prstGeom>
+            <a:ln>
+              <a:solidFill>
+                <a:schemeClr val="tx1">
+                  <a:alpha val="20000"/>
+                </a:schemeClr>
+              </a:solidFill>
+            </a:ln>
+          </p:spPr>
+          <p:style>
+            <a:lnRef idx="1">
+              <a:schemeClr val="accent1"/>
+            </a:lnRef>
+            <a:fillRef idx="0">
+              <a:schemeClr val="accent1"/>
+            </a:fillRef>
+            <a:effectRef idx="0">
+              <a:schemeClr val="accent1"/>
+            </a:effectRef>
+            <a:fontRef idx="minor">
+              <a:schemeClr val="tx1"/>
+            </a:fontRef>
+          </p:style>
+        </p:cxnSp>
+        <p:grpSp>
+          <p:nvGrpSpPr>
+            <p:cNvPr id="15" name="组合 14">
+              <a:extLst>
+                <a:ext uri="{FF2B5EF4-FFF2-40B4-BE49-F238E27FC236}">
+                  <a16:creationId xmlns:a16="http://schemas.microsoft.com/office/drawing/2014/main" id="{59830BB0-7434-C621-482A-14ABEB3520DC}"/>
+                </a:ext>
+              </a:extLst>
+            </p:cNvPr>
+            <p:cNvGrpSpPr/>
+            <p:nvPr/>
+          </p:nvGrpSpPr>
+          <p:grpSpPr>
+            <a:xfrm>
+              <a:off x="3003260" y="3770288"/>
+              <a:ext cx="1721432" cy="827245"/>
+              <a:chOff x="777586" y="3236888"/>
+              <a:chExt cx="1721432" cy="827245"/>
+            </a:xfrm>
+          </p:grpSpPr>
+          <p:sp>
+            <p:nvSpPr>
+              <p:cNvPr id="16" name="文本框 15">
+                <a:extLst>
+                  <a:ext uri="{FF2B5EF4-FFF2-40B4-BE49-F238E27FC236}">
+                    <a16:creationId xmlns:a16="http://schemas.microsoft.com/office/drawing/2014/main" id="{63D5D248-1838-6518-AB4A-FE154E8F4204}"/>
+                  </a:ext>
+                </a:extLst>
+              </p:cNvPr>
+              <p:cNvSpPr txBox="1"/>
+              <p:nvPr/>
+            </p:nvSpPr>
+            <p:spPr>
+              <a:xfrm>
+                <a:off x="777586" y="3533988"/>
+                <a:ext cx="1721432" cy="530145"/>
+              </a:xfrm>
+              <a:prstGeom prst="rect">
+                <a:avLst/>
+              </a:prstGeom>
+              <a:noFill/>
+              <a:ln w="38100">
+                <a:noFill/>
+                <a:round/>
+                <a:headEnd/>
+                <a:tailEnd/>
+              </a:ln>
+              <a:effectLst/>
+            </p:spPr>
+            <p:style>
+              <a:lnRef idx="2">
+                <a:schemeClr val="accent1">
+                  <a:shade val="50000"/>
+                </a:schemeClr>
+              </a:lnRef>
+              <a:fillRef idx="1">
+                <a:schemeClr val="accent1"/>
+              </a:fillRef>
+              <a:effectRef idx="0">
+                <a:schemeClr val="accent1"/>
+              </a:effectRef>
+              <a:fontRef idx="minor">
+                <a:schemeClr val="lt1"/>
+              </a:fontRef>
+            </p:style>
+            <p:txBody>
+              <a:bodyPr rot="0" spcFirstLastPara="0" vert="horz" wrap="square" lIns="68580" tIns="34290" rIns="68580" bIns="34290" numCol="1" spcCol="0" rtlCol="0" fromWordArt="0" anchor="t" anchorCtr="0" forceAA="0" compatLnSpc="1">
+                <a:prstTxWarp prst="textNoShape">
+                  <a:avLst/>
+                </a:prstTxWarp>
+                <a:spAutoFit/>
+              </a:bodyPr>
+              <a:lstStyle>
+                <a:defPPr>
+                  <a:defRPr lang="zh-CN"/>
+                </a:defPPr>
+                <a:lvl1pPr algn="ctr"/>
+                <a:lvl2pPr>
+                  <a:defRPr>
+                    <a:solidFill>
+                      <a:schemeClr val="lt1"/>
+                    </a:solidFill>
+                  </a:defRPr>
+                </a:lvl2pPr>
+                <a:lvl3pPr>
+                  <a:defRPr>
+                    <a:solidFill>
+                      <a:schemeClr val="lt1"/>
+                    </a:solidFill>
+                  </a:defRPr>
+                </a:lvl3pPr>
+                <a:lvl4pPr>
+                  <a:defRPr>
+                    <a:solidFill>
+                      <a:schemeClr val="lt1"/>
+                    </a:solidFill>
+                  </a:defRPr>
+                </a:lvl4pPr>
+                <a:lvl5pPr>
+                  <a:defRPr>
+                    <a:solidFill>
+                      <a:schemeClr val="lt1"/>
+                    </a:solidFill>
+                  </a:defRPr>
+                </a:lvl5pPr>
+                <a:lvl6pPr>
+                  <a:defRPr>
+                    <a:solidFill>
+                      <a:schemeClr val="lt1"/>
+                    </a:solidFill>
+                  </a:defRPr>
+                </a:lvl6pPr>
+                <a:lvl7pPr>
+                  <a:defRPr>
+                    <a:solidFill>
+                      <a:schemeClr val="lt1"/>
+                    </a:solidFill>
+                  </a:defRPr>
+                </a:lvl7pPr>
+                <a:lvl8pPr>
+                  <a:defRPr>
+                    <a:solidFill>
+                      <a:schemeClr val="lt1"/>
+                    </a:solidFill>
+                  </a:defRPr>
+                </a:lvl8pPr>
+                <a:lvl9pPr>
+                  <a:defRPr>
+                    <a:solidFill>
+                      <a:schemeClr val="lt1"/>
+                    </a:solidFill>
+                  </a:defRPr>
+                </a:lvl9pPr>
+              </a:lstStyle>
+              <a:p>
+                <a:pPr defTabSz="685324">
+                  <a:lnSpc>
+                    <a:spcPct val="150000"/>
+                  </a:lnSpc>
+                  <a:buSzPct val="30000"/>
+                  <a:defRPr/>
+                </a:pPr>
+                <a:r>
+                  <a:rPr lang="en-US" altLang="zh-CN" sz="750" dirty="0">
+                    <a:solidFill>
+                      <a:schemeClr val="tx1"/>
+                    </a:solidFill>
+                    <a:latin typeface="Calibri" panose="020F0502020204030204" pitchFamily="34" charset="0"/>
+                    <a:ea typeface="微软雅黑" panose="020B0503020204020204" pitchFamily="34" charset="-122"/>
+                  </a:rPr>
+                  <a:t>Theme  color makes PPT more convenient to change.</a:t>
+                </a:r>
+              </a:p>
+            </p:txBody>
+          </p:sp>
+          <p:sp>
+            <p:nvSpPr>
+              <p:cNvPr id="17" name="文本框 16">
+                <a:extLst>
+                  <a:ext uri="{FF2B5EF4-FFF2-40B4-BE49-F238E27FC236}">
+                    <a16:creationId xmlns:a16="http://schemas.microsoft.com/office/drawing/2014/main" id="{8FC9E362-2AF2-2AA8-E706-E70458306A92}"/>
+                  </a:ext>
+                </a:extLst>
+              </p:cNvPr>
+              <p:cNvSpPr txBox="1"/>
+              <p:nvPr/>
+            </p:nvSpPr>
+            <p:spPr>
+              <a:xfrm>
+                <a:off x="777586" y="3236888"/>
+                <a:ext cx="1721432" cy="369332"/>
+              </a:xfrm>
+              <a:prstGeom prst="rect">
+                <a:avLst/>
+              </a:prstGeom>
+              <a:noFill/>
+              <a:ln w="38100">
+                <a:noFill/>
+                <a:round/>
+                <a:headEnd/>
+                <a:tailEnd/>
+              </a:ln>
+              <a:effectLst/>
+            </p:spPr>
+            <p:style>
+              <a:lnRef idx="2">
+                <a:schemeClr val="accent1">
+                  <a:shade val="50000"/>
+                </a:schemeClr>
+              </a:lnRef>
+              <a:fillRef idx="1">
+                <a:schemeClr val="accent1"/>
+              </a:fillRef>
+              <a:effectRef idx="0">
+                <a:schemeClr val="accent1"/>
+              </a:effectRef>
+              <a:fontRef idx="minor">
+                <a:schemeClr val="lt1"/>
+              </a:fontRef>
+            </p:style>
+            <p:txBody>
+              <a:bodyPr rot="0" spcFirstLastPara="0" vert="horz" wrap="square" lIns="68580" tIns="34290" rIns="68580" bIns="34290" numCol="1" spcCol="0" rtlCol="0" fromWordArt="0" anchor="t" anchorCtr="0" forceAA="0" compatLnSpc="1">
+                <a:prstTxWarp prst="textNoShape">
+                  <a:avLst/>
+                </a:prstTxWarp>
+                <a:spAutoFit/>
+              </a:bodyPr>
+              <a:lstStyle>
+                <a:defPPr>
+                  <a:defRPr lang="zh-CN"/>
+                </a:defPPr>
+                <a:lvl1pPr algn="ctr"/>
+                <a:lvl2pPr>
+                  <a:defRPr>
+                    <a:solidFill>
+                      <a:schemeClr val="lt1"/>
+                    </a:solidFill>
+                  </a:defRPr>
+                </a:lvl2pPr>
+                <a:lvl3pPr>
+                  <a:defRPr>
+                    <a:solidFill>
+                      <a:schemeClr val="lt1"/>
+                    </a:solidFill>
+                  </a:defRPr>
+                </a:lvl3pPr>
+                <a:lvl4pPr>
+                  <a:defRPr>
+                    <a:solidFill>
+                      <a:schemeClr val="lt1"/>
+                    </a:solidFill>
+                  </a:defRPr>
+                </a:lvl4pPr>
+                <a:lvl5pPr>
+                  <a:defRPr>
+                    <a:solidFill>
+                      <a:schemeClr val="lt1"/>
+                    </a:solidFill>
+                  </a:defRPr>
+                </a:lvl5pPr>
+                <a:lvl6pPr>
+                  <a:defRPr>
+                    <a:solidFill>
+                      <a:schemeClr val="lt1"/>
+                    </a:solidFill>
+                  </a:defRPr>
+                </a:lvl6pPr>
+                <a:lvl7pPr>
+                  <a:defRPr>
+                    <a:solidFill>
+                      <a:schemeClr val="lt1"/>
+                    </a:solidFill>
+                  </a:defRPr>
+                </a:lvl7pPr>
+                <a:lvl8pPr>
+                  <a:defRPr>
+                    <a:solidFill>
+                      <a:schemeClr val="lt1"/>
+                    </a:solidFill>
+                  </a:defRPr>
+                </a:lvl8pPr>
+                <a:lvl9pPr>
+                  <a:defRPr>
+                    <a:solidFill>
+                      <a:schemeClr val="lt1"/>
+                    </a:solidFill>
+                  </a:defRPr>
+                </a:lvl9pPr>
+              </a:lstStyle>
+              <a:p>
+                <a:pPr defTabSz="685324">
+                  <a:buSzPct val="25000"/>
+                  <a:defRPr/>
+                </a:pPr>
+                <a:r>
+                  <a:rPr lang="en-US" altLang="zh-CN" sz="1350" b="1" dirty="0">
+                    <a:solidFill>
+                      <a:schemeClr val="tx1"/>
+                    </a:solidFill>
+                    <a:latin typeface="Calibri" panose="020F0502020204030204" pitchFamily="34" charset="0"/>
+                    <a:ea typeface="微软雅黑" panose="020B0503020204020204" pitchFamily="34" charset="-122"/>
+                  </a:rPr>
+                  <a:t>Text here</a:t>
+                </a:r>
+              </a:p>
+            </p:txBody>
+          </p:sp>
+        </p:grpSp>
+        <p:grpSp>
+          <p:nvGrpSpPr>
+            <p:cNvPr id="18" name="组合 17">
+              <a:extLst>
+                <a:ext uri="{FF2B5EF4-FFF2-40B4-BE49-F238E27FC236}">
+                  <a16:creationId xmlns:a16="http://schemas.microsoft.com/office/drawing/2014/main" id="{FD3319EF-0017-57BB-305E-E7917FAC86AC}"/>
+                </a:ext>
+              </a:extLst>
+            </p:cNvPr>
+            <p:cNvGrpSpPr/>
+            <p:nvPr/>
+          </p:nvGrpSpPr>
+          <p:grpSpPr>
+            <a:xfrm>
+              <a:off x="5228934" y="3261390"/>
+              <a:ext cx="1721432" cy="827245"/>
+              <a:chOff x="777586" y="3236888"/>
+              <a:chExt cx="1721432" cy="827245"/>
+            </a:xfrm>
+          </p:grpSpPr>
+          <p:sp>
+            <p:nvSpPr>
+              <p:cNvPr id="19" name="文本框 18">
+                <a:extLst>
+                  <a:ext uri="{FF2B5EF4-FFF2-40B4-BE49-F238E27FC236}">
+                    <a16:creationId xmlns:a16="http://schemas.microsoft.com/office/drawing/2014/main" id="{2A4EB3E5-1916-9981-7AE8-43D874D37679}"/>
+                  </a:ext>
+                </a:extLst>
+              </p:cNvPr>
+              <p:cNvSpPr txBox="1"/>
+              <p:nvPr/>
+            </p:nvSpPr>
+            <p:spPr>
+              <a:xfrm>
+                <a:off x="777586" y="3533988"/>
+                <a:ext cx="1721432" cy="530145"/>
+              </a:xfrm>
+              <a:prstGeom prst="rect">
+                <a:avLst/>
+              </a:prstGeom>
+              <a:noFill/>
+              <a:ln w="38100">
+                <a:noFill/>
+                <a:round/>
+                <a:headEnd/>
+                <a:tailEnd/>
+              </a:ln>
+              <a:effectLst/>
+            </p:spPr>
+            <p:style>
+              <a:lnRef idx="2">
+                <a:schemeClr val="accent1">
+                  <a:shade val="50000"/>
+                </a:schemeClr>
+              </a:lnRef>
+              <a:fillRef idx="1">
+                <a:schemeClr val="accent1"/>
+              </a:fillRef>
+              <a:effectRef idx="0">
+                <a:schemeClr val="accent1"/>
+              </a:effectRef>
+              <a:fontRef idx="minor">
+                <a:schemeClr val="lt1"/>
+              </a:fontRef>
+            </p:style>
+            <p:txBody>
+              <a:bodyPr rot="0" spcFirstLastPara="0" vert="horz" wrap="square" lIns="68580" tIns="34290" rIns="68580" bIns="34290" numCol="1" spcCol="0" rtlCol="0" fromWordArt="0" anchor="t" anchorCtr="0" forceAA="0" compatLnSpc="1">
+                <a:prstTxWarp prst="textNoShape">
+                  <a:avLst/>
+                </a:prstTxWarp>
+                <a:spAutoFit/>
+              </a:bodyPr>
+              <a:lstStyle>
+                <a:defPPr>
+                  <a:defRPr lang="zh-CN"/>
+                </a:defPPr>
+                <a:lvl1pPr algn="ctr"/>
+                <a:lvl2pPr>
+                  <a:defRPr>
+                    <a:solidFill>
+                      <a:schemeClr val="lt1"/>
+                    </a:solidFill>
+                  </a:defRPr>
+                </a:lvl2pPr>
+                <a:lvl3pPr>
+                  <a:defRPr>
+                    <a:solidFill>
+                      <a:schemeClr val="lt1"/>
+                    </a:solidFill>
+                  </a:defRPr>
+                </a:lvl3pPr>
+                <a:lvl4pPr>
+                  <a:defRPr>
+                    <a:solidFill>
+                      <a:schemeClr val="lt1"/>
+                    </a:solidFill>
+                  </a:defRPr>
+                </a:lvl4pPr>
+                <a:lvl5pPr>
+                  <a:defRPr>
+                    <a:solidFill>
+                      <a:schemeClr val="lt1"/>
+                    </a:solidFill>
+                  </a:defRPr>
+                </a:lvl5pPr>
+                <a:lvl6pPr>
+                  <a:defRPr>
+                    <a:solidFill>
+                      <a:schemeClr val="lt1"/>
+                    </a:solidFill>
+                  </a:defRPr>
+                </a:lvl6pPr>
+                <a:lvl7pPr>
+                  <a:defRPr>
+                    <a:solidFill>
+                      <a:schemeClr val="lt1"/>
+                    </a:solidFill>
+                  </a:defRPr>
+                </a:lvl7pPr>
+                <a:lvl8pPr>
+                  <a:defRPr>
+                    <a:solidFill>
+                      <a:schemeClr val="lt1"/>
+                    </a:solidFill>
+                  </a:defRPr>
+                </a:lvl8pPr>
+                <a:lvl9pPr>
+                  <a:defRPr>
+                    <a:solidFill>
+                      <a:schemeClr val="lt1"/>
+                    </a:solidFill>
+                  </a:defRPr>
+                </a:lvl9pPr>
+              </a:lstStyle>
+              <a:p>
+                <a:pPr defTabSz="685324">
+                  <a:lnSpc>
+                    <a:spcPct val="150000"/>
+                  </a:lnSpc>
+                  <a:buSzPct val="30000"/>
+                  <a:defRPr/>
+                </a:pPr>
+                <a:r>
+                  <a:rPr lang="en-US" altLang="zh-CN" sz="750" dirty="0">
+                    <a:solidFill>
+                      <a:schemeClr val="tx1"/>
+                    </a:solidFill>
+                    <a:latin typeface="Calibri" panose="020F0502020204030204" pitchFamily="34" charset="0"/>
+                    <a:ea typeface="微软雅黑" panose="020B0503020204020204" pitchFamily="34" charset="-122"/>
+                  </a:rPr>
+                  <a:t>Theme  color makes PPT more convenient to change.</a:t>
+                </a:r>
+              </a:p>
+            </p:txBody>
+          </p:sp>
+          <p:sp>
+            <p:nvSpPr>
+              <p:cNvPr id="20" name="文本框 19">
+                <a:extLst>
+                  <a:ext uri="{FF2B5EF4-FFF2-40B4-BE49-F238E27FC236}">
+                    <a16:creationId xmlns:a16="http://schemas.microsoft.com/office/drawing/2014/main" id="{CCDC6D78-6B4F-0F24-3D02-5480DEF36D1B}"/>
+                  </a:ext>
+                </a:extLst>
+              </p:cNvPr>
+              <p:cNvSpPr txBox="1"/>
+              <p:nvPr/>
+            </p:nvSpPr>
+            <p:spPr>
+              <a:xfrm>
+                <a:off x="777586" y="3236888"/>
+                <a:ext cx="1721432" cy="369332"/>
+              </a:xfrm>
+              <a:prstGeom prst="rect">
+                <a:avLst/>
+              </a:prstGeom>
+              <a:noFill/>
+              <a:ln w="38100">
+                <a:noFill/>
+                <a:round/>
+                <a:headEnd/>
+                <a:tailEnd/>
+              </a:ln>
+              <a:effectLst/>
+            </p:spPr>
+            <p:style>
+              <a:lnRef idx="2">
+                <a:schemeClr val="accent1">
+                  <a:shade val="50000"/>
+                </a:schemeClr>
+              </a:lnRef>
+              <a:fillRef idx="1">
+                <a:schemeClr val="accent1"/>
+              </a:fillRef>
+              <a:effectRef idx="0">
+                <a:schemeClr val="accent1"/>
+              </a:effectRef>
+              <a:fontRef idx="minor">
+                <a:schemeClr val="lt1"/>
+              </a:fontRef>
+            </p:style>
+            <p:txBody>
+              <a:bodyPr rot="0" spcFirstLastPara="0" vert="horz" wrap="square" lIns="68580" tIns="34290" rIns="68580" bIns="34290" numCol="1" spcCol="0" rtlCol="0" fromWordArt="0" anchor="t" anchorCtr="0" forceAA="0" compatLnSpc="1">
+                <a:prstTxWarp prst="textNoShape">
+                  <a:avLst/>
+                </a:prstTxWarp>
+                <a:spAutoFit/>
+              </a:bodyPr>
+              <a:lstStyle>
+                <a:defPPr>
+                  <a:defRPr lang="zh-CN"/>
+                </a:defPPr>
+                <a:lvl1pPr algn="ctr"/>
+                <a:lvl2pPr>
+                  <a:defRPr>
+                    <a:solidFill>
+                      <a:schemeClr val="lt1"/>
+                    </a:solidFill>
+                  </a:defRPr>
+                </a:lvl2pPr>
+                <a:lvl3pPr>
+                  <a:defRPr>
+                    <a:solidFill>
+                      <a:schemeClr val="lt1"/>
+                    </a:solidFill>
+                  </a:defRPr>
+                </a:lvl3pPr>
+                <a:lvl4pPr>
+                  <a:defRPr>
+                    <a:solidFill>
+                      <a:schemeClr val="lt1"/>
+                    </a:solidFill>
+                  </a:defRPr>
+                </a:lvl4pPr>
+                <a:lvl5pPr>
+                  <a:defRPr>
+                    <a:solidFill>
+                      <a:schemeClr val="lt1"/>
+                    </a:solidFill>
+                  </a:defRPr>
+                </a:lvl5pPr>
+                <a:lvl6pPr>
+                  <a:defRPr>
+                    <a:solidFill>
+                      <a:schemeClr val="lt1"/>
+                    </a:solidFill>
+                  </a:defRPr>
+                </a:lvl6pPr>
+                <a:lvl7pPr>
+                  <a:defRPr>
+                    <a:solidFill>
+                      <a:schemeClr val="lt1"/>
+                    </a:solidFill>
+                  </a:defRPr>
+                </a:lvl7pPr>
+                <a:lvl8pPr>
+                  <a:defRPr>
+                    <a:solidFill>
+                      <a:schemeClr val="lt1"/>
+                    </a:solidFill>
+                  </a:defRPr>
+                </a:lvl8pPr>
+                <a:lvl9pPr>
+                  <a:defRPr>
+                    <a:solidFill>
+                      <a:schemeClr val="lt1"/>
+                    </a:solidFill>
+                  </a:defRPr>
+                </a:lvl9pPr>
+              </a:lstStyle>
+              <a:p>
+                <a:pPr defTabSz="685324">
+                  <a:buSzPct val="25000"/>
+                  <a:defRPr/>
+                </a:pPr>
+                <a:r>
+                  <a:rPr lang="en-US" altLang="zh-CN" sz="1350" b="1" dirty="0">
+                    <a:solidFill>
+                      <a:schemeClr val="accent1"/>
+                    </a:solidFill>
+                    <a:latin typeface="Calibri" panose="020F0502020204030204" pitchFamily="34" charset="0"/>
+                    <a:ea typeface="微软雅黑" panose="020B0503020204020204" pitchFamily="34" charset="-122"/>
+                  </a:rPr>
+                  <a:t>Text here</a:t>
+                </a:r>
+              </a:p>
+            </p:txBody>
+          </p:sp>
+        </p:grpSp>
+        <p:grpSp>
+          <p:nvGrpSpPr>
+            <p:cNvPr id="21" name="组合 20">
+              <a:extLst>
+                <a:ext uri="{FF2B5EF4-FFF2-40B4-BE49-F238E27FC236}">
+                  <a16:creationId xmlns:a16="http://schemas.microsoft.com/office/drawing/2014/main" id="{29D1F9A3-B097-D27B-C41C-F8EBA552D0CA}"/>
+                </a:ext>
+              </a:extLst>
+            </p:cNvPr>
+            <p:cNvGrpSpPr/>
+            <p:nvPr/>
+          </p:nvGrpSpPr>
+          <p:grpSpPr>
+            <a:xfrm>
+              <a:off x="7454608" y="3770288"/>
+              <a:ext cx="1721432" cy="827245"/>
+              <a:chOff x="777586" y="3236888"/>
+              <a:chExt cx="1721432" cy="827245"/>
+            </a:xfrm>
+          </p:grpSpPr>
+          <p:sp>
+            <p:nvSpPr>
+              <p:cNvPr id="22" name="文本框 21">
+                <a:extLst>
+                  <a:ext uri="{FF2B5EF4-FFF2-40B4-BE49-F238E27FC236}">
+                    <a16:creationId xmlns:a16="http://schemas.microsoft.com/office/drawing/2014/main" id="{52A01EA0-5BEF-FFD3-6085-8BD0DAAA7EEC}"/>
+                  </a:ext>
+                </a:extLst>
+              </p:cNvPr>
+              <p:cNvSpPr txBox="1"/>
+              <p:nvPr/>
+            </p:nvSpPr>
+            <p:spPr>
+              <a:xfrm>
+                <a:off x="777586" y="3533988"/>
+                <a:ext cx="1721432" cy="530145"/>
+              </a:xfrm>
+              <a:prstGeom prst="rect">
+                <a:avLst/>
+              </a:prstGeom>
+              <a:noFill/>
+              <a:ln w="38100">
+                <a:noFill/>
+                <a:round/>
+                <a:headEnd/>
+                <a:tailEnd/>
+              </a:ln>
+              <a:effectLst/>
+            </p:spPr>
+            <p:style>
+              <a:lnRef idx="2">
+                <a:schemeClr val="accent1">
+                  <a:shade val="50000"/>
+                </a:schemeClr>
+              </a:lnRef>
+              <a:fillRef idx="1">
+                <a:schemeClr val="accent1"/>
+              </a:fillRef>
+              <a:effectRef idx="0">
+                <a:schemeClr val="accent1"/>
+              </a:effectRef>
+              <a:fontRef idx="minor">
+                <a:schemeClr val="lt1"/>
+              </a:fontRef>
+            </p:style>
+            <p:txBody>
+              <a:bodyPr rot="0" spcFirstLastPara="0" vert="horz" wrap="square" lIns="68580" tIns="34290" rIns="68580" bIns="34290" numCol="1" spcCol="0" rtlCol="0" fromWordArt="0" anchor="t" anchorCtr="0" forceAA="0" compatLnSpc="1">
+                <a:prstTxWarp prst="textNoShape">
+                  <a:avLst/>
+                </a:prstTxWarp>
+                <a:spAutoFit/>
+              </a:bodyPr>
+              <a:lstStyle>
+                <a:defPPr>
+                  <a:defRPr lang="zh-CN"/>
+                </a:defPPr>
+                <a:lvl1pPr algn="ctr"/>
+                <a:lvl2pPr>
+                  <a:defRPr>
+                    <a:solidFill>
+                      <a:schemeClr val="lt1"/>
+                    </a:solidFill>
+                  </a:defRPr>
+                </a:lvl2pPr>
+                <a:lvl3pPr>
+                  <a:defRPr>
+                    <a:solidFill>
+                      <a:schemeClr val="lt1"/>
+                    </a:solidFill>
+                  </a:defRPr>
+                </a:lvl3pPr>
+                <a:lvl4pPr>
+                  <a:defRPr>
+                    <a:solidFill>
+                      <a:schemeClr val="lt1"/>
+                    </a:solidFill>
+                  </a:defRPr>
+                </a:lvl4pPr>
+                <a:lvl5pPr>
+                  <a:defRPr>
+                    <a:solidFill>
+                      <a:schemeClr val="lt1"/>
+                    </a:solidFill>
+                  </a:defRPr>
+                </a:lvl5pPr>
+                <a:lvl6pPr>
+                  <a:defRPr>
+                    <a:solidFill>
+                      <a:schemeClr val="lt1"/>
+                    </a:solidFill>
+                  </a:defRPr>
+                </a:lvl6pPr>
+                <a:lvl7pPr>
+                  <a:defRPr>
+                    <a:solidFill>
+                      <a:schemeClr val="lt1"/>
+                    </a:solidFill>
+                  </a:defRPr>
+                </a:lvl7pPr>
+                <a:lvl8pPr>
+                  <a:defRPr>
+                    <a:solidFill>
+                      <a:schemeClr val="lt1"/>
+                    </a:solidFill>
+                  </a:defRPr>
+                </a:lvl8pPr>
+                <a:lvl9pPr>
+                  <a:defRPr>
+                    <a:solidFill>
+                      <a:schemeClr val="lt1"/>
+                    </a:solidFill>
+                  </a:defRPr>
+                </a:lvl9pPr>
+              </a:lstStyle>
+              <a:p>
+                <a:pPr defTabSz="685324">
+                  <a:lnSpc>
+                    <a:spcPct val="150000"/>
+                  </a:lnSpc>
+                  <a:buSzPct val="30000"/>
+                  <a:defRPr/>
+                </a:pPr>
+                <a:r>
+                  <a:rPr lang="en-US" altLang="zh-CN" sz="750" dirty="0">
+                    <a:solidFill>
+                      <a:schemeClr val="tx1"/>
+                    </a:solidFill>
+                    <a:latin typeface="Calibri" panose="020F0502020204030204" pitchFamily="34" charset="0"/>
+                    <a:ea typeface="微软雅黑" panose="020B0503020204020204" pitchFamily="34" charset="-122"/>
+                  </a:rPr>
+                  <a:t>Theme  color makes PPT more convenient to change.</a:t>
+                </a:r>
+              </a:p>
+            </p:txBody>
+          </p:sp>
+          <p:sp>
+            <p:nvSpPr>
+              <p:cNvPr id="23" name="文本框 22">
+                <a:extLst>
+                  <a:ext uri="{FF2B5EF4-FFF2-40B4-BE49-F238E27FC236}">
+                    <a16:creationId xmlns:a16="http://schemas.microsoft.com/office/drawing/2014/main" id="{31601504-2EDF-B7C0-0185-97C588B9B4A0}"/>
+                  </a:ext>
+                </a:extLst>
+              </p:cNvPr>
+              <p:cNvSpPr txBox="1"/>
+              <p:nvPr/>
+            </p:nvSpPr>
+            <p:spPr>
+              <a:xfrm>
+                <a:off x="777586" y="3236888"/>
+                <a:ext cx="1721432" cy="369332"/>
+              </a:xfrm>
+              <a:prstGeom prst="rect">
+                <a:avLst/>
+              </a:prstGeom>
+              <a:noFill/>
+              <a:ln w="38100">
+                <a:noFill/>
+                <a:round/>
+                <a:headEnd/>
+                <a:tailEnd/>
+              </a:ln>
+              <a:effectLst/>
+            </p:spPr>
+            <p:style>
+              <a:lnRef idx="2">
+                <a:schemeClr val="accent1">
+                  <a:shade val="50000"/>
+                </a:schemeClr>
+              </a:lnRef>
+              <a:fillRef idx="1">
+                <a:schemeClr val="accent1"/>
+              </a:fillRef>
+              <a:effectRef idx="0">
+                <a:schemeClr val="accent1"/>
+              </a:effectRef>
+              <a:fontRef idx="minor">
+                <a:schemeClr val="lt1"/>
+              </a:fontRef>
+            </p:style>
+            <p:txBody>
+              <a:bodyPr rot="0" spcFirstLastPara="0" vert="horz" wrap="square" lIns="68580" tIns="34290" rIns="68580" bIns="34290" numCol="1" spcCol="0" rtlCol="0" fromWordArt="0" anchor="t" anchorCtr="0" forceAA="0" compatLnSpc="1">
+                <a:prstTxWarp prst="textNoShape">
+                  <a:avLst/>
+                </a:prstTxWarp>
+                <a:spAutoFit/>
+              </a:bodyPr>
+              <a:lstStyle>
+                <a:defPPr>
+                  <a:defRPr lang="zh-CN"/>
+                </a:defPPr>
+                <a:lvl1pPr algn="ctr"/>
+                <a:lvl2pPr>
+                  <a:defRPr>
+                    <a:solidFill>
+                      <a:schemeClr val="lt1"/>
+                    </a:solidFill>
+                  </a:defRPr>
+                </a:lvl2pPr>
+                <a:lvl3pPr>
+                  <a:defRPr>
+                    <a:solidFill>
+                      <a:schemeClr val="lt1"/>
+                    </a:solidFill>
+                  </a:defRPr>
+                </a:lvl3pPr>
+                <a:lvl4pPr>
+                  <a:defRPr>
+                    <a:solidFill>
+                      <a:schemeClr val="lt1"/>
+                    </a:solidFill>
+                  </a:defRPr>
+                </a:lvl4pPr>
+                <a:lvl5pPr>
+                  <a:defRPr>
+                    <a:solidFill>
+                      <a:schemeClr val="lt1"/>
+                    </a:solidFill>
+                  </a:defRPr>
+                </a:lvl5pPr>
+                <a:lvl6pPr>
+                  <a:defRPr>
+                    <a:solidFill>
+                      <a:schemeClr val="lt1"/>
+                    </a:solidFill>
+                  </a:defRPr>
+                </a:lvl6pPr>
+                <a:lvl7pPr>
+                  <a:defRPr>
+                    <a:solidFill>
+                      <a:schemeClr val="lt1"/>
+                    </a:solidFill>
+                  </a:defRPr>
+                </a:lvl7pPr>
+                <a:lvl8pPr>
+                  <a:defRPr>
+                    <a:solidFill>
+                      <a:schemeClr val="lt1"/>
+                    </a:solidFill>
+                  </a:defRPr>
+                </a:lvl8pPr>
+                <a:lvl9pPr>
+                  <a:defRPr>
+                    <a:solidFill>
+                      <a:schemeClr val="lt1"/>
+                    </a:solidFill>
+                  </a:defRPr>
+                </a:lvl9pPr>
+              </a:lstStyle>
+              <a:p>
+                <a:pPr defTabSz="685324">
+                  <a:buSzPct val="25000"/>
+                  <a:defRPr/>
+                </a:pPr>
+                <a:r>
+                  <a:rPr lang="en-US" altLang="zh-CN" sz="1350" b="1" dirty="0">
+                    <a:solidFill>
+                      <a:schemeClr val="tx1"/>
+                    </a:solidFill>
+                    <a:latin typeface="Calibri" panose="020F0502020204030204" pitchFamily="34" charset="0"/>
+                    <a:ea typeface="微软雅黑" panose="020B0503020204020204" pitchFamily="34" charset="-122"/>
+                  </a:rPr>
+                  <a:t>Text here</a:t>
+                </a:r>
+              </a:p>
+            </p:txBody>
+          </p:sp>
+        </p:grpSp>
+        <p:grpSp>
+          <p:nvGrpSpPr>
+            <p:cNvPr id="24" name="组合 23">
+              <a:extLst>
+                <a:ext uri="{FF2B5EF4-FFF2-40B4-BE49-F238E27FC236}">
+                  <a16:creationId xmlns:a16="http://schemas.microsoft.com/office/drawing/2014/main" id="{540430ED-CDBD-A1E9-3E38-599B1E4EB6D3}"/>
+                </a:ext>
+              </a:extLst>
+            </p:cNvPr>
+            <p:cNvGrpSpPr/>
+            <p:nvPr/>
+          </p:nvGrpSpPr>
+          <p:grpSpPr>
+            <a:xfrm>
+              <a:off x="9680282" y="3261390"/>
+              <a:ext cx="1721432" cy="827245"/>
+              <a:chOff x="777586" y="3236888"/>
+              <a:chExt cx="1721432" cy="827245"/>
+            </a:xfrm>
+          </p:grpSpPr>
+          <p:sp>
+            <p:nvSpPr>
+              <p:cNvPr id="25" name="文本框 24">
+                <a:extLst>
+                  <a:ext uri="{FF2B5EF4-FFF2-40B4-BE49-F238E27FC236}">
+                    <a16:creationId xmlns:a16="http://schemas.microsoft.com/office/drawing/2014/main" id="{713952CE-5D01-32C2-0D45-F1EB17BCC95C}"/>
+                  </a:ext>
+                </a:extLst>
+              </p:cNvPr>
+              <p:cNvSpPr txBox="1"/>
+              <p:nvPr/>
+            </p:nvSpPr>
+            <p:spPr>
+              <a:xfrm>
+                <a:off x="777586" y="3533988"/>
+                <a:ext cx="1721432" cy="530145"/>
+              </a:xfrm>
+              <a:prstGeom prst="rect">
+                <a:avLst/>
+              </a:prstGeom>
+              <a:noFill/>
+              <a:ln w="38100">
+                <a:noFill/>
+                <a:round/>
+                <a:headEnd/>
+                <a:tailEnd/>
+              </a:ln>
+              <a:effectLst/>
+            </p:spPr>
+            <p:style>
+              <a:lnRef idx="2">
+                <a:schemeClr val="accent1">
+                  <a:shade val="50000"/>
+                </a:schemeClr>
+              </a:lnRef>
+              <a:fillRef idx="1">
+                <a:schemeClr val="accent1"/>
+              </a:fillRef>
+              <a:effectRef idx="0">
+                <a:schemeClr val="accent1"/>
+              </a:effectRef>
+              <a:fontRef idx="minor">
+                <a:schemeClr val="lt1"/>
+              </a:fontRef>
+            </p:style>
+            <p:txBody>
+              <a:bodyPr rot="0" spcFirstLastPara="0" vert="horz" wrap="square" lIns="68580" tIns="34290" rIns="68580" bIns="34290" numCol="1" spcCol="0" rtlCol="0" fromWordArt="0" anchor="t" anchorCtr="0" forceAA="0" compatLnSpc="1">
+                <a:prstTxWarp prst="textNoShape">
+                  <a:avLst/>
+                </a:prstTxWarp>
+                <a:spAutoFit/>
+              </a:bodyPr>
+              <a:lstStyle>
+                <a:defPPr>
+                  <a:defRPr lang="zh-CN"/>
+                </a:defPPr>
+                <a:lvl1pPr algn="ctr"/>
+                <a:lvl2pPr>
+                  <a:defRPr>
+                    <a:solidFill>
+                      <a:schemeClr val="lt1"/>
+                    </a:solidFill>
+                  </a:defRPr>
+                </a:lvl2pPr>
+                <a:lvl3pPr>
+                  <a:defRPr>
+                    <a:solidFill>
+                      <a:schemeClr val="lt1"/>
+                    </a:solidFill>
+                  </a:defRPr>
+                </a:lvl3pPr>
+                <a:lvl4pPr>
+                  <a:defRPr>
+                    <a:solidFill>
+                      <a:schemeClr val="lt1"/>
+                    </a:solidFill>
+                  </a:defRPr>
+                </a:lvl4pPr>
+                <a:lvl5pPr>
+                  <a:defRPr>
+                    <a:solidFill>
+                      <a:schemeClr val="lt1"/>
+                    </a:solidFill>
+                  </a:defRPr>
+                </a:lvl5pPr>
+                <a:lvl6pPr>
+                  <a:defRPr>
+                    <a:solidFill>
+                      <a:schemeClr val="lt1"/>
+                    </a:solidFill>
+                  </a:defRPr>
+                </a:lvl6pPr>
+                <a:lvl7pPr>
+                  <a:defRPr>
+                    <a:solidFill>
+                      <a:schemeClr val="lt1"/>
+                    </a:solidFill>
+                  </a:defRPr>
+                </a:lvl7pPr>
+                <a:lvl8pPr>
+                  <a:defRPr>
+                    <a:solidFill>
+                      <a:schemeClr val="lt1"/>
+                    </a:solidFill>
+                  </a:defRPr>
+                </a:lvl8pPr>
+                <a:lvl9pPr>
+                  <a:defRPr>
+                    <a:solidFill>
+                      <a:schemeClr val="lt1"/>
+                    </a:solidFill>
+                  </a:defRPr>
+                </a:lvl9pPr>
+              </a:lstStyle>
+              <a:p>
+                <a:pPr defTabSz="685324">
+                  <a:lnSpc>
+                    <a:spcPct val="150000"/>
+                  </a:lnSpc>
+                  <a:buSzPct val="30000"/>
+                  <a:defRPr/>
+                </a:pPr>
+                <a:r>
+                  <a:rPr lang="en-US" altLang="zh-CN" sz="750" dirty="0">
+                    <a:solidFill>
+                      <a:schemeClr val="tx1"/>
+                    </a:solidFill>
+                    <a:latin typeface="Calibri" panose="020F0502020204030204" pitchFamily="34" charset="0"/>
+                    <a:ea typeface="微软雅黑" panose="020B0503020204020204" pitchFamily="34" charset="-122"/>
+                  </a:rPr>
+                  <a:t>Theme  color makes PPT more convenient to change.</a:t>
+                </a:r>
+              </a:p>
+            </p:txBody>
+          </p:sp>
+          <p:sp>
+            <p:nvSpPr>
+              <p:cNvPr id="26" name="文本框 25">
+                <a:extLst>
+                  <a:ext uri="{FF2B5EF4-FFF2-40B4-BE49-F238E27FC236}">
+                    <a16:creationId xmlns:a16="http://schemas.microsoft.com/office/drawing/2014/main" id="{28AADB3C-A022-3B23-DA26-6F6657D30720}"/>
+                  </a:ext>
+                </a:extLst>
+              </p:cNvPr>
+              <p:cNvSpPr txBox="1"/>
+              <p:nvPr/>
+            </p:nvSpPr>
+            <p:spPr>
+              <a:xfrm>
+                <a:off x="777586" y="3236888"/>
+                <a:ext cx="1721432" cy="369332"/>
+              </a:xfrm>
+              <a:prstGeom prst="rect">
+                <a:avLst/>
+              </a:prstGeom>
+              <a:noFill/>
+              <a:ln w="38100">
+                <a:noFill/>
+                <a:round/>
+                <a:headEnd/>
+                <a:tailEnd/>
+              </a:ln>
+              <a:effectLst/>
+            </p:spPr>
+            <p:style>
+              <a:lnRef idx="2">
+                <a:schemeClr val="accent1">
+                  <a:shade val="50000"/>
+                </a:schemeClr>
+              </a:lnRef>
+              <a:fillRef idx="1">
+                <a:schemeClr val="accent1"/>
+              </a:fillRef>
+              <a:effectRef idx="0">
+                <a:schemeClr val="accent1"/>
+              </a:effectRef>
+              <a:fontRef idx="minor">
+                <a:schemeClr val="lt1"/>
+              </a:fontRef>
+            </p:style>
+            <p:txBody>
+              <a:bodyPr rot="0" spcFirstLastPara="0" vert="horz" wrap="square" lIns="68580" tIns="34290" rIns="68580" bIns="34290" numCol="1" spcCol="0" rtlCol="0" fromWordArt="0" anchor="t" anchorCtr="0" forceAA="0" compatLnSpc="1">
+                <a:prstTxWarp prst="textNoShape">
+                  <a:avLst/>
+                </a:prstTxWarp>
+                <a:spAutoFit/>
+              </a:bodyPr>
+              <a:lstStyle>
+                <a:defPPr>
+                  <a:defRPr lang="zh-CN"/>
+                </a:defPPr>
+                <a:lvl1pPr algn="ctr"/>
+                <a:lvl2pPr>
+                  <a:defRPr>
+                    <a:solidFill>
+                      <a:schemeClr val="lt1"/>
+                    </a:solidFill>
+                  </a:defRPr>
+                </a:lvl2pPr>
+                <a:lvl3pPr>
+                  <a:defRPr>
+                    <a:solidFill>
+                      <a:schemeClr val="lt1"/>
+                    </a:solidFill>
+                  </a:defRPr>
+                </a:lvl3pPr>
+                <a:lvl4pPr>
+                  <a:defRPr>
+                    <a:solidFill>
+                      <a:schemeClr val="lt1"/>
+                    </a:solidFill>
+                  </a:defRPr>
+                </a:lvl4pPr>
+                <a:lvl5pPr>
+                  <a:defRPr>
+                    <a:solidFill>
+                      <a:schemeClr val="lt1"/>
+                    </a:solidFill>
+                  </a:defRPr>
+                </a:lvl5pPr>
+                <a:lvl6pPr>
+                  <a:defRPr>
+                    <a:solidFill>
+                      <a:schemeClr val="lt1"/>
+                    </a:solidFill>
+                  </a:defRPr>
+                </a:lvl6pPr>
+                <a:lvl7pPr>
+                  <a:defRPr>
+                    <a:solidFill>
+                      <a:schemeClr val="lt1"/>
+                    </a:solidFill>
+                  </a:defRPr>
+                </a:lvl7pPr>
+                <a:lvl8pPr>
+                  <a:defRPr>
+                    <a:solidFill>
+                      <a:schemeClr val="lt1"/>
+                    </a:solidFill>
+                  </a:defRPr>
+                </a:lvl8pPr>
+                <a:lvl9pPr>
+                  <a:defRPr>
+                    <a:solidFill>
+                      <a:schemeClr val="lt1"/>
+                    </a:solidFill>
+                  </a:defRPr>
+                </a:lvl9pPr>
+              </a:lstStyle>
+              <a:p>
+                <a:pPr defTabSz="685324">
+                  <a:buSzPct val="25000"/>
+                  <a:defRPr/>
+                </a:pPr>
+                <a:r>
+                  <a:rPr lang="en-US" altLang="zh-CN" sz="1350" b="1" dirty="0">
+                    <a:solidFill>
+                      <a:schemeClr val="tx1"/>
+                    </a:solidFill>
+                    <a:latin typeface="Calibri" panose="020F0502020204030204" pitchFamily="34" charset="0"/>
+                    <a:ea typeface="微软雅黑" panose="020B0503020204020204" pitchFamily="34" charset="-122"/>
+                  </a:rPr>
+                  <a:t>Text here</a:t>
+                </a:r>
+              </a:p>
+            </p:txBody>
+          </p:sp>
+        </p:grpSp>
+        <p:grpSp>
+          <p:nvGrpSpPr>
+            <p:cNvPr id="27" name="组合 26">
+              <a:extLst>
+                <a:ext uri="{FF2B5EF4-FFF2-40B4-BE49-F238E27FC236}">
+                  <a16:creationId xmlns:a16="http://schemas.microsoft.com/office/drawing/2014/main" id="{790C9E77-5E7F-DD64-AE0B-EF466DA8492B}"/>
+                </a:ext>
+              </a:extLst>
+            </p:cNvPr>
+            <p:cNvGrpSpPr/>
+            <p:nvPr/>
+          </p:nvGrpSpPr>
+          <p:grpSpPr>
+            <a:xfrm>
+              <a:off x="3870326" y="4747079"/>
+              <a:ext cx="4451348" cy="369332"/>
+              <a:chOff x="3863976" y="2786020"/>
+              <a:chExt cx="4451348" cy="1658412"/>
+            </a:xfrm>
+          </p:grpSpPr>
+          <p:cxnSp>
+            <p:nvCxnSpPr>
+              <p:cNvPr id="28" name="直接连接符 27">
+                <a:extLst>
+                  <a:ext uri="{FF2B5EF4-FFF2-40B4-BE49-F238E27FC236}">
+                    <a16:creationId xmlns:a16="http://schemas.microsoft.com/office/drawing/2014/main" id="{B6CC1105-FAB8-9F78-A7AD-5A1EBCA7ED87}"/>
+                  </a:ext>
+                </a:extLst>
+              </p:cNvPr>
+              <p:cNvCxnSpPr>
+                <a:cxnSpLocks/>
+              </p:cNvCxnSpPr>
+              <p:nvPr/>
+            </p:nvCxnSpPr>
+            <p:spPr>
+              <a:xfrm>
+                <a:off x="3863976" y="2786020"/>
+                <a:ext cx="0" cy="1658412"/>
+              </a:xfrm>
+              <a:prstGeom prst="line">
+                <a:avLst/>
+              </a:prstGeom>
+              <a:ln>
+                <a:solidFill>
+                  <a:schemeClr val="tx1">
+                    <a:alpha val="20000"/>
+                  </a:schemeClr>
+                </a:solidFill>
+              </a:ln>
+            </p:spPr>
+            <p:style>
+              <a:lnRef idx="1">
+                <a:schemeClr val="accent1"/>
+              </a:lnRef>
+              <a:fillRef idx="0">
+                <a:schemeClr val="accent1"/>
+              </a:fillRef>
+              <a:effectRef idx="0">
+                <a:schemeClr val="accent1"/>
+              </a:effectRef>
+              <a:fontRef idx="minor">
+                <a:schemeClr val="tx1"/>
+              </a:fontRef>
+            </p:style>
+          </p:cxnSp>
+          <p:cxnSp>
+            <p:nvCxnSpPr>
+              <p:cNvPr id="29" name="直接连接符 28">
+                <a:extLst>
+                  <a:ext uri="{FF2B5EF4-FFF2-40B4-BE49-F238E27FC236}">
+                    <a16:creationId xmlns:a16="http://schemas.microsoft.com/office/drawing/2014/main" id="{2EC26E90-5369-46D3-9547-5142492EBE52}"/>
+                  </a:ext>
+                </a:extLst>
+              </p:cNvPr>
+              <p:cNvCxnSpPr>
+                <a:cxnSpLocks/>
+              </p:cNvCxnSpPr>
+              <p:nvPr/>
+            </p:nvCxnSpPr>
+            <p:spPr>
+              <a:xfrm>
+                <a:off x="8315324" y="2786020"/>
+                <a:ext cx="0" cy="1658412"/>
+              </a:xfrm>
+              <a:prstGeom prst="line">
+                <a:avLst/>
+              </a:prstGeom>
+              <a:ln>
+                <a:solidFill>
+                  <a:schemeClr val="tx1">
+                    <a:alpha val="20000"/>
+                  </a:schemeClr>
+                </a:solidFill>
+              </a:ln>
+            </p:spPr>
+            <p:style>
+              <a:lnRef idx="1">
+                <a:schemeClr val="accent1"/>
+              </a:lnRef>
+              <a:fillRef idx="0">
+                <a:schemeClr val="accent1"/>
+              </a:fillRef>
+              <a:effectRef idx="0">
+                <a:schemeClr val="accent1"/>
+              </a:effectRef>
+              <a:fontRef idx="minor">
+                <a:schemeClr val="tx1"/>
+              </a:fontRef>
+            </p:style>
+          </p:cxnSp>
+        </p:grpSp>
+        <p:sp>
+          <p:nvSpPr>
+            <p:cNvPr id="30" name="文本框 29">
+              <a:extLst>
+                <a:ext uri="{FF2B5EF4-FFF2-40B4-BE49-F238E27FC236}">
+                  <a16:creationId xmlns:a16="http://schemas.microsoft.com/office/drawing/2014/main" id="{1DED1251-2AF9-DCF7-064F-2B23E15122EF}"/>
+                </a:ext>
+              </a:extLst>
+            </p:cNvPr>
+            <p:cNvSpPr txBox="1"/>
+            <p:nvPr/>
+          </p:nvSpPr>
+          <p:spPr>
+            <a:xfrm>
+              <a:off x="3003261" y="5256489"/>
+              <a:ext cx="1721432" cy="400109"/>
+            </a:xfrm>
+            <a:prstGeom prst="rect">
+              <a:avLst/>
+            </a:prstGeom>
+            <a:noFill/>
+            <a:ln w="38100">
+              <a:noFill/>
+              <a:round/>
+              <a:headEnd/>
+              <a:tailEnd/>
+            </a:ln>
+            <a:effectLst/>
+          </p:spPr>
+          <p:style>
+            <a:lnRef idx="2">
+              <a:schemeClr val="accent1">
+                <a:shade val="50000"/>
+              </a:schemeClr>
+            </a:lnRef>
+            <a:fillRef idx="1">
+              <a:schemeClr val="accent1"/>
+            </a:fillRef>
+            <a:effectRef idx="0">
+              <a:schemeClr val="accent1"/>
+            </a:effectRef>
+            <a:fontRef idx="minor">
+              <a:schemeClr val="lt1"/>
+            </a:fontRef>
+          </p:style>
+          <p:txBody>
+            <a:bodyPr rot="0" spcFirstLastPara="0" vert="horz" wrap="square" lIns="68580" tIns="34290" rIns="68580" bIns="34290" numCol="1" spcCol="0" rtlCol="0" fromWordArt="0" anchor="t" anchorCtr="0" forceAA="0" compatLnSpc="1">
+              <a:prstTxWarp prst="textNoShape">
+                <a:avLst/>
+              </a:prstTxWarp>
+              <a:spAutoFit/>
+            </a:bodyPr>
+            <a:lstStyle>
+              <a:defPPr>
+                <a:defRPr lang="zh-CN"/>
+              </a:defPPr>
+              <a:lvl1pPr algn="ctr"/>
+              <a:lvl2pPr>
+                <a:defRPr>
+                  <a:solidFill>
+                    <a:schemeClr val="lt1"/>
+                  </a:solidFill>
+                </a:defRPr>
+              </a:lvl2pPr>
+              <a:lvl3pPr>
+                <a:defRPr>
+                  <a:solidFill>
+                    <a:schemeClr val="lt1"/>
+                  </a:solidFill>
+                </a:defRPr>
+              </a:lvl3pPr>
+              <a:lvl4pPr>
+                <a:defRPr>
+                  <a:solidFill>
+                    <a:schemeClr val="lt1"/>
+                  </a:solidFill>
+                </a:defRPr>
+              </a:lvl4pPr>
+              <a:lvl5pPr>
+                <a:defRPr>
+                  <a:solidFill>
+                    <a:schemeClr val="lt1"/>
+                  </a:solidFill>
+                </a:defRPr>
+              </a:lvl5pPr>
+              <a:lvl6pPr>
+                <a:defRPr>
+                  <a:solidFill>
+                    <a:schemeClr val="lt1"/>
+                  </a:solidFill>
+                </a:defRPr>
+              </a:lvl6pPr>
+              <a:lvl7pPr>
+                <a:defRPr>
+                  <a:solidFill>
+                    <a:schemeClr val="lt1"/>
+                  </a:solidFill>
+                </a:defRPr>
+              </a:lvl7pPr>
+              <a:lvl8pPr>
+                <a:defRPr>
+                  <a:solidFill>
+                    <a:schemeClr val="lt1"/>
+                  </a:solidFill>
+                </a:defRPr>
+              </a:lvl8pPr>
+              <a:lvl9pPr>
+                <a:defRPr>
+                  <a:solidFill>
+                    <a:schemeClr val="lt1"/>
+                  </a:solidFill>
+                </a:defRPr>
+              </a:lvl9pPr>
+            </a:lstStyle>
+            <a:p>
+              <a:pPr defTabSz="685324">
+                <a:buSzPct val="25000"/>
+                <a:defRPr/>
+              </a:pPr>
+              <a:r>
+                <a:rPr lang="en-US" altLang="zh-CN" sz="750" dirty="0">
+                  <a:solidFill>
+                    <a:schemeClr val="tx1"/>
+                  </a:solidFill>
+                  <a:latin typeface="Calibri" panose="020F0502020204030204" pitchFamily="34" charset="0"/>
+                  <a:ea typeface="微软雅黑" panose="020B0503020204020204" pitchFamily="34" charset="-122"/>
+                </a:rPr>
+                <a:t>Text here</a:t>
+              </a:r>
+            </a:p>
+            <a:p>
+              <a:pPr defTabSz="685324">
+                <a:buSzPct val="25000"/>
+                <a:defRPr/>
+              </a:pPr>
+              <a:r>
+                <a:rPr lang="en-US" altLang="zh-CN" sz="750" dirty="0">
+                  <a:solidFill>
+                    <a:schemeClr val="tx1"/>
+                  </a:solidFill>
+                  <a:latin typeface="Calibri" panose="020F0502020204030204" pitchFamily="34" charset="0"/>
+                  <a:ea typeface="微软雅黑" panose="020B0503020204020204" pitchFamily="34" charset="-122"/>
+                </a:rPr>
+                <a:t>….</a:t>
+              </a:r>
+            </a:p>
+          </p:txBody>
+        </p:sp>
+        <p:sp>
+          <p:nvSpPr>
+            <p:cNvPr id="31" name="文本框 30">
+              <a:extLst>
+                <a:ext uri="{FF2B5EF4-FFF2-40B4-BE49-F238E27FC236}">
+                  <a16:creationId xmlns:a16="http://schemas.microsoft.com/office/drawing/2014/main" id="{3C450857-9C18-FBF2-E7F7-66596392C806}"/>
+                </a:ext>
+              </a:extLst>
+            </p:cNvPr>
+            <p:cNvSpPr txBox="1"/>
+            <p:nvPr/>
+          </p:nvSpPr>
+          <p:spPr>
+            <a:xfrm>
+              <a:off x="7454609" y="5256489"/>
+              <a:ext cx="1721432" cy="400109"/>
+            </a:xfrm>
+            <a:prstGeom prst="rect">
+              <a:avLst/>
+            </a:prstGeom>
+            <a:noFill/>
+            <a:ln w="38100">
+              <a:noFill/>
+              <a:round/>
+              <a:headEnd/>
+              <a:tailEnd/>
+            </a:ln>
+            <a:effectLst/>
+          </p:spPr>
+          <p:style>
+            <a:lnRef idx="2">
+              <a:schemeClr val="accent1">
+                <a:shade val="50000"/>
+              </a:schemeClr>
+            </a:lnRef>
+            <a:fillRef idx="1">
+              <a:schemeClr val="accent1"/>
+            </a:fillRef>
+            <a:effectRef idx="0">
+              <a:schemeClr val="accent1"/>
+            </a:effectRef>
+            <a:fontRef idx="minor">
+              <a:schemeClr val="lt1"/>
+            </a:fontRef>
+          </p:style>
+          <p:txBody>
+            <a:bodyPr rot="0" spcFirstLastPara="0" vert="horz" wrap="square" lIns="68580" tIns="34290" rIns="68580" bIns="34290" numCol="1" spcCol="0" rtlCol="0" fromWordArt="0" anchor="t" anchorCtr="0" forceAA="0" compatLnSpc="1">
+              <a:prstTxWarp prst="textNoShape">
+                <a:avLst/>
+              </a:prstTxWarp>
+              <a:spAutoFit/>
+            </a:bodyPr>
+            <a:lstStyle>
+              <a:defPPr>
+                <a:defRPr lang="zh-CN"/>
+              </a:defPPr>
+              <a:lvl1pPr algn="ctr"/>
+              <a:lvl2pPr>
+                <a:defRPr>
+                  <a:solidFill>
+                    <a:schemeClr val="lt1"/>
+                  </a:solidFill>
+                </a:defRPr>
+              </a:lvl2pPr>
+              <a:lvl3pPr>
+                <a:defRPr>
+                  <a:solidFill>
+                    <a:schemeClr val="lt1"/>
+                  </a:solidFill>
+                </a:defRPr>
+              </a:lvl3pPr>
+              <a:lvl4pPr>
+                <a:defRPr>
+                  <a:solidFill>
+                    <a:schemeClr val="lt1"/>
+                  </a:solidFill>
+                </a:defRPr>
+              </a:lvl4pPr>
+              <a:lvl5pPr>
+                <a:defRPr>
+                  <a:solidFill>
+                    <a:schemeClr val="lt1"/>
+                  </a:solidFill>
+                </a:defRPr>
+              </a:lvl5pPr>
+              <a:lvl6pPr>
+                <a:defRPr>
+                  <a:solidFill>
+                    <a:schemeClr val="lt1"/>
+                  </a:solidFill>
+                </a:defRPr>
+              </a:lvl6pPr>
+              <a:lvl7pPr>
+                <a:defRPr>
+                  <a:solidFill>
+                    <a:schemeClr val="lt1"/>
+                  </a:solidFill>
+                </a:defRPr>
+              </a:lvl7pPr>
+              <a:lvl8pPr>
+                <a:defRPr>
+                  <a:solidFill>
+                    <a:schemeClr val="lt1"/>
+                  </a:solidFill>
+                </a:defRPr>
+              </a:lvl8pPr>
+              <a:lvl9pPr>
+                <a:defRPr>
+                  <a:solidFill>
+                    <a:schemeClr val="lt1"/>
+                  </a:solidFill>
+                </a:defRPr>
+              </a:lvl9pPr>
+            </a:lstStyle>
+            <a:p>
+              <a:pPr defTabSz="685324">
+                <a:buSzPct val="25000"/>
+                <a:defRPr/>
+              </a:pPr>
+              <a:r>
+                <a:rPr lang="en-US" altLang="zh-CN" sz="750" dirty="0">
+                  <a:solidFill>
+                    <a:schemeClr val="tx1"/>
+                  </a:solidFill>
+                  <a:latin typeface="Calibri" panose="020F0502020204030204" pitchFamily="34" charset="0"/>
+                  <a:ea typeface="微软雅黑" panose="020B0503020204020204" pitchFamily="34" charset="-122"/>
+                </a:rPr>
+                <a:t>Text here</a:t>
+              </a:r>
+            </a:p>
+            <a:p>
+              <a:pPr defTabSz="685324">
+                <a:buSzPct val="25000"/>
+                <a:defRPr/>
+              </a:pPr>
+              <a:r>
+                <a:rPr lang="en-US" altLang="zh-CN" sz="750" dirty="0">
+                  <a:solidFill>
+                    <a:schemeClr val="tx1"/>
+                  </a:solidFill>
+                  <a:latin typeface="Calibri" panose="020F0502020204030204" pitchFamily="34" charset="0"/>
+                  <a:ea typeface="微软雅黑" panose="020B0503020204020204" pitchFamily="34" charset="-122"/>
+                </a:rPr>
+                <a:t>….</a:t>
+              </a:r>
+            </a:p>
+          </p:txBody>
+        </p:sp>
+        <p:sp>
+          <p:nvSpPr>
+            <p:cNvPr id="32" name="矩形 31">
+              <a:extLst>
+                <a:ext uri="{FF2B5EF4-FFF2-40B4-BE49-F238E27FC236}">
+                  <a16:creationId xmlns:a16="http://schemas.microsoft.com/office/drawing/2014/main" id="{5639648C-CCF5-8669-5BAC-7EC33E4D54CF}"/>
+                </a:ext>
+              </a:extLst>
+            </p:cNvPr>
+            <p:cNvSpPr/>
+            <p:nvPr/>
+          </p:nvSpPr>
+          <p:spPr>
+            <a:xfrm flipH="1">
+              <a:off x="3080097" y="1130300"/>
+              <a:ext cx="5827793" cy="257935"/>
+            </a:xfrm>
+            <a:prstGeom prst="rect">
+              <a:avLst/>
+            </a:prstGeom>
+            <a:ln>
+              <a:noFill/>
+            </a:ln>
+          </p:spPr>
+          <p:txBody>
+            <a:bodyPr wrap="square" lIns="68580" tIns="34290" rIns="68580" bIns="34290" anchor="t">
+              <a:spAutoFit/>
+            </a:bodyPr>
+            <a:lstStyle/>
+            <a:p>
+              <a:pPr algn="ctr" defTabSz="685324">
+                <a:lnSpc>
+                  <a:spcPct val="150000"/>
+                </a:lnSpc>
+                <a:buSzPct val="25000"/>
+                <a:defRPr/>
+              </a:pPr>
+              <a:r>
+                <a:rPr lang="en-US" altLang="zh-CN" sz="600" dirty="0">
+                  <a:latin typeface="Calibri" panose="020F0502020204030204" pitchFamily="34" charset="0"/>
+                  <a:ea typeface="微软雅黑" panose="020B0503020204020204" pitchFamily="34" charset="-122"/>
+                </a:rPr>
+                <a:t>Copy paste fonts Choose the only option to retain text Adjust the spacing to adapt to Chinese typesetting</a:t>
+              </a:r>
+            </a:p>
+          </p:txBody>
+        </p:sp>
+      </p:grpSp>
+    </p:spTree>
+    <p:extLst>
+      <p:ext uri="{BB962C8B-B14F-4D97-AF65-F5344CB8AC3E}">
+        <p14:creationId xmlns:p14="http://schemas.microsoft.com/office/powerpoint/2010/main" val="1124990636"/>
+      </p:ext>
+    </p:extLst>
+  </p:cSld>
+  <p:clrMapOvr>
+    <a:masterClrMapping/>
+  </p:clrMapOvr>
+</p:sld>
+</file>
+
+<file path=ppt/slides/slide6.xml><?xml version="1.0" encoding="utf-8"?>
 <p:sld xmlns:a="http://schemas.openxmlformats.org/drawingml/2006/main" xmlns:r="http://schemas.openxmlformats.org/officeDocument/2006/relationships" xmlns:p="http://schemas.openxmlformats.org/presentationml/2006/main">
   <p:cSld>
     <p:spTree>
@@ -3667,15 +6274,15 @@
         <a:srgbClr val="000000"/>
       </a:folHlink>
     </a:clrScheme>
-    <a:fontScheme name="Trinity College">
+    <a:fontScheme name="font">
       <a:majorFont>
         <a:latin typeface="Calibri"/>
-        <a:ea typeface=""/>
+        <a:ea typeface="微软雅黑"/>
         <a:cs typeface=""/>
       </a:majorFont>
       <a:minorFont>
         <a:latin typeface="Calibri"/>
-        <a:ea typeface=""/>
+        <a:ea typeface="微软雅黑"/>
         <a:cs typeface=""/>
       </a:minorFont>
     </a:fontScheme>

--- a/002Matlab Project/Project.pptx
+++ b/002Matlab Project/Project.pptx
@@ -5,15 +5,17 @@
     <p:sldMasterId id="2147483648" r:id="rId1"/>
   </p:sldMasterIdLst>
   <p:notesMasterIdLst>
-    <p:notesMasterId r:id="rId8"/>
+    <p:notesMasterId r:id="rId10"/>
   </p:notesMasterIdLst>
   <p:sldIdLst>
     <p:sldId id="256" r:id="rId2"/>
     <p:sldId id="257" r:id="rId3"/>
     <p:sldId id="263" r:id="rId4"/>
-    <p:sldId id="264" r:id="rId5"/>
-    <p:sldId id="265" r:id="rId6"/>
-    <p:sldId id="260" r:id="rId7"/>
+    <p:sldId id="266" r:id="rId5"/>
+    <p:sldId id="267" r:id="rId6"/>
+    <p:sldId id="264" r:id="rId7"/>
+    <p:sldId id="265" r:id="rId8"/>
+    <p:sldId id="260" r:id="rId9"/>
   </p:sldIdLst>
   <p:sldSz cx="9144000" cy="5143500" type="screen16x9"/>
   <p:notesSz cx="6858000" cy="9947275"/>
@@ -495,7 +497,7 @@
           <a:p>
             <a:fld id="{E9E6FDB6-6D2B-46C1-9FA1-D82906A37C3A}" type="slidenum">
               <a:rPr lang="zh-CN" altLang="en-US" smtClean="0"/>
-              <a:t>5</a:t>
+              <a:t>7</a:t>
             </a:fld>
             <a:endParaRPr lang="zh-CN" altLang="en-US"/>
           </a:p>
@@ -3501,7 +3503,7 @@
         </p:nvSpPr>
         <p:spPr>
           <a:xfrm>
-            <a:off x="828674" y="470733"/>
+            <a:off x="828683" y="513384"/>
             <a:ext cx="7500939" cy="421200"/>
           </a:xfrm>
         </p:spPr>
@@ -3514,6 +3516,112 @@
               <a:t>Function Blocks</a:t>
             </a:r>
             <a:endParaRPr lang="en-GB" dirty="0"/>
+          </a:p>
+        </p:txBody>
+      </p:sp>
+      <p:sp>
+        <p:nvSpPr>
+          <p:cNvPr id="3" name="Text Placeholder 2">
+            <a:extLst>
+              <a:ext uri="{FF2B5EF4-FFF2-40B4-BE49-F238E27FC236}">
+                <a16:creationId xmlns:a16="http://schemas.microsoft.com/office/drawing/2014/main" id="{AF4DDC70-2055-FE2B-5A4F-8AE0E24EA385}"/>
+              </a:ext>
+            </a:extLst>
+          </p:cNvPr>
+          <p:cNvSpPr>
+            <a:spLocks noGrp="1"/>
+          </p:cNvSpPr>
+          <p:nvPr>
+            <p:ph type="body" sz="quarter" idx="10"/>
+          </p:nvPr>
+        </p:nvSpPr>
+        <p:spPr>
+          <a:xfrm>
+            <a:off x="4571999" y="1133298"/>
+            <a:ext cx="4087907" cy="3692404"/>
+          </a:xfrm>
+        </p:spPr>
+        <p:txBody>
+          <a:bodyPr/>
+          <a:lstStyle/>
+          <a:p>
+            <a:pPr>
+              <a:lnSpc>
+                <a:spcPct val="150000"/>
+              </a:lnSpc>
+            </a:pPr>
+            <a:r>
+              <a:rPr lang="en-IE" sz="1800" b="1" dirty="0"/>
+              <a:t>Preprocessing</a:t>
+            </a:r>
+          </a:p>
+          <a:p>
+            <a:pPr lvl="1">
+              <a:lnSpc>
+                <a:spcPct val="150000"/>
+              </a:lnSpc>
+              <a:buFont typeface="Arial" panose="020B0604020202020204" pitchFamily="34" charset="0"/>
+              <a:buChar char="•"/>
+            </a:pPr>
+            <a:r>
+              <a:rPr lang="en-IE" sz="1400" b="1" dirty="0"/>
+              <a:t>Simplification: </a:t>
+            </a:r>
+            <a:r>
+              <a:rPr lang="en-IE" sz="1400" dirty="0"/>
+              <a:t>Efficiency, Streamlining, Single Intensity.</a:t>
+            </a:r>
+          </a:p>
+          <a:p>
+            <a:pPr lvl="1">
+              <a:lnSpc>
+                <a:spcPct val="150000"/>
+              </a:lnSpc>
+              <a:buFont typeface="Arial" panose="020B0604020202020204" pitchFamily="34" charset="0"/>
+              <a:buChar char="•"/>
+            </a:pPr>
+            <a:r>
+              <a:rPr lang="en-IE" sz="1400" b="1" dirty="0"/>
+              <a:t>Threshold Consistency: </a:t>
+            </a:r>
+            <a:r>
+              <a:rPr lang="en-IE" sz="1400" dirty="0"/>
+              <a:t>Predefined Thresholds, Intensity Classification.</a:t>
+            </a:r>
+          </a:p>
+          <a:p>
+            <a:pPr lvl="1">
+              <a:lnSpc>
+                <a:spcPct val="150000"/>
+              </a:lnSpc>
+              <a:buFont typeface="Arial" panose="020B0604020202020204" pitchFamily="34" charset="0"/>
+              <a:buChar char="•"/>
+            </a:pPr>
+            <a:r>
+              <a:rPr lang="en-IE" sz="1400" b="1" dirty="0"/>
+              <a:t>Standard Matting Practice: </a:t>
+            </a:r>
+            <a:r>
+              <a:rPr lang="en-IE" sz="1400" dirty="0"/>
+              <a:t>Image Matting, Grayscale Guide.</a:t>
+            </a:r>
+          </a:p>
+          <a:p>
+            <a:pPr lvl="1">
+              <a:lnSpc>
+                <a:spcPct val="150000"/>
+              </a:lnSpc>
+              <a:buFont typeface="Arial" panose="020B0604020202020204" pitchFamily="34" charset="0"/>
+              <a:buChar char="•"/>
+            </a:pPr>
+            <a:r>
+              <a:rPr lang="en-IE" sz="1400" b="1" dirty="0"/>
+              <a:t>Compatibility with Logic: </a:t>
+            </a:r>
+            <a:r>
+              <a:rPr lang="en-IE" sz="1400" dirty="0"/>
+              <a:t>Processing Consistency, Intensity-based Logic.</a:t>
+            </a:r>
           </a:p>
         </p:txBody>
       </p:sp>
@@ -3574,7 +3682,7 @@
         </p:blipFill>
         <p:spPr>
           <a:xfrm>
-            <a:off x="129601" y="1124396"/>
+            <a:off x="311137" y="1133298"/>
             <a:ext cx="4015850" cy="3692404"/>
           </a:xfrm>
           <a:prstGeom prst="rect">
@@ -3622,14 +3730,19 @@
             <p:ph type="title"/>
           </p:nvPr>
         </p:nvSpPr>
-        <p:spPr/>
+        <p:spPr>
+          <a:xfrm>
+            <a:off x="828683" y="513384"/>
+            <a:ext cx="7500939" cy="421200"/>
+          </a:xfrm>
+        </p:spPr>
         <p:txBody>
           <a:bodyPr/>
           <a:lstStyle/>
           <a:p>
             <a:r>
               <a:rPr lang="en-US" altLang="zh-CN" dirty="0"/>
-              <a:t>Group Introduction</a:t>
+              <a:t>Function Blocks</a:t>
             </a:r>
             <a:endParaRPr lang="en-GB" dirty="0"/>
           </a:p>
@@ -3637,18 +3750,24 @@
       </p:sp>
       <p:sp>
         <p:nvSpPr>
-          <p:cNvPr id="4" name="Text Placeholder 3"/>
-          <p:cNvSpPr>
-            <a:spLocks noGrp="1"/>
-          </p:cNvSpPr>
-          <p:nvPr>
-            <p:ph type="body" sz="quarter" idx="11"/>
-          </p:nvPr>
-        </p:nvSpPr>
-        <p:spPr>
-          <a:xfrm>
-            <a:off x="828675" y="685806"/>
-            <a:ext cx="7500938" cy="350994"/>
+          <p:cNvPr id="3" name="Text Placeholder 2">
+            <a:extLst>
+              <a:ext uri="{FF2B5EF4-FFF2-40B4-BE49-F238E27FC236}">
+                <a16:creationId xmlns:a16="http://schemas.microsoft.com/office/drawing/2014/main" id="{AF4DDC70-2055-FE2B-5A4F-8AE0E24EA385}"/>
+              </a:ext>
+            </a:extLst>
+          </p:cNvPr>
+          <p:cNvSpPr>
+            <a:spLocks noGrp="1"/>
+          </p:cNvSpPr>
+          <p:nvPr>
+            <p:ph type="body" sz="quarter" idx="10"/>
+          </p:nvPr>
+        </p:nvSpPr>
+        <p:spPr>
+          <a:xfrm>
+            <a:off x="4397616" y="1183966"/>
+            <a:ext cx="4342971" cy="1083963"/>
           </a:xfrm>
         </p:spPr>
         <p:txBody>
@@ -3656,8 +3775,25 @@
           <a:lstStyle/>
           <a:p>
             <a:r>
-              <a:rPr lang="en-GB" dirty="0"/>
-              <a:t>The development of Network-on-Chip</a:t>
+              <a:rPr lang="en-IE" b="1" dirty="0"/>
+              <a:t>Calculating</a:t>
+            </a:r>
+          </a:p>
+          <a:p>
+            <a:pPr marL="0" indent="0">
+              <a:buNone/>
+            </a:pPr>
+            <a:r>
+              <a:rPr lang="en-IE" sz="1400" dirty="0"/>
+              <a:t>The calculations provide key </a:t>
+            </a:r>
+            <a:r>
+              <a:rPr lang="en-IE" sz="1400" dirty="0" err="1"/>
+              <a:t>color</a:t>
+            </a:r>
+            <a:r>
+              <a:rPr lang="en-IE" sz="1400" dirty="0"/>
+              <a:t> insights for distinguishing the foreground from the background, crucial for areas with unclear boundaries like hair or fur.</a:t>
             </a:r>
           </a:p>
         </p:txBody>
@@ -3678,12 +3814,7 @@
             <p:ph type="sldNum" sz="quarter" idx="4"/>
           </p:nvPr>
         </p:nvSpPr>
-        <p:spPr>
-          <a:xfrm>
-            <a:off x="8039513" y="4881249"/>
-            <a:ext cx="290100" cy="191861"/>
-          </a:xfrm>
-        </p:spPr>
+        <p:spPr/>
         <p:txBody>
           <a:bodyPr/>
           <a:lstStyle/>
@@ -3692,6 +3823,906 @@
               <a:rPr lang="en-GB" smtClean="0"/>
               <a:pPr/>
               <a:t>4</a:t>
+            </a:fld>
+            <a:endParaRPr lang="en-GB" dirty="0"/>
+          </a:p>
+        </p:txBody>
+      </p:sp>
+      <p:pic>
+        <p:nvPicPr>
+          <p:cNvPr id="6" name="Picture 5" descr="A diagram of a computer&#10;&#10;Description automatically generated">
+            <a:extLst>
+              <a:ext uri="{FF2B5EF4-FFF2-40B4-BE49-F238E27FC236}">
+                <a16:creationId xmlns:a16="http://schemas.microsoft.com/office/drawing/2014/main" id="{F26D0F02-EDE2-420A-9D84-FE7DA64427C2}"/>
+              </a:ext>
+            </a:extLst>
+          </p:cNvPr>
+          <p:cNvPicPr>
+            <a:picLocks noChangeAspect="1"/>
+          </p:cNvPicPr>
+          <p:nvPr/>
+        </p:nvPicPr>
+        <p:blipFill rotWithShape="1">
+          <a:blip r:embed="rId2">
+            <a:extLst>
+              <a:ext uri="{28A0092B-C50C-407E-A947-70E740481C1C}">
+                <a14:useLocalDpi xmlns:a14="http://schemas.microsoft.com/office/drawing/2010/main" val="0"/>
+              </a:ext>
+            </a:extLst>
+          </a:blip>
+          <a:srcRect l="5086" r="1845"/>
+          <a:stretch/>
+        </p:blipFill>
+        <p:spPr>
+          <a:xfrm>
+            <a:off x="174812" y="1435473"/>
+            <a:ext cx="3983790" cy="2504515"/>
+          </a:xfrm>
+          <a:prstGeom prst="rect">
+            <a:avLst/>
+          </a:prstGeom>
+        </p:spPr>
+      </p:pic>
+      <p:sp>
+        <p:nvSpPr>
+          <p:cNvPr id="7" name="Text Placeholder 2">
+            <a:extLst>
+              <a:ext uri="{FF2B5EF4-FFF2-40B4-BE49-F238E27FC236}">
+                <a16:creationId xmlns:a16="http://schemas.microsoft.com/office/drawing/2014/main" id="{EC1D0C37-DCCE-094D-66CB-97F6EF5D7062}"/>
+              </a:ext>
+            </a:extLst>
+          </p:cNvPr>
+          <p:cNvSpPr txBox="1">
+            <a:spLocks/>
+          </p:cNvSpPr>
+          <p:nvPr/>
+        </p:nvSpPr>
+        <p:spPr>
+          <a:xfrm>
+            <a:off x="4101351" y="2003612"/>
+            <a:ext cx="4639236" cy="2402989"/>
+          </a:xfrm>
+          <a:prstGeom prst="rect">
+            <a:avLst/>
+          </a:prstGeom>
+        </p:spPr>
+        <p:txBody>
+          <a:bodyPr vert="horz" lIns="0" tIns="0" rIns="0" bIns="0" rtlCol="0">
+            <a:noAutofit/>
+          </a:bodyPr>
+          <a:lstStyle>
+            <a:lvl1pPr marL="238125" indent="-238125" algn="l" defTabSz="914400" rtl="0" eaLnBrk="1" latinLnBrk="0" hangingPunct="1">
+              <a:spcBef>
+                <a:spcPts val="850"/>
+              </a:spcBef>
+              <a:buClr>
+                <a:schemeClr val="tx2"/>
+              </a:buClr>
+              <a:buFont typeface="Calibri" panose="020F0502020204030204" pitchFamily="34" charset="0"/>
+              <a:buChar char="–"/>
+              <a:defRPr sz="1600" b="0" kern="1200">
+                <a:solidFill>
+                  <a:schemeClr val="tx1"/>
+                </a:solidFill>
+                <a:latin typeface="+mn-lt"/>
+                <a:ea typeface="+mn-ea"/>
+                <a:cs typeface="+mn-cs"/>
+              </a:defRPr>
+            </a:lvl1pPr>
+            <a:lvl2pPr marL="503238" indent="-207963" algn="l" defTabSz="914400" rtl="0" eaLnBrk="1" latinLnBrk="0" hangingPunct="1">
+              <a:spcBef>
+                <a:spcPts val="0"/>
+              </a:spcBef>
+              <a:spcAft>
+                <a:spcPts val="567"/>
+              </a:spcAft>
+              <a:buClr>
+                <a:schemeClr val="tx2"/>
+              </a:buClr>
+              <a:buFont typeface="Arial" pitchFamily="34" charset="0"/>
+              <a:buChar char="–"/>
+              <a:defRPr sz="1600" b="0" kern="1200">
+                <a:solidFill>
+                  <a:schemeClr val="tx1"/>
+                </a:solidFill>
+                <a:latin typeface="+mn-lt"/>
+                <a:ea typeface="+mn-ea"/>
+                <a:cs typeface="+mn-cs"/>
+              </a:defRPr>
+            </a:lvl2pPr>
+            <a:lvl3pPr marL="568325" indent="-222250" algn="l" defTabSz="914400" rtl="0" eaLnBrk="1" latinLnBrk="0" hangingPunct="1">
+              <a:spcBef>
+                <a:spcPts val="1134"/>
+              </a:spcBef>
+              <a:buClr>
+                <a:schemeClr val="tx2"/>
+              </a:buClr>
+              <a:buFont typeface="Arial" pitchFamily="34" charset="0"/>
+              <a:buChar char="•"/>
+              <a:defRPr sz="1400" b="0" kern="1200">
+                <a:solidFill>
+                  <a:schemeClr val="tx1"/>
+                </a:solidFill>
+                <a:latin typeface="+mn-lt"/>
+                <a:ea typeface="+mn-ea"/>
+                <a:cs typeface="+mn-cs"/>
+              </a:defRPr>
+            </a:lvl3pPr>
+            <a:lvl4pPr marL="784225" indent="-201613" algn="l" defTabSz="914400" rtl="0" eaLnBrk="1" latinLnBrk="0" hangingPunct="1">
+              <a:spcBef>
+                <a:spcPts val="1134"/>
+              </a:spcBef>
+              <a:buClr>
+                <a:schemeClr val="tx2"/>
+              </a:buClr>
+              <a:buFont typeface="Minion Pro" pitchFamily="18" charset="0"/>
+              <a:buChar char="‒"/>
+              <a:defRPr sz="1400" b="0" kern="1200">
+                <a:solidFill>
+                  <a:schemeClr val="tx1"/>
+                </a:solidFill>
+                <a:latin typeface="+mn-lt"/>
+                <a:ea typeface="+mn-ea"/>
+                <a:cs typeface="+mn-cs"/>
+              </a:defRPr>
+            </a:lvl4pPr>
+            <a:lvl5pPr marL="1000125" indent="-185738" algn="l" defTabSz="914400" rtl="0" eaLnBrk="1" latinLnBrk="0" hangingPunct="1">
+              <a:spcBef>
+                <a:spcPts val="1134"/>
+              </a:spcBef>
+              <a:buClr>
+                <a:schemeClr val="tx2"/>
+              </a:buClr>
+              <a:buFont typeface="Arial" pitchFamily="34" charset="0"/>
+              <a:buChar char="»"/>
+              <a:defRPr sz="1400" b="0" kern="1200">
+                <a:solidFill>
+                  <a:schemeClr val="tx1"/>
+                </a:solidFill>
+                <a:latin typeface="+mn-lt"/>
+                <a:ea typeface="+mn-ea"/>
+                <a:cs typeface="+mn-cs"/>
+              </a:defRPr>
+            </a:lvl5pPr>
+            <a:lvl6pPr marL="2514600" indent="-228600" algn="l" defTabSz="914400" rtl="0" eaLnBrk="1" latinLnBrk="0" hangingPunct="1">
+              <a:spcBef>
+                <a:spcPct val="20000"/>
+              </a:spcBef>
+              <a:buFont typeface="Arial" pitchFamily="34" charset="0"/>
+              <a:buChar char="•"/>
+              <a:defRPr sz="2000" kern="1200">
+                <a:solidFill>
+                  <a:schemeClr val="tx1"/>
+                </a:solidFill>
+                <a:latin typeface="+mn-lt"/>
+                <a:ea typeface="+mn-ea"/>
+                <a:cs typeface="+mn-cs"/>
+              </a:defRPr>
+            </a:lvl6pPr>
+            <a:lvl7pPr marL="2971800" indent="-228600" algn="l" defTabSz="914400" rtl="0" eaLnBrk="1" latinLnBrk="0" hangingPunct="1">
+              <a:spcBef>
+                <a:spcPct val="20000"/>
+              </a:spcBef>
+              <a:buFont typeface="Arial" pitchFamily="34" charset="0"/>
+              <a:buChar char="•"/>
+              <a:defRPr sz="2000" kern="1200">
+                <a:solidFill>
+                  <a:schemeClr val="tx1"/>
+                </a:solidFill>
+                <a:latin typeface="+mn-lt"/>
+                <a:ea typeface="+mn-ea"/>
+                <a:cs typeface="+mn-cs"/>
+              </a:defRPr>
+            </a:lvl7pPr>
+            <a:lvl8pPr marL="3429000" indent="-228600" algn="l" defTabSz="914400" rtl="0" eaLnBrk="1" latinLnBrk="0" hangingPunct="1">
+              <a:spcBef>
+                <a:spcPct val="20000"/>
+              </a:spcBef>
+              <a:buFont typeface="Arial" pitchFamily="34" charset="0"/>
+              <a:buChar char="•"/>
+              <a:defRPr sz="2000" kern="1200">
+                <a:solidFill>
+                  <a:schemeClr val="tx1"/>
+                </a:solidFill>
+                <a:latin typeface="+mn-lt"/>
+                <a:ea typeface="+mn-ea"/>
+                <a:cs typeface="+mn-cs"/>
+              </a:defRPr>
+            </a:lvl8pPr>
+            <a:lvl9pPr marL="3886200" indent="-228600" algn="l" defTabSz="914400" rtl="0" eaLnBrk="1" latinLnBrk="0" hangingPunct="1">
+              <a:spcBef>
+                <a:spcPct val="20000"/>
+              </a:spcBef>
+              <a:buFont typeface="Arial" pitchFamily="34" charset="0"/>
+              <a:buChar char="•"/>
+              <a:defRPr sz="2000" kern="1200">
+                <a:solidFill>
+                  <a:schemeClr val="tx1"/>
+                </a:solidFill>
+                <a:latin typeface="+mn-lt"/>
+                <a:ea typeface="+mn-ea"/>
+                <a:cs typeface="+mn-cs"/>
+              </a:defRPr>
+            </a:lvl9pPr>
+          </a:lstStyle>
+          <a:p>
+            <a:pPr marL="295275" lvl="1" indent="0">
+              <a:lnSpc>
+                <a:spcPct val="150000"/>
+              </a:lnSpc>
+              <a:buNone/>
+            </a:pPr>
+            <a:endParaRPr lang="en-IE" sz="1200" b="1" dirty="0"/>
+          </a:p>
+          <a:p>
+            <a:pPr lvl="1">
+              <a:buFont typeface="Arial" pitchFamily="34" charset="0"/>
+              <a:buChar char="•"/>
+            </a:pPr>
+            <a:r>
+              <a:rPr lang="en-IE" sz="1200" b="1" dirty="0"/>
+              <a:t>Mean Calculation: </a:t>
+            </a:r>
+            <a:r>
+              <a:rPr lang="en-IE" sz="1200" dirty="0" err="1"/>
+              <a:t>Color</a:t>
+            </a:r>
+            <a:r>
+              <a:rPr lang="en-IE" sz="1200" dirty="0"/>
+              <a:t> Averaging, RGB Channels, Region Centrality</a:t>
+            </a:r>
+          </a:p>
+          <a:p>
+            <a:pPr lvl="1">
+              <a:buFont typeface="Arial" pitchFamily="34" charset="0"/>
+              <a:buChar char="•"/>
+            </a:pPr>
+            <a:r>
+              <a:rPr lang="en-IE" sz="1200" b="1" dirty="0"/>
+              <a:t>Covariance Matrix: </a:t>
+            </a:r>
+            <a:r>
+              <a:rPr lang="en-IE" sz="1200" dirty="0" err="1"/>
+              <a:t>Color</a:t>
+            </a:r>
+            <a:r>
+              <a:rPr lang="en-IE" sz="1200" dirty="0"/>
+              <a:t> Variation, Channel Relationship, Texture Analysis</a:t>
+            </a:r>
+          </a:p>
+          <a:p>
+            <a:pPr lvl="1">
+              <a:buFont typeface="Arial" pitchFamily="34" charset="0"/>
+              <a:buChar char="•"/>
+            </a:pPr>
+            <a:r>
+              <a:rPr lang="en-IE" sz="1200" b="1" dirty="0"/>
+              <a:t>Normalization: </a:t>
+            </a:r>
+            <a:r>
+              <a:rPr lang="en-IE" sz="1200" dirty="0"/>
+              <a:t>Scale Adjustment, Pixel Count Relevance, Average Representation</a:t>
+            </a:r>
+          </a:p>
+          <a:p>
+            <a:pPr lvl="1">
+              <a:buFont typeface="Arial" pitchFamily="34" charset="0"/>
+              <a:buChar char="•"/>
+            </a:pPr>
+            <a:r>
+              <a:rPr lang="en-IE" sz="1200" b="1" dirty="0"/>
+              <a:t>Variance Calculation: </a:t>
+            </a:r>
+            <a:r>
+              <a:rPr lang="en-IE" sz="1200" dirty="0"/>
+              <a:t>Noise Estimation, Texture Characterization, </a:t>
+            </a:r>
+            <a:r>
+              <a:rPr lang="en-IE" sz="1200" dirty="0" err="1"/>
+              <a:t>Color</a:t>
+            </a:r>
+            <a:r>
+              <a:rPr lang="en-IE" sz="1200" dirty="0"/>
+              <a:t> Deviation Measurement</a:t>
+            </a:r>
+          </a:p>
+        </p:txBody>
+      </p:sp>
+    </p:spTree>
+    <p:extLst>
+      <p:ext uri="{BB962C8B-B14F-4D97-AF65-F5344CB8AC3E}">
+        <p14:creationId xmlns:p14="http://schemas.microsoft.com/office/powerpoint/2010/main" val="44679861"/>
+      </p:ext>
+    </p:extLst>
+  </p:cSld>
+  <p:clrMapOvr>
+    <a:masterClrMapping/>
+  </p:clrMapOvr>
+</p:sld>
+</file>
+
+<file path=ppt/slides/slide5.xml><?xml version="1.0" encoding="utf-8"?>
+<p:sld xmlns:a="http://schemas.openxmlformats.org/drawingml/2006/main" xmlns:r="http://schemas.openxmlformats.org/officeDocument/2006/relationships" xmlns:p="http://schemas.openxmlformats.org/presentationml/2006/main">
+  <p:cSld>
+    <p:spTree>
+      <p:nvGrpSpPr>
+        <p:cNvPr id="1" name=""/>
+        <p:cNvGrpSpPr/>
+        <p:nvPr/>
+      </p:nvGrpSpPr>
+      <p:grpSpPr>
+        <a:xfrm>
+          <a:off x="0" y="0"/>
+          <a:ext cx="0" cy="0"/>
+          <a:chOff x="0" y="0"/>
+          <a:chExt cx="0" cy="0"/>
+        </a:xfrm>
+      </p:grpSpPr>
+      <p:sp>
+        <p:nvSpPr>
+          <p:cNvPr id="2" name="Title 1"/>
+          <p:cNvSpPr>
+            <a:spLocks noGrp="1"/>
+          </p:cNvSpPr>
+          <p:nvPr>
+            <p:ph type="title"/>
+          </p:nvPr>
+        </p:nvSpPr>
+        <p:spPr>
+          <a:xfrm>
+            <a:off x="828683" y="513384"/>
+            <a:ext cx="7500939" cy="421200"/>
+          </a:xfrm>
+        </p:spPr>
+        <p:txBody>
+          <a:bodyPr/>
+          <a:lstStyle/>
+          <a:p>
+            <a:r>
+              <a:rPr lang="en-US" altLang="zh-CN" dirty="0"/>
+              <a:t>Function Blocks</a:t>
+            </a:r>
+            <a:endParaRPr lang="en-GB" dirty="0"/>
+          </a:p>
+        </p:txBody>
+      </p:sp>
+      <p:sp>
+        <p:nvSpPr>
+          <p:cNvPr id="3" name="Text Placeholder 2">
+            <a:extLst>
+              <a:ext uri="{FF2B5EF4-FFF2-40B4-BE49-F238E27FC236}">
+                <a16:creationId xmlns:a16="http://schemas.microsoft.com/office/drawing/2014/main" id="{AF4DDC70-2055-FE2B-5A4F-8AE0E24EA385}"/>
+              </a:ext>
+            </a:extLst>
+          </p:cNvPr>
+          <p:cNvSpPr>
+            <a:spLocks noGrp="1"/>
+          </p:cNvSpPr>
+          <p:nvPr>
+            <p:ph type="body" sz="quarter" idx="10"/>
+          </p:nvPr>
+        </p:nvSpPr>
+        <p:spPr>
+          <a:xfrm>
+            <a:off x="4249271" y="1253790"/>
+            <a:ext cx="4686300" cy="1317959"/>
+          </a:xfrm>
+        </p:spPr>
+        <p:txBody>
+          <a:bodyPr/>
+          <a:lstStyle/>
+          <a:p>
+            <a:r>
+              <a:rPr lang="en-IE" b="1" dirty="0"/>
+              <a:t>Iterating</a:t>
+            </a:r>
+          </a:p>
+          <a:p>
+            <a:pPr marL="0" indent="0">
+              <a:buNone/>
+            </a:pPr>
+            <a:r>
+              <a:rPr lang="en-IE" sz="1400" dirty="0"/>
+              <a:t>This part will refine the alpha matte in complex image areas (such as edges, hair, fur) by iteratively adjusting transparency and </a:t>
+            </a:r>
+            <a:r>
+              <a:rPr lang="en-IE" sz="1400" dirty="0" err="1"/>
+              <a:t>color</a:t>
+            </a:r>
+            <a:r>
+              <a:rPr lang="en-IE" sz="1400" dirty="0"/>
+              <a:t> for precise foreground-background separation.</a:t>
+            </a:r>
+          </a:p>
+        </p:txBody>
+      </p:sp>
+      <p:sp>
+        <p:nvSpPr>
+          <p:cNvPr id="5" name="Slide Number Placeholder 4">
+            <a:extLst>
+              <a:ext uri="{FF2B5EF4-FFF2-40B4-BE49-F238E27FC236}">
+                <a16:creationId xmlns:a16="http://schemas.microsoft.com/office/drawing/2014/main" id="{0352E26E-3FA3-004E-AE8F-EF74CEC96E15}"/>
+              </a:ext>
+            </a:extLst>
+          </p:cNvPr>
+          <p:cNvSpPr>
+            <a:spLocks noGrp="1"/>
+          </p:cNvSpPr>
+          <p:nvPr>
+            <p:ph type="sldNum" sz="quarter" idx="4"/>
+          </p:nvPr>
+        </p:nvSpPr>
+        <p:spPr/>
+        <p:txBody>
+          <a:bodyPr/>
+          <a:lstStyle/>
+          <a:p>
+            <a:fld id="{DDBE135E-2566-4748-853C-8A3B78F0FB00}" type="slidenum">
+              <a:rPr lang="en-GB" smtClean="0"/>
+              <a:pPr/>
+              <a:t>5</a:t>
+            </a:fld>
+            <a:endParaRPr lang="en-GB" dirty="0"/>
+          </a:p>
+        </p:txBody>
+      </p:sp>
+      <p:sp>
+        <p:nvSpPr>
+          <p:cNvPr id="7" name="Text Placeholder 2">
+            <a:extLst>
+              <a:ext uri="{FF2B5EF4-FFF2-40B4-BE49-F238E27FC236}">
+                <a16:creationId xmlns:a16="http://schemas.microsoft.com/office/drawing/2014/main" id="{EC1D0C37-DCCE-094D-66CB-97F6EF5D7062}"/>
+              </a:ext>
+            </a:extLst>
+          </p:cNvPr>
+          <p:cNvSpPr txBox="1">
+            <a:spLocks/>
+          </p:cNvSpPr>
+          <p:nvPr/>
+        </p:nvSpPr>
+        <p:spPr>
+          <a:xfrm>
+            <a:off x="4004035" y="2082046"/>
+            <a:ext cx="4484594" cy="2402989"/>
+          </a:xfrm>
+          <a:prstGeom prst="rect">
+            <a:avLst/>
+          </a:prstGeom>
+        </p:spPr>
+        <p:txBody>
+          <a:bodyPr vert="horz" lIns="0" tIns="0" rIns="0" bIns="0" rtlCol="0">
+            <a:noAutofit/>
+          </a:bodyPr>
+          <a:lstStyle>
+            <a:lvl1pPr marL="238125" indent="-238125" algn="l" defTabSz="914400" rtl="0" eaLnBrk="1" latinLnBrk="0" hangingPunct="1">
+              <a:spcBef>
+                <a:spcPts val="850"/>
+              </a:spcBef>
+              <a:buClr>
+                <a:schemeClr val="tx2"/>
+              </a:buClr>
+              <a:buFont typeface="Calibri" panose="020F0502020204030204" pitchFamily="34" charset="0"/>
+              <a:buChar char="–"/>
+              <a:defRPr sz="1600" b="0" kern="1200">
+                <a:solidFill>
+                  <a:schemeClr val="tx1"/>
+                </a:solidFill>
+                <a:latin typeface="+mn-lt"/>
+                <a:ea typeface="+mn-ea"/>
+                <a:cs typeface="+mn-cs"/>
+              </a:defRPr>
+            </a:lvl1pPr>
+            <a:lvl2pPr marL="503238" indent="-207963" algn="l" defTabSz="914400" rtl="0" eaLnBrk="1" latinLnBrk="0" hangingPunct="1">
+              <a:spcBef>
+                <a:spcPts val="0"/>
+              </a:spcBef>
+              <a:spcAft>
+                <a:spcPts val="567"/>
+              </a:spcAft>
+              <a:buClr>
+                <a:schemeClr val="tx2"/>
+              </a:buClr>
+              <a:buFont typeface="Arial" pitchFamily="34" charset="0"/>
+              <a:buChar char="–"/>
+              <a:defRPr sz="1600" b="0" kern="1200">
+                <a:solidFill>
+                  <a:schemeClr val="tx1"/>
+                </a:solidFill>
+                <a:latin typeface="+mn-lt"/>
+                <a:ea typeface="+mn-ea"/>
+                <a:cs typeface="+mn-cs"/>
+              </a:defRPr>
+            </a:lvl2pPr>
+            <a:lvl3pPr marL="568325" indent="-222250" algn="l" defTabSz="914400" rtl="0" eaLnBrk="1" latinLnBrk="0" hangingPunct="1">
+              <a:spcBef>
+                <a:spcPts val="1134"/>
+              </a:spcBef>
+              <a:buClr>
+                <a:schemeClr val="tx2"/>
+              </a:buClr>
+              <a:buFont typeface="Arial" pitchFamily="34" charset="0"/>
+              <a:buChar char="•"/>
+              <a:defRPr sz="1400" b="0" kern="1200">
+                <a:solidFill>
+                  <a:schemeClr val="tx1"/>
+                </a:solidFill>
+                <a:latin typeface="+mn-lt"/>
+                <a:ea typeface="+mn-ea"/>
+                <a:cs typeface="+mn-cs"/>
+              </a:defRPr>
+            </a:lvl3pPr>
+            <a:lvl4pPr marL="784225" indent="-201613" algn="l" defTabSz="914400" rtl="0" eaLnBrk="1" latinLnBrk="0" hangingPunct="1">
+              <a:spcBef>
+                <a:spcPts val="1134"/>
+              </a:spcBef>
+              <a:buClr>
+                <a:schemeClr val="tx2"/>
+              </a:buClr>
+              <a:buFont typeface="Minion Pro" pitchFamily="18" charset="0"/>
+              <a:buChar char="‒"/>
+              <a:defRPr sz="1400" b="0" kern="1200">
+                <a:solidFill>
+                  <a:schemeClr val="tx1"/>
+                </a:solidFill>
+                <a:latin typeface="+mn-lt"/>
+                <a:ea typeface="+mn-ea"/>
+                <a:cs typeface="+mn-cs"/>
+              </a:defRPr>
+            </a:lvl4pPr>
+            <a:lvl5pPr marL="1000125" indent="-185738" algn="l" defTabSz="914400" rtl="0" eaLnBrk="1" latinLnBrk="0" hangingPunct="1">
+              <a:spcBef>
+                <a:spcPts val="1134"/>
+              </a:spcBef>
+              <a:buClr>
+                <a:schemeClr val="tx2"/>
+              </a:buClr>
+              <a:buFont typeface="Arial" pitchFamily="34" charset="0"/>
+              <a:buChar char="»"/>
+              <a:defRPr sz="1400" b="0" kern="1200">
+                <a:solidFill>
+                  <a:schemeClr val="tx1"/>
+                </a:solidFill>
+                <a:latin typeface="+mn-lt"/>
+                <a:ea typeface="+mn-ea"/>
+                <a:cs typeface="+mn-cs"/>
+              </a:defRPr>
+            </a:lvl5pPr>
+            <a:lvl6pPr marL="2514600" indent="-228600" algn="l" defTabSz="914400" rtl="0" eaLnBrk="1" latinLnBrk="0" hangingPunct="1">
+              <a:spcBef>
+                <a:spcPct val="20000"/>
+              </a:spcBef>
+              <a:buFont typeface="Arial" pitchFamily="34" charset="0"/>
+              <a:buChar char="•"/>
+              <a:defRPr sz="2000" kern="1200">
+                <a:solidFill>
+                  <a:schemeClr val="tx1"/>
+                </a:solidFill>
+                <a:latin typeface="+mn-lt"/>
+                <a:ea typeface="+mn-ea"/>
+                <a:cs typeface="+mn-cs"/>
+              </a:defRPr>
+            </a:lvl6pPr>
+            <a:lvl7pPr marL="2971800" indent="-228600" algn="l" defTabSz="914400" rtl="0" eaLnBrk="1" latinLnBrk="0" hangingPunct="1">
+              <a:spcBef>
+                <a:spcPct val="20000"/>
+              </a:spcBef>
+              <a:buFont typeface="Arial" pitchFamily="34" charset="0"/>
+              <a:buChar char="•"/>
+              <a:defRPr sz="2000" kern="1200">
+                <a:solidFill>
+                  <a:schemeClr val="tx1"/>
+                </a:solidFill>
+                <a:latin typeface="+mn-lt"/>
+                <a:ea typeface="+mn-ea"/>
+                <a:cs typeface="+mn-cs"/>
+              </a:defRPr>
+            </a:lvl7pPr>
+            <a:lvl8pPr marL="3429000" indent="-228600" algn="l" defTabSz="914400" rtl="0" eaLnBrk="1" latinLnBrk="0" hangingPunct="1">
+              <a:spcBef>
+                <a:spcPct val="20000"/>
+              </a:spcBef>
+              <a:buFont typeface="Arial" pitchFamily="34" charset="0"/>
+              <a:buChar char="•"/>
+              <a:defRPr sz="2000" kern="1200">
+                <a:solidFill>
+                  <a:schemeClr val="tx1"/>
+                </a:solidFill>
+                <a:latin typeface="+mn-lt"/>
+                <a:ea typeface="+mn-ea"/>
+                <a:cs typeface="+mn-cs"/>
+              </a:defRPr>
+            </a:lvl8pPr>
+            <a:lvl9pPr marL="3886200" indent="-228600" algn="l" defTabSz="914400" rtl="0" eaLnBrk="1" latinLnBrk="0" hangingPunct="1">
+              <a:spcBef>
+                <a:spcPct val="20000"/>
+              </a:spcBef>
+              <a:buFont typeface="Arial" pitchFamily="34" charset="0"/>
+              <a:buChar char="•"/>
+              <a:defRPr sz="2000" kern="1200">
+                <a:solidFill>
+                  <a:schemeClr val="tx1"/>
+                </a:solidFill>
+                <a:latin typeface="+mn-lt"/>
+                <a:ea typeface="+mn-ea"/>
+                <a:cs typeface="+mn-cs"/>
+              </a:defRPr>
+            </a:lvl9pPr>
+          </a:lstStyle>
+          <a:p>
+            <a:pPr marL="295275" lvl="1" indent="0">
+              <a:lnSpc>
+                <a:spcPct val="150000"/>
+              </a:lnSpc>
+              <a:buNone/>
+            </a:pPr>
+            <a:endParaRPr lang="en-IE" sz="1200" b="1" dirty="0"/>
+          </a:p>
+          <a:p>
+            <a:pPr lvl="1">
+              <a:buFont typeface="Arial" pitchFamily="34" charset="0"/>
+              <a:buChar char="•"/>
+            </a:pPr>
+            <a:r>
+              <a:rPr lang="en-IE" sz="1200" b="1" dirty="0"/>
+              <a:t>Alpha Matte Refinement: </a:t>
+            </a:r>
+            <a:r>
+              <a:rPr lang="en-IE" sz="1200" dirty="0"/>
+              <a:t>Precise Transparency Adjustment</a:t>
+            </a:r>
+          </a:p>
+          <a:p>
+            <a:pPr lvl="1">
+              <a:buFont typeface="Arial" pitchFamily="34" charset="0"/>
+              <a:buChar char="•"/>
+            </a:pPr>
+            <a:r>
+              <a:rPr lang="en-IE" sz="1200" b="1" dirty="0"/>
+              <a:t>Complex Area Focus: </a:t>
+            </a:r>
+            <a:r>
+              <a:rPr lang="en-IE" sz="1200" dirty="0"/>
+              <a:t>Edge, Hair, Fur Detailing</a:t>
+            </a:r>
+          </a:p>
+          <a:p>
+            <a:pPr lvl="1">
+              <a:buFont typeface="Arial" pitchFamily="34" charset="0"/>
+              <a:buChar char="•"/>
+            </a:pPr>
+            <a:r>
+              <a:rPr lang="en-IE" sz="1200" b="1" dirty="0"/>
+              <a:t>Iterative Calculations: </a:t>
+            </a:r>
+            <a:r>
+              <a:rPr lang="en-IE" sz="1200" dirty="0"/>
+              <a:t>Repeated Fine-Tuning</a:t>
+            </a:r>
+          </a:p>
+          <a:p>
+            <a:pPr lvl="1">
+              <a:buFont typeface="Arial" pitchFamily="34" charset="0"/>
+              <a:buChar char="•"/>
+            </a:pPr>
+            <a:r>
+              <a:rPr lang="en-IE" sz="1200" b="1" dirty="0"/>
+              <a:t>Foreground-Background Separation: </a:t>
+            </a:r>
+            <a:r>
+              <a:rPr lang="en-IE" sz="1200" dirty="0"/>
+              <a:t>Accurate </a:t>
+            </a:r>
+            <a:r>
+              <a:rPr lang="en-IE" sz="1200" dirty="0" err="1"/>
+              <a:t>Color</a:t>
+            </a:r>
+            <a:r>
+              <a:rPr lang="en-IE" sz="1200" dirty="0"/>
+              <a:t> Segregation</a:t>
+            </a:r>
+          </a:p>
+          <a:p>
+            <a:pPr lvl="1">
+              <a:buFont typeface="Arial" pitchFamily="34" charset="0"/>
+              <a:buChar char="•"/>
+            </a:pPr>
+            <a:r>
+              <a:rPr lang="en-IE" sz="1200" b="1" dirty="0"/>
+              <a:t>Transparency Calculation: </a:t>
+            </a:r>
+            <a:r>
+              <a:rPr lang="en-IE" sz="1200" dirty="0"/>
+              <a:t>Alpha Value Determination</a:t>
+            </a:r>
+          </a:p>
+          <a:p>
+            <a:pPr lvl="1">
+              <a:buFont typeface="Arial" pitchFamily="34" charset="0"/>
+              <a:buChar char="•"/>
+            </a:pPr>
+            <a:r>
+              <a:rPr lang="en-IE" sz="1200" b="1" dirty="0" err="1"/>
+              <a:t>Color</a:t>
+            </a:r>
+            <a:r>
+              <a:rPr lang="en-IE" sz="1200" b="1" dirty="0"/>
+              <a:t> Matching: </a:t>
+            </a:r>
+            <a:r>
+              <a:rPr lang="en-IE" sz="1200" dirty="0"/>
+              <a:t>Foreground-Background </a:t>
+            </a:r>
+            <a:r>
+              <a:rPr lang="en-IE" sz="1200" dirty="0" err="1"/>
+              <a:t>Color</a:t>
+            </a:r>
+            <a:r>
+              <a:rPr lang="en-IE" sz="1200" dirty="0"/>
+              <a:t> Alignment</a:t>
+            </a:r>
+          </a:p>
+          <a:p>
+            <a:pPr lvl="1">
+              <a:buFont typeface="Arial" pitchFamily="34" charset="0"/>
+              <a:buChar char="•"/>
+            </a:pPr>
+            <a:r>
+              <a:rPr lang="en-IE" sz="1200" b="1" dirty="0"/>
+              <a:t>Convergence Check: </a:t>
+            </a:r>
+            <a:r>
+              <a:rPr lang="en-IE" sz="1200" dirty="0"/>
+              <a:t>Optimal Alpha Value Assessment</a:t>
+            </a:r>
+          </a:p>
+        </p:txBody>
+      </p:sp>
+      <p:pic>
+        <p:nvPicPr>
+          <p:cNvPr id="8" name="Picture 7" descr="A diagram of a diagram&#10;&#10;Description automatically generated with medium confidence">
+            <a:extLst>
+              <a:ext uri="{FF2B5EF4-FFF2-40B4-BE49-F238E27FC236}">
+                <a16:creationId xmlns:a16="http://schemas.microsoft.com/office/drawing/2014/main" id="{6C40B576-7D37-5846-7AD1-CB8AB2C278D4}"/>
+              </a:ext>
+            </a:extLst>
+          </p:cNvPr>
+          <p:cNvPicPr>
+            <a:picLocks noChangeAspect="1"/>
+          </p:cNvPicPr>
+          <p:nvPr/>
+        </p:nvPicPr>
+        <p:blipFill>
+          <a:blip r:embed="rId2">
+            <a:extLst>
+              <a:ext uri="{28A0092B-C50C-407E-A947-70E740481C1C}">
+                <a14:useLocalDpi xmlns:a14="http://schemas.microsoft.com/office/drawing/2010/main" val="0"/>
+              </a:ext>
+            </a:extLst>
+          </a:blip>
+          <a:stretch>
+            <a:fillRect/>
+          </a:stretch>
+        </p:blipFill>
+        <p:spPr>
+          <a:xfrm>
+            <a:off x="0" y="2082046"/>
+            <a:ext cx="3904430" cy="1360401"/>
+          </a:xfrm>
+          <a:prstGeom prst="rect">
+            <a:avLst/>
+          </a:prstGeom>
+        </p:spPr>
+      </p:pic>
+    </p:spTree>
+    <p:extLst>
+      <p:ext uri="{BB962C8B-B14F-4D97-AF65-F5344CB8AC3E}">
+        <p14:creationId xmlns:p14="http://schemas.microsoft.com/office/powerpoint/2010/main" val="1931865543"/>
+      </p:ext>
+    </p:extLst>
+  </p:cSld>
+  <p:clrMapOvr>
+    <a:masterClrMapping/>
+  </p:clrMapOvr>
+</p:sld>
+</file>
+
+<file path=ppt/slides/slide6.xml><?xml version="1.0" encoding="utf-8"?>
+<p:sld xmlns:a="http://schemas.openxmlformats.org/drawingml/2006/main" xmlns:r="http://schemas.openxmlformats.org/officeDocument/2006/relationships" xmlns:p="http://schemas.openxmlformats.org/presentationml/2006/main">
+  <p:cSld>
+    <p:spTree>
+      <p:nvGrpSpPr>
+        <p:cNvPr id="1" name=""/>
+        <p:cNvGrpSpPr/>
+        <p:nvPr/>
+      </p:nvGrpSpPr>
+      <p:grpSpPr>
+        <a:xfrm>
+          <a:off x="0" y="0"/>
+          <a:ext cx="0" cy="0"/>
+          <a:chOff x="0" y="0"/>
+          <a:chExt cx="0" cy="0"/>
+        </a:xfrm>
+      </p:grpSpPr>
+      <p:sp>
+        <p:nvSpPr>
+          <p:cNvPr id="2" name="Title 1"/>
+          <p:cNvSpPr>
+            <a:spLocks noGrp="1"/>
+          </p:cNvSpPr>
+          <p:nvPr>
+            <p:ph type="title"/>
+          </p:nvPr>
+        </p:nvSpPr>
+        <p:spPr/>
+        <p:txBody>
+          <a:bodyPr/>
+          <a:lstStyle/>
+          <a:p>
+            <a:r>
+              <a:rPr lang="en-US" altLang="zh-CN" dirty="0"/>
+              <a:t>Group Introduction</a:t>
+            </a:r>
+            <a:endParaRPr lang="en-GB" dirty="0"/>
+          </a:p>
+        </p:txBody>
+      </p:sp>
+      <p:sp>
+        <p:nvSpPr>
+          <p:cNvPr id="4" name="Text Placeholder 3"/>
+          <p:cNvSpPr>
+            <a:spLocks noGrp="1"/>
+          </p:cNvSpPr>
+          <p:nvPr>
+            <p:ph type="body" sz="quarter" idx="11"/>
+          </p:nvPr>
+        </p:nvSpPr>
+        <p:spPr>
+          <a:xfrm>
+            <a:off x="828675" y="685806"/>
+            <a:ext cx="7500938" cy="350994"/>
+          </a:xfrm>
+        </p:spPr>
+        <p:txBody>
+          <a:bodyPr/>
+          <a:lstStyle/>
+          <a:p>
+            <a:r>
+              <a:rPr lang="en-GB" dirty="0"/>
+              <a:t>The development of Network-on-Chip</a:t>
+            </a:r>
+          </a:p>
+        </p:txBody>
+      </p:sp>
+      <p:sp>
+        <p:nvSpPr>
+          <p:cNvPr id="5" name="Slide Number Placeholder 4">
+            <a:extLst>
+              <a:ext uri="{FF2B5EF4-FFF2-40B4-BE49-F238E27FC236}">
+                <a16:creationId xmlns:a16="http://schemas.microsoft.com/office/drawing/2014/main" id="{0352E26E-3FA3-004E-AE8F-EF74CEC96E15}"/>
+              </a:ext>
+            </a:extLst>
+          </p:cNvPr>
+          <p:cNvSpPr>
+            <a:spLocks noGrp="1"/>
+          </p:cNvSpPr>
+          <p:nvPr>
+            <p:ph type="sldNum" sz="quarter" idx="4"/>
+          </p:nvPr>
+        </p:nvSpPr>
+        <p:spPr>
+          <a:xfrm>
+            <a:off x="8039513" y="4881249"/>
+            <a:ext cx="290100" cy="191861"/>
+          </a:xfrm>
+        </p:spPr>
+        <p:txBody>
+          <a:bodyPr/>
+          <a:lstStyle/>
+          <a:p>
+            <a:fld id="{DDBE135E-2566-4748-853C-8A3B78F0FB00}" type="slidenum">
+              <a:rPr lang="en-GB" smtClean="0"/>
+              <a:pPr/>
+              <a:t>6</a:t>
             </a:fld>
             <a:endParaRPr lang="en-GB" dirty="0"/>
           </a:p>
@@ -3718,7 +4749,7 @@
           <a:bodyPr/>
           <a:lstStyle/>
           <a:p>
-            <a:endParaRPr lang="en-IE"/>
+            <a:endParaRPr lang="en-IE" dirty="0"/>
           </a:p>
         </p:txBody>
       </p:sp>
@@ -3735,7 +4766,7 @@
 </p:sld>
 </file>
 
-<file path=ppt/slides/slide5.xml><?xml version="1.0" encoding="utf-8"?>
+<file path=ppt/slides/slide7.xml><?xml version="1.0" encoding="utf-8"?>
 <p:sld xmlns:a="http://schemas.openxmlformats.org/drawingml/2006/main" xmlns:r="http://schemas.openxmlformats.org/officeDocument/2006/relationships" xmlns:p="http://schemas.openxmlformats.org/presentationml/2006/main">
   <p:cSld>
     <p:spTree>
@@ -3758,2416 +4789,6 @@
           <a:chExt cx="0" cy="0"/>
         </a:xfrm>
       </p:grpSpPr>
-      <p:grpSp>
-        <p:nvGrpSpPr>
-          <p:cNvPr id="8" name="组合 7">
-            <a:extLst>
-              <a:ext uri="{FF2B5EF4-FFF2-40B4-BE49-F238E27FC236}">
-                <a16:creationId xmlns:a16="http://schemas.microsoft.com/office/drawing/2014/main" id="{EB00A5B2-EB4A-6388-8FFF-7D72B36E56B0}"/>
-              </a:ext>
-            </a:extLst>
-          </p:cNvPr>
-          <p:cNvGrpSpPr/>
-          <p:nvPr/>
-        </p:nvGrpSpPr>
-        <p:grpSpPr>
-          <a:xfrm>
-            <a:off x="583190" y="847725"/>
-            <a:ext cx="7968096" cy="3394724"/>
-            <a:chOff x="777586" y="1130300"/>
-            <a:chExt cx="10624128" cy="4526298"/>
-          </a:xfrm>
-        </p:grpSpPr>
-        <p:sp>
-          <p:nvSpPr>
-            <p:cNvPr id="2" name="文本框 1">
-              <a:extLst>
-                <a:ext uri="{FF2B5EF4-FFF2-40B4-BE49-F238E27FC236}">
-                  <a16:creationId xmlns:a16="http://schemas.microsoft.com/office/drawing/2014/main" id="{5D52B791-8104-ED24-3D85-71F28F43DF47}"/>
-                </a:ext>
-              </a:extLst>
-            </p:cNvPr>
-            <p:cNvSpPr txBox="1"/>
-            <p:nvPr/>
-          </p:nvSpPr>
-          <p:spPr>
-            <a:xfrm>
-              <a:off x="4979505" y="1998816"/>
-              <a:ext cx="2220297" cy="369332"/>
-            </a:xfrm>
-            <a:prstGeom prst="rect">
-              <a:avLst/>
-            </a:prstGeom>
-            <a:noFill/>
-            <a:ln>
-              <a:noFill/>
-            </a:ln>
-          </p:spPr>
-          <p:txBody>
-            <a:bodyPr wrap="square" lIns="68580" tIns="34290" rIns="68580" bIns="34290" anchor="ctr" anchorCtr="0">
-              <a:spAutoFit/>
-            </a:bodyPr>
-            <a:lstStyle/>
-            <a:p>
-              <a:pPr algn="ctr">
-                <a:buSzPct val="25000"/>
-              </a:pPr>
-              <a:r>
-                <a:rPr lang="en-US" altLang="zh-CN" sz="1350" b="1" dirty="0">
-                  <a:solidFill>
-                    <a:schemeClr val="accent1"/>
-                  </a:solidFill>
-                  <a:latin typeface="Calibri" panose="020F0502020204030204" pitchFamily="34" charset="0"/>
-                  <a:ea typeface="微软雅黑" panose="020B0503020204020204" pitchFamily="34" charset="-122"/>
-                </a:rPr>
-                <a:t>Supporting text here.</a:t>
-              </a:r>
-            </a:p>
-          </p:txBody>
-        </p:sp>
-        <p:cxnSp>
-          <p:nvCxnSpPr>
-            <p:cNvPr id="3" name="直接连接符 2">
-              <a:extLst>
-                <a:ext uri="{FF2B5EF4-FFF2-40B4-BE49-F238E27FC236}">
-                  <a16:creationId xmlns:a16="http://schemas.microsoft.com/office/drawing/2014/main" id="{3BAF065D-0213-7025-44F7-F38D3D4B4DB6}"/>
-                </a:ext>
-              </a:extLst>
-            </p:cNvPr>
-            <p:cNvCxnSpPr>
-              <a:cxnSpLocks/>
-            </p:cNvCxnSpPr>
-            <p:nvPr/>
-          </p:nvCxnSpPr>
-          <p:spPr>
-            <a:xfrm>
-              <a:off x="6089652" y="2481220"/>
-              <a:ext cx="0" cy="304800"/>
-            </a:xfrm>
-            <a:prstGeom prst="line">
-              <a:avLst/>
-            </a:prstGeom>
-            <a:ln>
-              <a:solidFill>
-                <a:schemeClr val="tx1">
-                  <a:alpha val="20000"/>
-                </a:schemeClr>
-              </a:solidFill>
-            </a:ln>
-          </p:spPr>
-          <p:style>
-            <a:lnRef idx="1">
-              <a:schemeClr val="accent1"/>
-            </a:lnRef>
-            <a:fillRef idx="0">
-              <a:schemeClr val="accent1"/>
-            </a:fillRef>
-            <a:effectRef idx="0">
-              <a:schemeClr val="accent1"/>
-            </a:effectRef>
-            <a:fontRef idx="minor">
-              <a:schemeClr val="tx1"/>
-            </a:fontRef>
-          </p:style>
-        </p:cxnSp>
-        <p:sp>
-          <p:nvSpPr>
-            <p:cNvPr id="4" name="任意多边形: 形状 3">
-              <a:extLst>
-                <a:ext uri="{FF2B5EF4-FFF2-40B4-BE49-F238E27FC236}">
-                  <a16:creationId xmlns:a16="http://schemas.microsoft.com/office/drawing/2014/main" id="{0EE66681-9243-B206-1444-ECEAE54889BB}"/>
-                </a:ext>
-              </a:extLst>
-            </p:cNvPr>
-            <p:cNvSpPr/>
-            <p:nvPr/>
-          </p:nvSpPr>
-          <p:spPr>
-            <a:xfrm rot="5400000">
-              <a:off x="5902603" y="-1477569"/>
-              <a:ext cx="374094" cy="8902695"/>
-            </a:xfrm>
-            <a:custGeom>
-              <a:avLst/>
-              <a:gdLst>
-                <a:gd name="connsiteX0" fmla="*/ 0 w 2348789"/>
-                <a:gd name="connsiteY0" fmla="*/ 213669 h 8902695"/>
-                <a:gd name="connsiteX1" fmla="*/ 213669 w 2348789"/>
-                <a:gd name="connsiteY1" fmla="*/ 0 h 8902695"/>
-                <a:gd name="connsiteX2" fmla="*/ 2135120 w 2348789"/>
-                <a:gd name="connsiteY2" fmla="*/ 0 h 8902695"/>
-                <a:gd name="connsiteX3" fmla="*/ 2348789 w 2348789"/>
-                <a:gd name="connsiteY3" fmla="*/ 213669 h 8902695"/>
-                <a:gd name="connsiteX4" fmla="*/ 2348789 w 2348789"/>
-                <a:gd name="connsiteY4" fmla="*/ 8689026 h 8902695"/>
-                <a:gd name="connsiteX5" fmla="*/ 2135120 w 2348789"/>
-                <a:gd name="connsiteY5" fmla="*/ 8902695 h 8902695"/>
-                <a:gd name="connsiteX6" fmla="*/ 213669 w 2348789"/>
-                <a:gd name="connsiteY6" fmla="*/ 8902695 h 8902695"/>
-                <a:gd name="connsiteX7" fmla="*/ 0 w 2348789"/>
-                <a:gd name="connsiteY7" fmla="*/ 8689026 h 8902695"/>
-                <a:gd name="connsiteX8" fmla="*/ 0 w 2348789"/>
-                <a:gd name="connsiteY8" fmla="*/ 213669 h 8902695"/>
-                <a:gd name="connsiteX0" fmla="*/ 2348789 w 2440229"/>
-                <a:gd name="connsiteY0" fmla="*/ 213669 h 8902695"/>
-                <a:gd name="connsiteX1" fmla="*/ 2348789 w 2440229"/>
-                <a:gd name="connsiteY1" fmla="*/ 8689026 h 8902695"/>
-                <a:gd name="connsiteX2" fmla="*/ 2135120 w 2440229"/>
-                <a:gd name="connsiteY2" fmla="*/ 8902695 h 8902695"/>
-                <a:gd name="connsiteX3" fmla="*/ 213669 w 2440229"/>
-                <a:gd name="connsiteY3" fmla="*/ 8902695 h 8902695"/>
-                <a:gd name="connsiteX4" fmla="*/ 0 w 2440229"/>
-                <a:gd name="connsiteY4" fmla="*/ 8689026 h 8902695"/>
-                <a:gd name="connsiteX5" fmla="*/ 0 w 2440229"/>
-                <a:gd name="connsiteY5" fmla="*/ 213669 h 8902695"/>
-                <a:gd name="connsiteX6" fmla="*/ 213669 w 2440229"/>
-                <a:gd name="connsiteY6" fmla="*/ 0 h 8902695"/>
-                <a:gd name="connsiteX7" fmla="*/ 2135120 w 2440229"/>
-                <a:gd name="connsiteY7" fmla="*/ 0 h 8902695"/>
-                <a:gd name="connsiteX8" fmla="*/ 2440229 w 2440229"/>
-                <a:gd name="connsiteY8" fmla="*/ 305109 h 8902695"/>
-                <a:gd name="connsiteX0" fmla="*/ 2348789 w 2440229"/>
-                <a:gd name="connsiteY0" fmla="*/ 8689026 h 8902695"/>
-                <a:gd name="connsiteX1" fmla="*/ 2135120 w 2440229"/>
-                <a:gd name="connsiteY1" fmla="*/ 8902695 h 8902695"/>
-                <a:gd name="connsiteX2" fmla="*/ 213669 w 2440229"/>
-                <a:gd name="connsiteY2" fmla="*/ 8902695 h 8902695"/>
-                <a:gd name="connsiteX3" fmla="*/ 0 w 2440229"/>
-                <a:gd name="connsiteY3" fmla="*/ 8689026 h 8902695"/>
-                <a:gd name="connsiteX4" fmla="*/ 0 w 2440229"/>
-                <a:gd name="connsiteY4" fmla="*/ 213669 h 8902695"/>
-                <a:gd name="connsiteX5" fmla="*/ 213669 w 2440229"/>
-                <a:gd name="connsiteY5" fmla="*/ 0 h 8902695"/>
-                <a:gd name="connsiteX6" fmla="*/ 2135120 w 2440229"/>
-                <a:gd name="connsiteY6" fmla="*/ 0 h 8902695"/>
-                <a:gd name="connsiteX7" fmla="*/ 2440229 w 2440229"/>
-                <a:gd name="connsiteY7" fmla="*/ 305109 h 8902695"/>
-                <a:gd name="connsiteX0" fmla="*/ 2348789 w 2348789"/>
-                <a:gd name="connsiteY0" fmla="*/ 8689026 h 8902695"/>
-                <a:gd name="connsiteX1" fmla="*/ 2135120 w 2348789"/>
-                <a:gd name="connsiteY1" fmla="*/ 8902695 h 8902695"/>
-                <a:gd name="connsiteX2" fmla="*/ 213669 w 2348789"/>
-                <a:gd name="connsiteY2" fmla="*/ 8902695 h 8902695"/>
-                <a:gd name="connsiteX3" fmla="*/ 0 w 2348789"/>
-                <a:gd name="connsiteY3" fmla="*/ 8689026 h 8902695"/>
-                <a:gd name="connsiteX4" fmla="*/ 0 w 2348789"/>
-                <a:gd name="connsiteY4" fmla="*/ 213669 h 8902695"/>
-                <a:gd name="connsiteX5" fmla="*/ 213669 w 2348789"/>
-                <a:gd name="connsiteY5" fmla="*/ 0 h 8902695"/>
-                <a:gd name="connsiteX6" fmla="*/ 2135120 w 2348789"/>
-                <a:gd name="connsiteY6" fmla="*/ 0 h 8902695"/>
-                <a:gd name="connsiteX0" fmla="*/ 2135120 w 2135120"/>
-                <a:gd name="connsiteY0" fmla="*/ 8902695 h 8902695"/>
-                <a:gd name="connsiteX1" fmla="*/ 213669 w 2135120"/>
-                <a:gd name="connsiteY1" fmla="*/ 8902695 h 8902695"/>
-                <a:gd name="connsiteX2" fmla="*/ 0 w 2135120"/>
-                <a:gd name="connsiteY2" fmla="*/ 8689026 h 8902695"/>
-                <a:gd name="connsiteX3" fmla="*/ 0 w 2135120"/>
-                <a:gd name="connsiteY3" fmla="*/ 213669 h 8902695"/>
-                <a:gd name="connsiteX4" fmla="*/ 213669 w 2135120"/>
-                <a:gd name="connsiteY4" fmla="*/ 0 h 8902695"/>
-                <a:gd name="connsiteX5" fmla="*/ 2135120 w 2135120"/>
-                <a:gd name="connsiteY5" fmla="*/ 0 h 8902695"/>
-                <a:gd name="connsiteX0" fmla="*/ 2135120 w 2135120"/>
-                <a:gd name="connsiteY0" fmla="*/ 8902695 h 8902695"/>
-                <a:gd name="connsiteX1" fmla="*/ 736848 w 2135120"/>
-                <a:gd name="connsiteY1" fmla="*/ 8902695 h 8902695"/>
-                <a:gd name="connsiteX2" fmla="*/ 213669 w 2135120"/>
-                <a:gd name="connsiteY2" fmla="*/ 8902695 h 8902695"/>
-                <a:gd name="connsiteX3" fmla="*/ 0 w 2135120"/>
-                <a:gd name="connsiteY3" fmla="*/ 8689026 h 8902695"/>
-                <a:gd name="connsiteX4" fmla="*/ 0 w 2135120"/>
-                <a:gd name="connsiteY4" fmla="*/ 213669 h 8902695"/>
-                <a:gd name="connsiteX5" fmla="*/ 213669 w 2135120"/>
-                <a:gd name="connsiteY5" fmla="*/ 0 h 8902695"/>
-                <a:gd name="connsiteX6" fmla="*/ 2135120 w 2135120"/>
-                <a:gd name="connsiteY6" fmla="*/ 0 h 8902695"/>
-                <a:gd name="connsiteX0" fmla="*/ 2135120 w 2135120"/>
-                <a:gd name="connsiteY0" fmla="*/ 8902695 h 8902695"/>
-                <a:gd name="connsiteX1" fmla="*/ 736848 w 2135120"/>
-                <a:gd name="connsiteY1" fmla="*/ 8902695 h 8902695"/>
-                <a:gd name="connsiteX2" fmla="*/ 213669 w 2135120"/>
-                <a:gd name="connsiteY2" fmla="*/ 8902695 h 8902695"/>
-                <a:gd name="connsiteX3" fmla="*/ 0 w 2135120"/>
-                <a:gd name="connsiteY3" fmla="*/ 8689026 h 8902695"/>
-                <a:gd name="connsiteX4" fmla="*/ 0 w 2135120"/>
-                <a:gd name="connsiteY4" fmla="*/ 213669 h 8902695"/>
-                <a:gd name="connsiteX5" fmla="*/ 213669 w 2135120"/>
-                <a:gd name="connsiteY5" fmla="*/ 0 h 8902695"/>
-                <a:gd name="connsiteX6" fmla="*/ 747859 w 2135120"/>
-                <a:gd name="connsiteY6" fmla="*/ 6345 h 8902695"/>
-                <a:gd name="connsiteX7" fmla="*/ 2135120 w 2135120"/>
-                <a:gd name="connsiteY7" fmla="*/ 0 h 8902695"/>
-                <a:gd name="connsiteX0" fmla="*/ 2135120 w 2135120"/>
-                <a:gd name="connsiteY0" fmla="*/ 8902695 h 8902695"/>
-                <a:gd name="connsiteX1" fmla="*/ 736848 w 2135120"/>
-                <a:gd name="connsiteY1" fmla="*/ 8902695 h 8902695"/>
-                <a:gd name="connsiteX2" fmla="*/ 213669 w 2135120"/>
-                <a:gd name="connsiteY2" fmla="*/ 8902695 h 8902695"/>
-                <a:gd name="connsiteX3" fmla="*/ 0 w 2135120"/>
-                <a:gd name="connsiteY3" fmla="*/ 8689026 h 8902695"/>
-                <a:gd name="connsiteX4" fmla="*/ 0 w 2135120"/>
-                <a:gd name="connsiteY4" fmla="*/ 213669 h 8902695"/>
-                <a:gd name="connsiteX5" fmla="*/ 213669 w 2135120"/>
-                <a:gd name="connsiteY5" fmla="*/ 0 h 8902695"/>
-                <a:gd name="connsiteX6" fmla="*/ 747859 w 2135120"/>
-                <a:gd name="connsiteY6" fmla="*/ 6345 h 8902695"/>
-                <a:gd name="connsiteX0" fmla="*/ 736848 w 747859"/>
-                <a:gd name="connsiteY0" fmla="*/ 8902695 h 8902695"/>
-                <a:gd name="connsiteX1" fmla="*/ 213669 w 747859"/>
-                <a:gd name="connsiteY1" fmla="*/ 8902695 h 8902695"/>
-                <a:gd name="connsiteX2" fmla="*/ 0 w 747859"/>
-                <a:gd name="connsiteY2" fmla="*/ 8689026 h 8902695"/>
-                <a:gd name="connsiteX3" fmla="*/ 0 w 747859"/>
-                <a:gd name="connsiteY3" fmla="*/ 213669 h 8902695"/>
-                <a:gd name="connsiteX4" fmla="*/ 213669 w 747859"/>
-                <a:gd name="connsiteY4" fmla="*/ 0 h 8902695"/>
-                <a:gd name="connsiteX5" fmla="*/ 747859 w 747859"/>
-                <a:gd name="connsiteY5" fmla="*/ 6345 h 8902695"/>
-                <a:gd name="connsiteX0" fmla="*/ 736848 w 757502"/>
-                <a:gd name="connsiteY0" fmla="*/ 8902695 h 8902695"/>
-                <a:gd name="connsiteX1" fmla="*/ 213669 w 757502"/>
-                <a:gd name="connsiteY1" fmla="*/ 8902695 h 8902695"/>
-                <a:gd name="connsiteX2" fmla="*/ 0 w 757502"/>
-                <a:gd name="connsiteY2" fmla="*/ 8689026 h 8902695"/>
-                <a:gd name="connsiteX3" fmla="*/ 0 w 757502"/>
-                <a:gd name="connsiteY3" fmla="*/ 213669 h 8902695"/>
-                <a:gd name="connsiteX4" fmla="*/ 213669 w 757502"/>
-                <a:gd name="connsiteY4" fmla="*/ 0 h 8902695"/>
-                <a:gd name="connsiteX5" fmla="*/ 757501 w 757502"/>
-                <a:gd name="connsiteY5" fmla="*/ 1580 h 8902695"/>
-              </a:gdLst>
-              <a:ahLst/>
-              <a:cxnLst>
-                <a:cxn ang="0">
-                  <a:pos x="connsiteX0" y="connsiteY0"/>
-                </a:cxn>
-                <a:cxn ang="0">
-                  <a:pos x="connsiteX1" y="connsiteY1"/>
-                </a:cxn>
-                <a:cxn ang="0">
-                  <a:pos x="connsiteX2" y="connsiteY2"/>
-                </a:cxn>
-                <a:cxn ang="0">
-                  <a:pos x="connsiteX3" y="connsiteY3"/>
-                </a:cxn>
-                <a:cxn ang="0">
-                  <a:pos x="connsiteX4" y="connsiteY4"/>
-                </a:cxn>
-                <a:cxn ang="0">
-                  <a:pos x="connsiteX5" y="connsiteY5"/>
-                </a:cxn>
-              </a:cxnLst>
-              <a:rect l="l" t="t" r="r" b="b"/>
-              <a:pathLst>
-                <a:path w="757502" h="8902695">
-                  <a:moveTo>
-                    <a:pt x="736848" y="8902695"/>
-                  </a:moveTo>
-                  <a:lnTo>
-                    <a:pt x="213669" y="8902695"/>
-                  </a:lnTo>
-                  <a:cubicBezTo>
-                    <a:pt x="95663" y="8902695"/>
-                    <a:pt x="0" y="8807032"/>
-                    <a:pt x="0" y="8689026"/>
-                  </a:cubicBezTo>
-                  <a:lnTo>
-                    <a:pt x="0" y="213669"/>
-                  </a:lnTo>
-                  <a:cubicBezTo>
-                    <a:pt x="0" y="95663"/>
-                    <a:pt x="95663" y="0"/>
-                    <a:pt x="213669" y="0"/>
-                  </a:cubicBezTo>
-                  <a:lnTo>
-                    <a:pt x="757501" y="1580"/>
-                  </a:lnTo>
-                </a:path>
-              </a:pathLst>
-            </a:custGeom>
-            <a:ln>
-              <a:solidFill>
-                <a:schemeClr val="tx1">
-                  <a:alpha val="20000"/>
-                </a:schemeClr>
-              </a:solidFill>
-            </a:ln>
-          </p:spPr>
-          <p:style>
-            <a:lnRef idx="1">
-              <a:schemeClr val="accent1"/>
-            </a:lnRef>
-            <a:fillRef idx="0">
-              <a:schemeClr val="accent1"/>
-            </a:fillRef>
-            <a:effectRef idx="0">
-              <a:schemeClr val="accent1"/>
-            </a:effectRef>
-            <a:fontRef idx="minor">
-              <a:schemeClr val="tx1"/>
-            </a:fontRef>
-          </p:style>
-          <p:txBody>
-            <a:bodyPr rtlCol="0" anchor="ctr"/>
-            <a:lstStyle/>
-            <a:p>
-              <a:pPr algn="ctr"/>
-              <a:endParaRPr lang="zh-CN" altLang="en-US" sz="1350" dirty="0"/>
-            </a:p>
-          </p:txBody>
-        </p:sp>
-        <p:grpSp>
-          <p:nvGrpSpPr>
-            <p:cNvPr id="5" name="组合 4">
-              <a:extLst>
-                <a:ext uri="{FF2B5EF4-FFF2-40B4-BE49-F238E27FC236}">
-                  <a16:creationId xmlns:a16="http://schemas.microsoft.com/office/drawing/2014/main" id="{06704193-1710-49E2-5E86-0EBD19291C80}"/>
-                </a:ext>
-              </a:extLst>
-            </p:cNvPr>
-            <p:cNvGrpSpPr/>
-            <p:nvPr/>
-          </p:nvGrpSpPr>
-          <p:grpSpPr>
-            <a:xfrm>
-              <a:off x="3863976" y="2786021"/>
-              <a:ext cx="4451348" cy="971412"/>
-              <a:chOff x="3863976" y="2786020"/>
-              <a:chExt cx="4451348" cy="1658412"/>
-            </a:xfrm>
-          </p:grpSpPr>
-          <p:cxnSp>
-            <p:nvCxnSpPr>
-              <p:cNvPr id="6" name="直接连接符 5">
-                <a:extLst>
-                  <a:ext uri="{FF2B5EF4-FFF2-40B4-BE49-F238E27FC236}">
-                    <a16:creationId xmlns:a16="http://schemas.microsoft.com/office/drawing/2014/main" id="{FEF5643A-DEF4-1128-33A6-28E030794640}"/>
-                  </a:ext>
-                </a:extLst>
-              </p:cNvPr>
-              <p:cNvCxnSpPr>
-                <a:cxnSpLocks/>
-              </p:cNvCxnSpPr>
-              <p:nvPr/>
-            </p:nvCxnSpPr>
-            <p:spPr>
-              <a:xfrm>
-                <a:off x="3863976" y="2786020"/>
-                <a:ext cx="0" cy="1658412"/>
-              </a:xfrm>
-              <a:prstGeom prst="line">
-                <a:avLst/>
-              </a:prstGeom>
-              <a:ln>
-                <a:solidFill>
-                  <a:schemeClr val="tx1">
-                    <a:alpha val="20000"/>
-                  </a:schemeClr>
-                </a:solidFill>
-              </a:ln>
-            </p:spPr>
-            <p:style>
-              <a:lnRef idx="1">
-                <a:schemeClr val="accent1"/>
-              </a:lnRef>
-              <a:fillRef idx="0">
-                <a:schemeClr val="accent1"/>
-              </a:fillRef>
-              <a:effectRef idx="0">
-                <a:schemeClr val="accent1"/>
-              </a:effectRef>
-              <a:fontRef idx="minor">
-                <a:schemeClr val="tx1"/>
-              </a:fontRef>
-            </p:style>
-          </p:cxnSp>
-          <p:cxnSp>
-            <p:nvCxnSpPr>
-              <p:cNvPr id="7" name="直接连接符 6">
-                <a:extLst>
-                  <a:ext uri="{FF2B5EF4-FFF2-40B4-BE49-F238E27FC236}">
-                    <a16:creationId xmlns:a16="http://schemas.microsoft.com/office/drawing/2014/main" id="{E9D6EA0A-6024-E80F-E278-C4BF42978DC6}"/>
-                  </a:ext>
-                </a:extLst>
-              </p:cNvPr>
-              <p:cNvCxnSpPr>
-                <a:cxnSpLocks/>
-              </p:cNvCxnSpPr>
-              <p:nvPr/>
-            </p:nvCxnSpPr>
-            <p:spPr>
-              <a:xfrm>
-                <a:off x="8315324" y="2786020"/>
-                <a:ext cx="0" cy="1658412"/>
-              </a:xfrm>
-              <a:prstGeom prst="line">
-                <a:avLst/>
-              </a:prstGeom>
-              <a:ln>
-                <a:solidFill>
-                  <a:schemeClr val="tx1">
-                    <a:alpha val="20000"/>
-                  </a:schemeClr>
-                </a:solidFill>
-              </a:ln>
-            </p:spPr>
-            <p:style>
-              <a:lnRef idx="1">
-                <a:schemeClr val="accent1"/>
-              </a:lnRef>
-              <a:fillRef idx="0">
-                <a:schemeClr val="accent1"/>
-              </a:fillRef>
-              <a:effectRef idx="0">
-                <a:schemeClr val="accent1"/>
-              </a:effectRef>
-              <a:fontRef idx="minor">
-                <a:schemeClr val="tx1"/>
-              </a:fontRef>
-            </p:style>
-          </p:cxnSp>
-        </p:grpSp>
-        <p:grpSp>
-          <p:nvGrpSpPr>
-            <p:cNvPr id="11" name="组合 10">
-              <a:extLst>
-                <a:ext uri="{FF2B5EF4-FFF2-40B4-BE49-F238E27FC236}">
-                  <a16:creationId xmlns:a16="http://schemas.microsoft.com/office/drawing/2014/main" id="{01684F58-E6EB-14BF-8A65-2C3DCF8A5C25}"/>
-                </a:ext>
-              </a:extLst>
-            </p:cNvPr>
-            <p:cNvGrpSpPr/>
-            <p:nvPr/>
-          </p:nvGrpSpPr>
-          <p:grpSpPr>
-            <a:xfrm>
-              <a:off x="777586" y="3261390"/>
-              <a:ext cx="1721432" cy="827245"/>
-              <a:chOff x="777586" y="3236888"/>
-              <a:chExt cx="1721432" cy="827245"/>
-            </a:xfrm>
-          </p:grpSpPr>
-          <p:sp>
-            <p:nvSpPr>
-              <p:cNvPr id="12" name="文本框 11">
-                <a:extLst>
-                  <a:ext uri="{FF2B5EF4-FFF2-40B4-BE49-F238E27FC236}">
-                    <a16:creationId xmlns:a16="http://schemas.microsoft.com/office/drawing/2014/main" id="{38DF93F4-2020-A86C-2CBF-0DE8398B1640}"/>
-                  </a:ext>
-                </a:extLst>
-              </p:cNvPr>
-              <p:cNvSpPr txBox="1"/>
-              <p:nvPr/>
-            </p:nvSpPr>
-            <p:spPr>
-              <a:xfrm>
-                <a:off x="777586" y="3533988"/>
-                <a:ext cx="1721432" cy="530145"/>
-              </a:xfrm>
-              <a:prstGeom prst="rect">
-                <a:avLst/>
-              </a:prstGeom>
-              <a:noFill/>
-              <a:ln w="38100">
-                <a:noFill/>
-                <a:round/>
-                <a:headEnd/>
-                <a:tailEnd/>
-              </a:ln>
-              <a:effectLst/>
-            </p:spPr>
-            <p:style>
-              <a:lnRef idx="2">
-                <a:schemeClr val="accent1">
-                  <a:shade val="50000"/>
-                </a:schemeClr>
-              </a:lnRef>
-              <a:fillRef idx="1">
-                <a:schemeClr val="accent1"/>
-              </a:fillRef>
-              <a:effectRef idx="0">
-                <a:schemeClr val="accent1"/>
-              </a:effectRef>
-              <a:fontRef idx="minor">
-                <a:schemeClr val="lt1"/>
-              </a:fontRef>
-            </p:style>
-            <p:txBody>
-              <a:bodyPr rot="0" spcFirstLastPara="0" vert="horz" wrap="square" lIns="68580" tIns="34290" rIns="68580" bIns="34290" numCol="1" spcCol="0" rtlCol="0" fromWordArt="0" anchor="t" anchorCtr="0" forceAA="0" compatLnSpc="1">
-                <a:prstTxWarp prst="textNoShape">
-                  <a:avLst/>
-                </a:prstTxWarp>
-                <a:spAutoFit/>
-              </a:bodyPr>
-              <a:lstStyle>
-                <a:defPPr>
-                  <a:defRPr lang="zh-CN"/>
-                </a:defPPr>
-                <a:lvl1pPr algn="ctr"/>
-                <a:lvl2pPr>
-                  <a:defRPr>
-                    <a:solidFill>
-                      <a:schemeClr val="lt1"/>
-                    </a:solidFill>
-                  </a:defRPr>
-                </a:lvl2pPr>
-                <a:lvl3pPr>
-                  <a:defRPr>
-                    <a:solidFill>
-                      <a:schemeClr val="lt1"/>
-                    </a:solidFill>
-                  </a:defRPr>
-                </a:lvl3pPr>
-                <a:lvl4pPr>
-                  <a:defRPr>
-                    <a:solidFill>
-                      <a:schemeClr val="lt1"/>
-                    </a:solidFill>
-                  </a:defRPr>
-                </a:lvl4pPr>
-                <a:lvl5pPr>
-                  <a:defRPr>
-                    <a:solidFill>
-                      <a:schemeClr val="lt1"/>
-                    </a:solidFill>
-                  </a:defRPr>
-                </a:lvl5pPr>
-                <a:lvl6pPr>
-                  <a:defRPr>
-                    <a:solidFill>
-                      <a:schemeClr val="lt1"/>
-                    </a:solidFill>
-                  </a:defRPr>
-                </a:lvl6pPr>
-                <a:lvl7pPr>
-                  <a:defRPr>
-                    <a:solidFill>
-                      <a:schemeClr val="lt1"/>
-                    </a:solidFill>
-                  </a:defRPr>
-                </a:lvl7pPr>
-                <a:lvl8pPr>
-                  <a:defRPr>
-                    <a:solidFill>
-                      <a:schemeClr val="lt1"/>
-                    </a:solidFill>
-                  </a:defRPr>
-                </a:lvl8pPr>
-                <a:lvl9pPr>
-                  <a:defRPr>
-                    <a:solidFill>
-                      <a:schemeClr val="lt1"/>
-                    </a:solidFill>
-                  </a:defRPr>
-                </a:lvl9pPr>
-              </a:lstStyle>
-              <a:p>
-                <a:pPr defTabSz="685324">
-                  <a:lnSpc>
-                    <a:spcPct val="150000"/>
-                  </a:lnSpc>
-                  <a:buSzPct val="30000"/>
-                  <a:defRPr/>
-                </a:pPr>
-                <a:r>
-                  <a:rPr lang="en-US" altLang="zh-CN" sz="750" dirty="0">
-                    <a:solidFill>
-                      <a:schemeClr val="tx1"/>
-                    </a:solidFill>
-                    <a:latin typeface="Calibri" panose="020F0502020204030204" pitchFamily="34" charset="0"/>
-                    <a:ea typeface="微软雅黑" panose="020B0503020204020204" pitchFamily="34" charset="-122"/>
-                  </a:rPr>
-                  <a:t>Theme  color makes PPT more convenient to change.</a:t>
-                </a:r>
-              </a:p>
-            </p:txBody>
-          </p:sp>
-          <p:sp>
-            <p:nvSpPr>
-              <p:cNvPr id="13" name="文本框 12">
-                <a:extLst>
-                  <a:ext uri="{FF2B5EF4-FFF2-40B4-BE49-F238E27FC236}">
-                    <a16:creationId xmlns:a16="http://schemas.microsoft.com/office/drawing/2014/main" id="{83E9AB73-581A-FD94-E578-36D60E0D6AB2}"/>
-                  </a:ext>
-                </a:extLst>
-              </p:cNvPr>
-              <p:cNvSpPr txBox="1"/>
-              <p:nvPr/>
-            </p:nvSpPr>
-            <p:spPr>
-              <a:xfrm>
-                <a:off x="777586" y="3236888"/>
-                <a:ext cx="1721432" cy="369332"/>
-              </a:xfrm>
-              <a:prstGeom prst="rect">
-                <a:avLst/>
-              </a:prstGeom>
-              <a:noFill/>
-              <a:ln w="38100">
-                <a:noFill/>
-                <a:round/>
-                <a:headEnd/>
-                <a:tailEnd/>
-              </a:ln>
-              <a:effectLst/>
-            </p:spPr>
-            <p:style>
-              <a:lnRef idx="2">
-                <a:schemeClr val="accent1">
-                  <a:shade val="50000"/>
-                </a:schemeClr>
-              </a:lnRef>
-              <a:fillRef idx="1">
-                <a:schemeClr val="accent1"/>
-              </a:fillRef>
-              <a:effectRef idx="0">
-                <a:schemeClr val="accent1"/>
-              </a:effectRef>
-              <a:fontRef idx="minor">
-                <a:schemeClr val="lt1"/>
-              </a:fontRef>
-            </p:style>
-            <p:txBody>
-              <a:bodyPr rot="0" spcFirstLastPara="0" vert="horz" wrap="square" lIns="68580" tIns="34290" rIns="68580" bIns="34290" numCol="1" spcCol="0" rtlCol="0" fromWordArt="0" anchor="t" anchorCtr="0" forceAA="0" compatLnSpc="1">
-                <a:prstTxWarp prst="textNoShape">
-                  <a:avLst/>
-                </a:prstTxWarp>
-                <a:spAutoFit/>
-              </a:bodyPr>
-              <a:lstStyle>
-                <a:defPPr>
-                  <a:defRPr lang="zh-CN"/>
-                </a:defPPr>
-                <a:lvl1pPr algn="ctr"/>
-                <a:lvl2pPr>
-                  <a:defRPr>
-                    <a:solidFill>
-                      <a:schemeClr val="lt1"/>
-                    </a:solidFill>
-                  </a:defRPr>
-                </a:lvl2pPr>
-                <a:lvl3pPr>
-                  <a:defRPr>
-                    <a:solidFill>
-                      <a:schemeClr val="lt1"/>
-                    </a:solidFill>
-                  </a:defRPr>
-                </a:lvl3pPr>
-                <a:lvl4pPr>
-                  <a:defRPr>
-                    <a:solidFill>
-                      <a:schemeClr val="lt1"/>
-                    </a:solidFill>
-                  </a:defRPr>
-                </a:lvl4pPr>
-                <a:lvl5pPr>
-                  <a:defRPr>
-                    <a:solidFill>
-                      <a:schemeClr val="lt1"/>
-                    </a:solidFill>
-                  </a:defRPr>
-                </a:lvl5pPr>
-                <a:lvl6pPr>
-                  <a:defRPr>
-                    <a:solidFill>
-                      <a:schemeClr val="lt1"/>
-                    </a:solidFill>
-                  </a:defRPr>
-                </a:lvl6pPr>
-                <a:lvl7pPr>
-                  <a:defRPr>
-                    <a:solidFill>
-                      <a:schemeClr val="lt1"/>
-                    </a:solidFill>
-                  </a:defRPr>
-                </a:lvl7pPr>
-                <a:lvl8pPr>
-                  <a:defRPr>
-                    <a:solidFill>
-                      <a:schemeClr val="lt1"/>
-                    </a:solidFill>
-                  </a:defRPr>
-                </a:lvl8pPr>
-                <a:lvl9pPr>
-                  <a:defRPr>
-                    <a:solidFill>
-                      <a:schemeClr val="lt1"/>
-                    </a:solidFill>
-                  </a:defRPr>
-                </a:lvl9pPr>
-              </a:lstStyle>
-              <a:p>
-                <a:pPr defTabSz="685324">
-                  <a:buSzPct val="25000"/>
-                  <a:defRPr/>
-                </a:pPr>
-                <a:r>
-                  <a:rPr lang="en-US" altLang="zh-CN" sz="1350" b="1" dirty="0">
-                    <a:solidFill>
-                      <a:schemeClr val="tx1"/>
-                    </a:solidFill>
-                    <a:latin typeface="Calibri" panose="020F0502020204030204" pitchFamily="34" charset="0"/>
-                    <a:ea typeface="微软雅黑" panose="020B0503020204020204" pitchFamily="34" charset="-122"/>
-                  </a:rPr>
-                  <a:t>Text here</a:t>
-                </a:r>
-              </a:p>
-            </p:txBody>
-          </p:sp>
-        </p:grpSp>
-        <p:cxnSp>
-          <p:nvCxnSpPr>
-            <p:cNvPr id="14" name="直接连接符 13">
-              <a:extLst>
-                <a:ext uri="{FF2B5EF4-FFF2-40B4-BE49-F238E27FC236}">
-                  <a16:creationId xmlns:a16="http://schemas.microsoft.com/office/drawing/2014/main" id="{C769AC0C-60F7-77B5-5FC4-5C4FE80A5DC5}"/>
-                </a:ext>
-              </a:extLst>
-            </p:cNvPr>
-            <p:cNvCxnSpPr>
-              <a:cxnSpLocks/>
-            </p:cNvCxnSpPr>
-            <p:nvPr/>
-          </p:nvCxnSpPr>
-          <p:spPr>
-            <a:xfrm>
-              <a:off x="6088854" y="2786020"/>
-              <a:ext cx="0" cy="373162"/>
-            </a:xfrm>
-            <a:prstGeom prst="line">
-              <a:avLst/>
-            </a:prstGeom>
-            <a:ln>
-              <a:solidFill>
-                <a:schemeClr val="tx1">
-                  <a:alpha val="20000"/>
-                </a:schemeClr>
-              </a:solidFill>
-            </a:ln>
-          </p:spPr>
-          <p:style>
-            <a:lnRef idx="1">
-              <a:schemeClr val="accent1"/>
-            </a:lnRef>
-            <a:fillRef idx="0">
-              <a:schemeClr val="accent1"/>
-            </a:fillRef>
-            <a:effectRef idx="0">
-              <a:schemeClr val="accent1"/>
-            </a:effectRef>
-            <a:fontRef idx="minor">
-              <a:schemeClr val="tx1"/>
-            </a:fontRef>
-          </p:style>
-        </p:cxnSp>
-        <p:grpSp>
-          <p:nvGrpSpPr>
-            <p:cNvPr id="15" name="组合 14">
-              <a:extLst>
-                <a:ext uri="{FF2B5EF4-FFF2-40B4-BE49-F238E27FC236}">
-                  <a16:creationId xmlns:a16="http://schemas.microsoft.com/office/drawing/2014/main" id="{59830BB0-7434-C621-482A-14ABEB3520DC}"/>
-                </a:ext>
-              </a:extLst>
-            </p:cNvPr>
-            <p:cNvGrpSpPr/>
-            <p:nvPr/>
-          </p:nvGrpSpPr>
-          <p:grpSpPr>
-            <a:xfrm>
-              <a:off x="3003260" y="3770288"/>
-              <a:ext cx="1721432" cy="827245"/>
-              <a:chOff x="777586" y="3236888"/>
-              <a:chExt cx="1721432" cy="827245"/>
-            </a:xfrm>
-          </p:grpSpPr>
-          <p:sp>
-            <p:nvSpPr>
-              <p:cNvPr id="16" name="文本框 15">
-                <a:extLst>
-                  <a:ext uri="{FF2B5EF4-FFF2-40B4-BE49-F238E27FC236}">
-                    <a16:creationId xmlns:a16="http://schemas.microsoft.com/office/drawing/2014/main" id="{63D5D248-1838-6518-AB4A-FE154E8F4204}"/>
-                  </a:ext>
-                </a:extLst>
-              </p:cNvPr>
-              <p:cNvSpPr txBox="1"/>
-              <p:nvPr/>
-            </p:nvSpPr>
-            <p:spPr>
-              <a:xfrm>
-                <a:off x="777586" y="3533988"/>
-                <a:ext cx="1721432" cy="530145"/>
-              </a:xfrm>
-              <a:prstGeom prst="rect">
-                <a:avLst/>
-              </a:prstGeom>
-              <a:noFill/>
-              <a:ln w="38100">
-                <a:noFill/>
-                <a:round/>
-                <a:headEnd/>
-                <a:tailEnd/>
-              </a:ln>
-              <a:effectLst/>
-            </p:spPr>
-            <p:style>
-              <a:lnRef idx="2">
-                <a:schemeClr val="accent1">
-                  <a:shade val="50000"/>
-                </a:schemeClr>
-              </a:lnRef>
-              <a:fillRef idx="1">
-                <a:schemeClr val="accent1"/>
-              </a:fillRef>
-              <a:effectRef idx="0">
-                <a:schemeClr val="accent1"/>
-              </a:effectRef>
-              <a:fontRef idx="minor">
-                <a:schemeClr val="lt1"/>
-              </a:fontRef>
-            </p:style>
-            <p:txBody>
-              <a:bodyPr rot="0" spcFirstLastPara="0" vert="horz" wrap="square" lIns="68580" tIns="34290" rIns="68580" bIns="34290" numCol="1" spcCol="0" rtlCol="0" fromWordArt="0" anchor="t" anchorCtr="0" forceAA="0" compatLnSpc="1">
-                <a:prstTxWarp prst="textNoShape">
-                  <a:avLst/>
-                </a:prstTxWarp>
-                <a:spAutoFit/>
-              </a:bodyPr>
-              <a:lstStyle>
-                <a:defPPr>
-                  <a:defRPr lang="zh-CN"/>
-                </a:defPPr>
-                <a:lvl1pPr algn="ctr"/>
-                <a:lvl2pPr>
-                  <a:defRPr>
-                    <a:solidFill>
-                      <a:schemeClr val="lt1"/>
-                    </a:solidFill>
-                  </a:defRPr>
-                </a:lvl2pPr>
-                <a:lvl3pPr>
-                  <a:defRPr>
-                    <a:solidFill>
-                      <a:schemeClr val="lt1"/>
-                    </a:solidFill>
-                  </a:defRPr>
-                </a:lvl3pPr>
-                <a:lvl4pPr>
-                  <a:defRPr>
-                    <a:solidFill>
-                      <a:schemeClr val="lt1"/>
-                    </a:solidFill>
-                  </a:defRPr>
-                </a:lvl4pPr>
-                <a:lvl5pPr>
-                  <a:defRPr>
-                    <a:solidFill>
-                      <a:schemeClr val="lt1"/>
-                    </a:solidFill>
-                  </a:defRPr>
-                </a:lvl5pPr>
-                <a:lvl6pPr>
-                  <a:defRPr>
-                    <a:solidFill>
-                      <a:schemeClr val="lt1"/>
-                    </a:solidFill>
-                  </a:defRPr>
-                </a:lvl6pPr>
-                <a:lvl7pPr>
-                  <a:defRPr>
-                    <a:solidFill>
-                      <a:schemeClr val="lt1"/>
-                    </a:solidFill>
-                  </a:defRPr>
-                </a:lvl7pPr>
-                <a:lvl8pPr>
-                  <a:defRPr>
-                    <a:solidFill>
-                      <a:schemeClr val="lt1"/>
-                    </a:solidFill>
-                  </a:defRPr>
-                </a:lvl8pPr>
-                <a:lvl9pPr>
-                  <a:defRPr>
-                    <a:solidFill>
-                      <a:schemeClr val="lt1"/>
-                    </a:solidFill>
-                  </a:defRPr>
-                </a:lvl9pPr>
-              </a:lstStyle>
-              <a:p>
-                <a:pPr defTabSz="685324">
-                  <a:lnSpc>
-                    <a:spcPct val="150000"/>
-                  </a:lnSpc>
-                  <a:buSzPct val="30000"/>
-                  <a:defRPr/>
-                </a:pPr>
-                <a:r>
-                  <a:rPr lang="en-US" altLang="zh-CN" sz="750" dirty="0">
-                    <a:solidFill>
-                      <a:schemeClr val="tx1"/>
-                    </a:solidFill>
-                    <a:latin typeface="Calibri" panose="020F0502020204030204" pitchFamily="34" charset="0"/>
-                    <a:ea typeface="微软雅黑" panose="020B0503020204020204" pitchFamily="34" charset="-122"/>
-                  </a:rPr>
-                  <a:t>Theme  color makes PPT more convenient to change.</a:t>
-                </a:r>
-              </a:p>
-            </p:txBody>
-          </p:sp>
-          <p:sp>
-            <p:nvSpPr>
-              <p:cNvPr id="17" name="文本框 16">
-                <a:extLst>
-                  <a:ext uri="{FF2B5EF4-FFF2-40B4-BE49-F238E27FC236}">
-                    <a16:creationId xmlns:a16="http://schemas.microsoft.com/office/drawing/2014/main" id="{8FC9E362-2AF2-2AA8-E706-E70458306A92}"/>
-                  </a:ext>
-                </a:extLst>
-              </p:cNvPr>
-              <p:cNvSpPr txBox="1"/>
-              <p:nvPr/>
-            </p:nvSpPr>
-            <p:spPr>
-              <a:xfrm>
-                <a:off x="777586" y="3236888"/>
-                <a:ext cx="1721432" cy="369332"/>
-              </a:xfrm>
-              <a:prstGeom prst="rect">
-                <a:avLst/>
-              </a:prstGeom>
-              <a:noFill/>
-              <a:ln w="38100">
-                <a:noFill/>
-                <a:round/>
-                <a:headEnd/>
-                <a:tailEnd/>
-              </a:ln>
-              <a:effectLst/>
-            </p:spPr>
-            <p:style>
-              <a:lnRef idx="2">
-                <a:schemeClr val="accent1">
-                  <a:shade val="50000"/>
-                </a:schemeClr>
-              </a:lnRef>
-              <a:fillRef idx="1">
-                <a:schemeClr val="accent1"/>
-              </a:fillRef>
-              <a:effectRef idx="0">
-                <a:schemeClr val="accent1"/>
-              </a:effectRef>
-              <a:fontRef idx="minor">
-                <a:schemeClr val="lt1"/>
-              </a:fontRef>
-            </p:style>
-            <p:txBody>
-              <a:bodyPr rot="0" spcFirstLastPara="0" vert="horz" wrap="square" lIns="68580" tIns="34290" rIns="68580" bIns="34290" numCol="1" spcCol="0" rtlCol="0" fromWordArt="0" anchor="t" anchorCtr="0" forceAA="0" compatLnSpc="1">
-                <a:prstTxWarp prst="textNoShape">
-                  <a:avLst/>
-                </a:prstTxWarp>
-                <a:spAutoFit/>
-              </a:bodyPr>
-              <a:lstStyle>
-                <a:defPPr>
-                  <a:defRPr lang="zh-CN"/>
-                </a:defPPr>
-                <a:lvl1pPr algn="ctr"/>
-                <a:lvl2pPr>
-                  <a:defRPr>
-                    <a:solidFill>
-                      <a:schemeClr val="lt1"/>
-                    </a:solidFill>
-                  </a:defRPr>
-                </a:lvl2pPr>
-                <a:lvl3pPr>
-                  <a:defRPr>
-                    <a:solidFill>
-                      <a:schemeClr val="lt1"/>
-                    </a:solidFill>
-                  </a:defRPr>
-                </a:lvl3pPr>
-                <a:lvl4pPr>
-                  <a:defRPr>
-                    <a:solidFill>
-                      <a:schemeClr val="lt1"/>
-                    </a:solidFill>
-                  </a:defRPr>
-                </a:lvl4pPr>
-                <a:lvl5pPr>
-                  <a:defRPr>
-                    <a:solidFill>
-                      <a:schemeClr val="lt1"/>
-                    </a:solidFill>
-                  </a:defRPr>
-                </a:lvl5pPr>
-                <a:lvl6pPr>
-                  <a:defRPr>
-                    <a:solidFill>
-                      <a:schemeClr val="lt1"/>
-                    </a:solidFill>
-                  </a:defRPr>
-                </a:lvl6pPr>
-                <a:lvl7pPr>
-                  <a:defRPr>
-                    <a:solidFill>
-                      <a:schemeClr val="lt1"/>
-                    </a:solidFill>
-                  </a:defRPr>
-                </a:lvl7pPr>
-                <a:lvl8pPr>
-                  <a:defRPr>
-                    <a:solidFill>
-                      <a:schemeClr val="lt1"/>
-                    </a:solidFill>
-                  </a:defRPr>
-                </a:lvl8pPr>
-                <a:lvl9pPr>
-                  <a:defRPr>
-                    <a:solidFill>
-                      <a:schemeClr val="lt1"/>
-                    </a:solidFill>
-                  </a:defRPr>
-                </a:lvl9pPr>
-              </a:lstStyle>
-              <a:p>
-                <a:pPr defTabSz="685324">
-                  <a:buSzPct val="25000"/>
-                  <a:defRPr/>
-                </a:pPr>
-                <a:r>
-                  <a:rPr lang="en-US" altLang="zh-CN" sz="1350" b="1" dirty="0">
-                    <a:solidFill>
-                      <a:schemeClr val="tx1"/>
-                    </a:solidFill>
-                    <a:latin typeface="Calibri" panose="020F0502020204030204" pitchFamily="34" charset="0"/>
-                    <a:ea typeface="微软雅黑" panose="020B0503020204020204" pitchFamily="34" charset="-122"/>
-                  </a:rPr>
-                  <a:t>Text here</a:t>
-                </a:r>
-              </a:p>
-            </p:txBody>
-          </p:sp>
-        </p:grpSp>
-        <p:grpSp>
-          <p:nvGrpSpPr>
-            <p:cNvPr id="18" name="组合 17">
-              <a:extLst>
-                <a:ext uri="{FF2B5EF4-FFF2-40B4-BE49-F238E27FC236}">
-                  <a16:creationId xmlns:a16="http://schemas.microsoft.com/office/drawing/2014/main" id="{FD3319EF-0017-57BB-305E-E7917FAC86AC}"/>
-                </a:ext>
-              </a:extLst>
-            </p:cNvPr>
-            <p:cNvGrpSpPr/>
-            <p:nvPr/>
-          </p:nvGrpSpPr>
-          <p:grpSpPr>
-            <a:xfrm>
-              <a:off x="5228934" y="3261390"/>
-              <a:ext cx="1721432" cy="827245"/>
-              <a:chOff x="777586" y="3236888"/>
-              <a:chExt cx="1721432" cy="827245"/>
-            </a:xfrm>
-          </p:grpSpPr>
-          <p:sp>
-            <p:nvSpPr>
-              <p:cNvPr id="19" name="文本框 18">
-                <a:extLst>
-                  <a:ext uri="{FF2B5EF4-FFF2-40B4-BE49-F238E27FC236}">
-                    <a16:creationId xmlns:a16="http://schemas.microsoft.com/office/drawing/2014/main" id="{2A4EB3E5-1916-9981-7AE8-43D874D37679}"/>
-                  </a:ext>
-                </a:extLst>
-              </p:cNvPr>
-              <p:cNvSpPr txBox="1"/>
-              <p:nvPr/>
-            </p:nvSpPr>
-            <p:spPr>
-              <a:xfrm>
-                <a:off x="777586" y="3533988"/>
-                <a:ext cx="1721432" cy="530145"/>
-              </a:xfrm>
-              <a:prstGeom prst="rect">
-                <a:avLst/>
-              </a:prstGeom>
-              <a:noFill/>
-              <a:ln w="38100">
-                <a:noFill/>
-                <a:round/>
-                <a:headEnd/>
-                <a:tailEnd/>
-              </a:ln>
-              <a:effectLst/>
-            </p:spPr>
-            <p:style>
-              <a:lnRef idx="2">
-                <a:schemeClr val="accent1">
-                  <a:shade val="50000"/>
-                </a:schemeClr>
-              </a:lnRef>
-              <a:fillRef idx="1">
-                <a:schemeClr val="accent1"/>
-              </a:fillRef>
-              <a:effectRef idx="0">
-                <a:schemeClr val="accent1"/>
-              </a:effectRef>
-              <a:fontRef idx="minor">
-                <a:schemeClr val="lt1"/>
-              </a:fontRef>
-            </p:style>
-            <p:txBody>
-              <a:bodyPr rot="0" spcFirstLastPara="0" vert="horz" wrap="square" lIns="68580" tIns="34290" rIns="68580" bIns="34290" numCol="1" spcCol="0" rtlCol="0" fromWordArt="0" anchor="t" anchorCtr="0" forceAA="0" compatLnSpc="1">
-                <a:prstTxWarp prst="textNoShape">
-                  <a:avLst/>
-                </a:prstTxWarp>
-                <a:spAutoFit/>
-              </a:bodyPr>
-              <a:lstStyle>
-                <a:defPPr>
-                  <a:defRPr lang="zh-CN"/>
-                </a:defPPr>
-                <a:lvl1pPr algn="ctr"/>
-                <a:lvl2pPr>
-                  <a:defRPr>
-                    <a:solidFill>
-                      <a:schemeClr val="lt1"/>
-                    </a:solidFill>
-                  </a:defRPr>
-                </a:lvl2pPr>
-                <a:lvl3pPr>
-                  <a:defRPr>
-                    <a:solidFill>
-                      <a:schemeClr val="lt1"/>
-                    </a:solidFill>
-                  </a:defRPr>
-                </a:lvl3pPr>
-                <a:lvl4pPr>
-                  <a:defRPr>
-                    <a:solidFill>
-                      <a:schemeClr val="lt1"/>
-                    </a:solidFill>
-                  </a:defRPr>
-                </a:lvl4pPr>
-                <a:lvl5pPr>
-                  <a:defRPr>
-                    <a:solidFill>
-                      <a:schemeClr val="lt1"/>
-                    </a:solidFill>
-                  </a:defRPr>
-                </a:lvl5pPr>
-                <a:lvl6pPr>
-                  <a:defRPr>
-                    <a:solidFill>
-                      <a:schemeClr val="lt1"/>
-                    </a:solidFill>
-                  </a:defRPr>
-                </a:lvl6pPr>
-                <a:lvl7pPr>
-                  <a:defRPr>
-                    <a:solidFill>
-                      <a:schemeClr val="lt1"/>
-                    </a:solidFill>
-                  </a:defRPr>
-                </a:lvl7pPr>
-                <a:lvl8pPr>
-                  <a:defRPr>
-                    <a:solidFill>
-                      <a:schemeClr val="lt1"/>
-                    </a:solidFill>
-                  </a:defRPr>
-                </a:lvl8pPr>
-                <a:lvl9pPr>
-                  <a:defRPr>
-                    <a:solidFill>
-                      <a:schemeClr val="lt1"/>
-                    </a:solidFill>
-                  </a:defRPr>
-                </a:lvl9pPr>
-              </a:lstStyle>
-              <a:p>
-                <a:pPr defTabSz="685324">
-                  <a:lnSpc>
-                    <a:spcPct val="150000"/>
-                  </a:lnSpc>
-                  <a:buSzPct val="30000"/>
-                  <a:defRPr/>
-                </a:pPr>
-                <a:r>
-                  <a:rPr lang="en-US" altLang="zh-CN" sz="750" dirty="0">
-                    <a:solidFill>
-                      <a:schemeClr val="tx1"/>
-                    </a:solidFill>
-                    <a:latin typeface="Calibri" panose="020F0502020204030204" pitchFamily="34" charset="0"/>
-                    <a:ea typeface="微软雅黑" panose="020B0503020204020204" pitchFamily="34" charset="-122"/>
-                  </a:rPr>
-                  <a:t>Theme  color makes PPT more convenient to change.</a:t>
-                </a:r>
-              </a:p>
-            </p:txBody>
-          </p:sp>
-          <p:sp>
-            <p:nvSpPr>
-              <p:cNvPr id="20" name="文本框 19">
-                <a:extLst>
-                  <a:ext uri="{FF2B5EF4-FFF2-40B4-BE49-F238E27FC236}">
-                    <a16:creationId xmlns:a16="http://schemas.microsoft.com/office/drawing/2014/main" id="{CCDC6D78-6B4F-0F24-3D02-5480DEF36D1B}"/>
-                  </a:ext>
-                </a:extLst>
-              </p:cNvPr>
-              <p:cNvSpPr txBox="1"/>
-              <p:nvPr/>
-            </p:nvSpPr>
-            <p:spPr>
-              <a:xfrm>
-                <a:off x="777586" y="3236888"/>
-                <a:ext cx="1721432" cy="369332"/>
-              </a:xfrm>
-              <a:prstGeom prst="rect">
-                <a:avLst/>
-              </a:prstGeom>
-              <a:noFill/>
-              <a:ln w="38100">
-                <a:noFill/>
-                <a:round/>
-                <a:headEnd/>
-                <a:tailEnd/>
-              </a:ln>
-              <a:effectLst/>
-            </p:spPr>
-            <p:style>
-              <a:lnRef idx="2">
-                <a:schemeClr val="accent1">
-                  <a:shade val="50000"/>
-                </a:schemeClr>
-              </a:lnRef>
-              <a:fillRef idx="1">
-                <a:schemeClr val="accent1"/>
-              </a:fillRef>
-              <a:effectRef idx="0">
-                <a:schemeClr val="accent1"/>
-              </a:effectRef>
-              <a:fontRef idx="minor">
-                <a:schemeClr val="lt1"/>
-              </a:fontRef>
-            </p:style>
-            <p:txBody>
-              <a:bodyPr rot="0" spcFirstLastPara="0" vert="horz" wrap="square" lIns="68580" tIns="34290" rIns="68580" bIns="34290" numCol="1" spcCol="0" rtlCol="0" fromWordArt="0" anchor="t" anchorCtr="0" forceAA="0" compatLnSpc="1">
-                <a:prstTxWarp prst="textNoShape">
-                  <a:avLst/>
-                </a:prstTxWarp>
-                <a:spAutoFit/>
-              </a:bodyPr>
-              <a:lstStyle>
-                <a:defPPr>
-                  <a:defRPr lang="zh-CN"/>
-                </a:defPPr>
-                <a:lvl1pPr algn="ctr"/>
-                <a:lvl2pPr>
-                  <a:defRPr>
-                    <a:solidFill>
-                      <a:schemeClr val="lt1"/>
-                    </a:solidFill>
-                  </a:defRPr>
-                </a:lvl2pPr>
-                <a:lvl3pPr>
-                  <a:defRPr>
-                    <a:solidFill>
-                      <a:schemeClr val="lt1"/>
-                    </a:solidFill>
-                  </a:defRPr>
-                </a:lvl3pPr>
-                <a:lvl4pPr>
-                  <a:defRPr>
-                    <a:solidFill>
-                      <a:schemeClr val="lt1"/>
-                    </a:solidFill>
-                  </a:defRPr>
-                </a:lvl4pPr>
-                <a:lvl5pPr>
-                  <a:defRPr>
-                    <a:solidFill>
-                      <a:schemeClr val="lt1"/>
-                    </a:solidFill>
-                  </a:defRPr>
-                </a:lvl5pPr>
-                <a:lvl6pPr>
-                  <a:defRPr>
-                    <a:solidFill>
-                      <a:schemeClr val="lt1"/>
-                    </a:solidFill>
-                  </a:defRPr>
-                </a:lvl6pPr>
-                <a:lvl7pPr>
-                  <a:defRPr>
-                    <a:solidFill>
-                      <a:schemeClr val="lt1"/>
-                    </a:solidFill>
-                  </a:defRPr>
-                </a:lvl7pPr>
-                <a:lvl8pPr>
-                  <a:defRPr>
-                    <a:solidFill>
-                      <a:schemeClr val="lt1"/>
-                    </a:solidFill>
-                  </a:defRPr>
-                </a:lvl8pPr>
-                <a:lvl9pPr>
-                  <a:defRPr>
-                    <a:solidFill>
-                      <a:schemeClr val="lt1"/>
-                    </a:solidFill>
-                  </a:defRPr>
-                </a:lvl9pPr>
-              </a:lstStyle>
-              <a:p>
-                <a:pPr defTabSz="685324">
-                  <a:buSzPct val="25000"/>
-                  <a:defRPr/>
-                </a:pPr>
-                <a:r>
-                  <a:rPr lang="en-US" altLang="zh-CN" sz="1350" b="1" dirty="0">
-                    <a:solidFill>
-                      <a:schemeClr val="accent1"/>
-                    </a:solidFill>
-                    <a:latin typeface="Calibri" panose="020F0502020204030204" pitchFamily="34" charset="0"/>
-                    <a:ea typeface="微软雅黑" panose="020B0503020204020204" pitchFamily="34" charset="-122"/>
-                  </a:rPr>
-                  <a:t>Text here</a:t>
-                </a:r>
-              </a:p>
-            </p:txBody>
-          </p:sp>
-        </p:grpSp>
-        <p:grpSp>
-          <p:nvGrpSpPr>
-            <p:cNvPr id="21" name="组合 20">
-              <a:extLst>
-                <a:ext uri="{FF2B5EF4-FFF2-40B4-BE49-F238E27FC236}">
-                  <a16:creationId xmlns:a16="http://schemas.microsoft.com/office/drawing/2014/main" id="{29D1F9A3-B097-D27B-C41C-F8EBA552D0CA}"/>
-                </a:ext>
-              </a:extLst>
-            </p:cNvPr>
-            <p:cNvGrpSpPr/>
-            <p:nvPr/>
-          </p:nvGrpSpPr>
-          <p:grpSpPr>
-            <a:xfrm>
-              <a:off x="7454608" y="3770288"/>
-              <a:ext cx="1721432" cy="827245"/>
-              <a:chOff x="777586" y="3236888"/>
-              <a:chExt cx="1721432" cy="827245"/>
-            </a:xfrm>
-          </p:grpSpPr>
-          <p:sp>
-            <p:nvSpPr>
-              <p:cNvPr id="22" name="文本框 21">
-                <a:extLst>
-                  <a:ext uri="{FF2B5EF4-FFF2-40B4-BE49-F238E27FC236}">
-                    <a16:creationId xmlns:a16="http://schemas.microsoft.com/office/drawing/2014/main" id="{52A01EA0-5BEF-FFD3-6085-8BD0DAAA7EEC}"/>
-                  </a:ext>
-                </a:extLst>
-              </p:cNvPr>
-              <p:cNvSpPr txBox="1"/>
-              <p:nvPr/>
-            </p:nvSpPr>
-            <p:spPr>
-              <a:xfrm>
-                <a:off x="777586" y="3533988"/>
-                <a:ext cx="1721432" cy="530145"/>
-              </a:xfrm>
-              <a:prstGeom prst="rect">
-                <a:avLst/>
-              </a:prstGeom>
-              <a:noFill/>
-              <a:ln w="38100">
-                <a:noFill/>
-                <a:round/>
-                <a:headEnd/>
-                <a:tailEnd/>
-              </a:ln>
-              <a:effectLst/>
-            </p:spPr>
-            <p:style>
-              <a:lnRef idx="2">
-                <a:schemeClr val="accent1">
-                  <a:shade val="50000"/>
-                </a:schemeClr>
-              </a:lnRef>
-              <a:fillRef idx="1">
-                <a:schemeClr val="accent1"/>
-              </a:fillRef>
-              <a:effectRef idx="0">
-                <a:schemeClr val="accent1"/>
-              </a:effectRef>
-              <a:fontRef idx="minor">
-                <a:schemeClr val="lt1"/>
-              </a:fontRef>
-            </p:style>
-            <p:txBody>
-              <a:bodyPr rot="0" spcFirstLastPara="0" vert="horz" wrap="square" lIns="68580" tIns="34290" rIns="68580" bIns="34290" numCol="1" spcCol="0" rtlCol="0" fromWordArt="0" anchor="t" anchorCtr="0" forceAA="0" compatLnSpc="1">
-                <a:prstTxWarp prst="textNoShape">
-                  <a:avLst/>
-                </a:prstTxWarp>
-                <a:spAutoFit/>
-              </a:bodyPr>
-              <a:lstStyle>
-                <a:defPPr>
-                  <a:defRPr lang="zh-CN"/>
-                </a:defPPr>
-                <a:lvl1pPr algn="ctr"/>
-                <a:lvl2pPr>
-                  <a:defRPr>
-                    <a:solidFill>
-                      <a:schemeClr val="lt1"/>
-                    </a:solidFill>
-                  </a:defRPr>
-                </a:lvl2pPr>
-                <a:lvl3pPr>
-                  <a:defRPr>
-                    <a:solidFill>
-                      <a:schemeClr val="lt1"/>
-                    </a:solidFill>
-                  </a:defRPr>
-                </a:lvl3pPr>
-                <a:lvl4pPr>
-                  <a:defRPr>
-                    <a:solidFill>
-                      <a:schemeClr val="lt1"/>
-                    </a:solidFill>
-                  </a:defRPr>
-                </a:lvl4pPr>
-                <a:lvl5pPr>
-                  <a:defRPr>
-                    <a:solidFill>
-                      <a:schemeClr val="lt1"/>
-                    </a:solidFill>
-                  </a:defRPr>
-                </a:lvl5pPr>
-                <a:lvl6pPr>
-                  <a:defRPr>
-                    <a:solidFill>
-                      <a:schemeClr val="lt1"/>
-                    </a:solidFill>
-                  </a:defRPr>
-                </a:lvl6pPr>
-                <a:lvl7pPr>
-                  <a:defRPr>
-                    <a:solidFill>
-                      <a:schemeClr val="lt1"/>
-                    </a:solidFill>
-                  </a:defRPr>
-                </a:lvl7pPr>
-                <a:lvl8pPr>
-                  <a:defRPr>
-                    <a:solidFill>
-                      <a:schemeClr val="lt1"/>
-                    </a:solidFill>
-                  </a:defRPr>
-                </a:lvl8pPr>
-                <a:lvl9pPr>
-                  <a:defRPr>
-                    <a:solidFill>
-                      <a:schemeClr val="lt1"/>
-                    </a:solidFill>
-                  </a:defRPr>
-                </a:lvl9pPr>
-              </a:lstStyle>
-              <a:p>
-                <a:pPr defTabSz="685324">
-                  <a:lnSpc>
-                    <a:spcPct val="150000"/>
-                  </a:lnSpc>
-                  <a:buSzPct val="30000"/>
-                  <a:defRPr/>
-                </a:pPr>
-                <a:r>
-                  <a:rPr lang="en-US" altLang="zh-CN" sz="750" dirty="0">
-                    <a:solidFill>
-                      <a:schemeClr val="tx1"/>
-                    </a:solidFill>
-                    <a:latin typeface="Calibri" panose="020F0502020204030204" pitchFamily="34" charset="0"/>
-                    <a:ea typeface="微软雅黑" panose="020B0503020204020204" pitchFamily="34" charset="-122"/>
-                  </a:rPr>
-                  <a:t>Theme  color makes PPT more convenient to change.</a:t>
-                </a:r>
-              </a:p>
-            </p:txBody>
-          </p:sp>
-          <p:sp>
-            <p:nvSpPr>
-              <p:cNvPr id="23" name="文本框 22">
-                <a:extLst>
-                  <a:ext uri="{FF2B5EF4-FFF2-40B4-BE49-F238E27FC236}">
-                    <a16:creationId xmlns:a16="http://schemas.microsoft.com/office/drawing/2014/main" id="{31601504-2EDF-B7C0-0185-97C588B9B4A0}"/>
-                  </a:ext>
-                </a:extLst>
-              </p:cNvPr>
-              <p:cNvSpPr txBox="1"/>
-              <p:nvPr/>
-            </p:nvSpPr>
-            <p:spPr>
-              <a:xfrm>
-                <a:off x="777586" y="3236888"/>
-                <a:ext cx="1721432" cy="369332"/>
-              </a:xfrm>
-              <a:prstGeom prst="rect">
-                <a:avLst/>
-              </a:prstGeom>
-              <a:noFill/>
-              <a:ln w="38100">
-                <a:noFill/>
-                <a:round/>
-                <a:headEnd/>
-                <a:tailEnd/>
-              </a:ln>
-              <a:effectLst/>
-            </p:spPr>
-            <p:style>
-              <a:lnRef idx="2">
-                <a:schemeClr val="accent1">
-                  <a:shade val="50000"/>
-                </a:schemeClr>
-              </a:lnRef>
-              <a:fillRef idx="1">
-                <a:schemeClr val="accent1"/>
-              </a:fillRef>
-              <a:effectRef idx="0">
-                <a:schemeClr val="accent1"/>
-              </a:effectRef>
-              <a:fontRef idx="minor">
-                <a:schemeClr val="lt1"/>
-              </a:fontRef>
-            </p:style>
-            <p:txBody>
-              <a:bodyPr rot="0" spcFirstLastPara="0" vert="horz" wrap="square" lIns="68580" tIns="34290" rIns="68580" bIns="34290" numCol="1" spcCol="0" rtlCol="0" fromWordArt="0" anchor="t" anchorCtr="0" forceAA="0" compatLnSpc="1">
-                <a:prstTxWarp prst="textNoShape">
-                  <a:avLst/>
-                </a:prstTxWarp>
-                <a:spAutoFit/>
-              </a:bodyPr>
-              <a:lstStyle>
-                <a:defPPr>
-                  <a:defRPr lang="zh-CN"/>
-                </a:defPPr>
-                <a:lvl1pPr algn="ctr"/>
-                <a:lvl2pPr>
-                  <a:defRPr>
-                    <a:solidFill>
-                      <a:schemeClr val="lt1"/>
-                    </a:solidFill>
-                  </a:defRPr>
-                </a:lvl2pPr>
-                <a:lvl3pPr>
-                  <a:defRPr>
-                    <a:solidFill>
-                      <a:schemeClr val="lt1"/>
-                    </a:solidFill>
-                  </a:defRPr>
-                </a:lvl3pPr>
-                <a:lvl4pPr>
-                  <a:defRPr>
-                    <a:solidFill>
-                      <a:schemeClr val="lt1"/>
-                    </a:solidFill>
-                  </a:defRPr>
-                </a:lvl4pPr>
-                <a:lvl5pPr>
-                  <a:defRPr>
-                    <a:solidFill>
-                      <a:schemeClr val="lt1"/>
-                    </a:solidFill>
-                  </a:defRPr>
-                </a:lvl5pPr>
-                <a:lvl6pPr>
-                  <a:defRPr>
-                    <a:solidFill>
-                      <a:schemeClr val="lt1"/>
-                    </a:solidFill>
-                  </a:defRPr>
-                </a:lvl6pPr>
-                <a:lvl7pPr>
-                  <a:defRPr>
-                    <a:solidFill>
-                      <a:schemeClr val="lt1"/>
-                    </a:solidFill>
-                  </a:defRPr>
-                </a:lvl7pPr>
-                <a:lvl8pPr>
-                  <a:defRPr>
-                    <a:solidFill>
-                      <a:schemeClr val="lt1"/>
-                    </a:solidFill>
-                  </a:defRPr>
-                </a:lvl8pPr>
-                <a:lvl9pPr>
-                  <a:defRPr>
-                    <a:solidFill>
-                      <a:schemeClr val="lt1"/>
-                    </a:solidFill>
-                  </a:defRPr>
-                </a:lvl9pPr>
-              </a:lstStyle>
-              <a:p>
-                <a:pPr defTabSz="685324">
-                  <a:buSzPct val="25000"/>
-                  <a:defRPr/>
-                </a:pPr>
-                <a:r>
-                  <a:rPr lang="en-US" altLang="zh-CN" sz="1350" b="1" dirty="0">
-                    <a:solidFill>
-                      <a:schemeClr val="tx1"/>
-                    </a:solidFill>
-                    <a:latin typeface="Calibri" panose="020F0502020204030204" pitchFamily="34" charset="0"/>
-                    <a:ea typeface="微软雅黑" panose="020B0503020204020204" pitchFamily="34" charset="-122"/>
-                  </a:rPr>
-                  <a:t>Text here</a:t>
-                </a:r>
-              </a:p>
-            </p:txBody>
-          </p:sp>
-        </p:grpSp>
-        <p:grpSp>
-          <p:nvGrpSpPr>
-            <p:cNvPr id="24" name="组合 23">
-              <a:extLst>
-                <a:ext uri="{FF2B5EF4-FFF2-40B4-BE49-F238E27FC236}">
-                  <a16:creationId xmlns:a16="http://schemas.microsoft.com/office/drawing/2014/main" id="{540430ED-CDBD-A1E9-3E38-599B1E4EB6D3}"/>
-                </a:ext>
-              </a:extLst>
-            </p:cNvPr>
-            <p:cNvGrpSpPr/>
-            <p:nvPr/>
-          </p:nvGrpSpPr>
-          <p:grpSpPr>
-            <a:xfrm>
-              <a:off x="9680282" y="3261390"/>
-              <a:ext cx="1721432" cy="827245"/>
-              <a:chOff x="777586" y="3236888"/>
-              <a:chExt cx="1721432" cy="827245"/>
-            </a:xfrm>
-          </p:grpSpPr>
-          <p:sp>
-            <p:nvSpPr>
-              <p:cNvPr id="25" name="文本框 24">
-                <a:extLst>
-                  <a:ext uri="{FF2B5EF4-FFF2-40B4-BE49-F238E27FC236}">
-                    <a16:creationId xmlns:a16="http://schemas.microsoft.com/office/drawing/2014/main" id="{713952CE-5D01-32C2-0D45-F1EB17BCC95C}"/>
-                  </a:ext>
-                </a:extLst>
-              </p:cNvPr>
-              <p:cNvSpPr txBox="1"/>
-              <p:nvPr/>
-            </p:nvSpPr>
-            <p:spPr>
-              <a:xfrm>
-                <a:off x="777586" y="3533988"/>
-                <a:ext cx="1721432" cy="530145"/>
-              </a:xfrm>
-              <a:prstGeom prst="rect">
-                <a:avLst/>
-              </a:prstGeom>
-              <a:noFill/>
-              <a:ln w="38100">
-                <a:noFill/>
-                <a:round/>
-                <a:headEnd/>
-                <a:tailEnd/>
-              </a:ln>
-              <a:effectLst/>
-            </p:spPr>
-            <p:style>
-              <a:lnRef idx="2">
-                <a:schemeClr val="accent1">
-                  <a:shade val="50000"/>
-                </a:schemeClr>
-              </a:lnRef>
-              <a:fillRef idx="1">
-                <a:schemeClr val="accent1"/>
-              </a:fillRef>
-              <a:effectRef idx="0">
-                <a:schemeClr val="accent1"/>
-              </a:effectRef>
-              <a:fontRef idx="minor">
-                <a:schemeClr val="lt1"/>
-              </a:fontRef>
-            </p:style>
-            <p:txBody>
-              <a:bodyPr rot="0" spcFirstLastPara="0" vert="horz" wrap="square" lIns="68580" tIns="34290" rIns="68580" bIns="34290" numCol="1" spcCol="0" rtlCol="0" fromWordArt="0" anchor="t" anchorCtr="0" forceAA="0" compatLnSpc="1">
-                <a:prstTxWarp prst="textNoShape">
-                  <a:avLst/>
-                </a:prstTxWarp>
-                <a:spAutoFit/>
-              </a:bodyPr>
-              <a:lstStyle>
-                <a:defPPr>
-                  <a:defRPr lang="zh-CN"/>
-                </a:defPPr>
-                <a:lvl1pPr algn="ctr"/>
-                <a:lvl2pPr>
-                  <a:defRPr>
-                    <a:solidFill>
-                      <a:schemeClr val="lt1"/>
-                    </a:solidFill>
-                  </a:defRPr>
-                </a:lvl2pPr>
-                <a:lvl3pPr>
-                  <a:defRPr>
-                    <a:solidFill>
-                      <a:schemeClr val="lt1"/>
-                    </a:solidFill>
-                  </a:defRPr>
-                </a:lvl3pPr>
-                <a:lvl4pPr>
-                  <a:defRPr>
-                    <a:solidFill>
-                      <a:schemeClr val="lt1"/>
-                    </a:solidFill>
-                  </a:defRPr>
-                </a:lvl4pPr>
-                <a:lvl5pPr>
-                  <a:defRPr>
-                    <a:solidFill>
-                      <a:schemeClr val="lt1"/>
-                    </a:solidFill>
-                  </a:defRPr>
-                </a:lvl5pPr>
-                <a:lvl6pPr>
-                  <a:defRPr>
-                    <a:solidFill>
-                      <a:schemeClr val="lt1"/>
-                    </a:solidFill>
-                  </a:defRPr>
-                </a:lvl6pPr>
-                <a:lvl7pPr>
-                  <a:defRPr>
-                    <a:solidFill>
-                      <a:schemeClr val="lt1"/>
-                    </a:solidFill>
-                  </a:defRPr>
-                </a:lvl7pPr>
-                <a:lvl8pPr>
-                  <a:defRPr>
-                    <a:solidFill>
-                      <a:schemeClr val="lt1"/>
-                    </a:solidFill>
-                  </a:defRPr>
-                </a:lvl8pPr>
-                <a:lvl9pPr>
-                  <a:defRPr>
-                    <a:solidFill>
-                      <a:schemeClr val="lt1"/>
-                    </a:solidFill>
-                  </a:defRPr>
-                </a:lvl9pPr>
-              </a:lstStyle>
-              <a:p>
-                <a:pPr defTabSz="685324">
-                  <a:lnSpc>
-                    <a:spcPct val="150000"/>
-                  </a:lnSpc>
-                  <a:buSzPct val="30000"/>
-                  <a:defRPr/>
-                </a:pPr>
-                <a:r>
-                  <a:rPr lang="en-US" altLang="zh-CN" sz="750" dirty="0">
-                    <a:solidFill>
-                      <a:schemeClr val="tx1"/>
-                    </a:solidFill>
-                    <a:latin typeface="Calibri" panose="020F0502020204030204" pitchFamily="34" charset="0"/>
-                    <a:ea typeface="微软雅黑" panose="020B0503020204020204" pitchFamily="34" charset="-122"/>
-                  </a:rPr>
-                  <a:t>Theme  color makes PPT more convenient to change.</a:t>
-                </a:r>
-              </a:p>
-            </p:txBody>
-          </p:sp>
-          <p:sp>
-            <p:nvSpPr>
-              <p:cNvPr id="26" name="文本框 25">
-                <a:extLst>
-                  <a:ext uri="{FF2B5EF4-FFF2-40B4-BE49-F238E27FC236}">
-                    <a16:creationId xmlns:a16="http://schemas.microsoft.com/office/drawing/2014/main" id="{28AADB3C-A022-3B23-DA26-6F6657D30720}"/>
-                  </a:ext>
-                </a:extLst>
-              </p:cNvPr>
-              <p:cNvSpPr txBox="1"/>
-              <p:nvPr/>
-            </p:nvSpPr>
-            <p:spPr>
-              <a:xfrm>
-                <a:off x="777586" y="3236888"/>
-                <a:ext cx="1721432" cy="369332"/>
-              </a:xfrm>
-              <a:prstGeom prst="rect">
-                <a:avLst/>
-              </a:prstGeom>
-              <a:noFill/>
-              <a:ln w="38100">
-                <a:noFill/>
-                <a:round/>
-                <a:headEnd/>
-                <a:tailEnd/>
-              </a:ln>
-              <a:effectLst/>
-            </p:spPr>
-            <p:style>
-              <a:lnRef idx="2">
-                <a:schemeClr val="accent1">
-                  <a:shade val="50000"/>
-                </a:schemeClr>
-              </a:lnRef>
-              <a:fillRef idx="1">
-                <a:schemeClr val="accent1"/>
-              </a:fillRef>
-              <a:effectRef idx="0">
-                <a:schemeClr val="accent1"/>
-              </a:effectRef>
-              <a:fontRef idx="minor">
-                <a:schemeClr val="lt1"/>
-              </a:fontRef>
-            </p:style>
-            <p:txBody>
-              <a:bodyPr rot="0" spcFirstLastPara="0" vert="horz" wrap="square" lIns="68580" tIns="34290" rIns="68580" bIns="34290" numCol="1" spcCol="0" rtlCol="0" fromWordArt="0" anchor="t" anchorCtr="0" forceAA="0" compatLnSpc="1">
-                <a:prstTxWarp prst="textNoShape">
-                  <a:avLst/>
-                </a:prstTxWarp>
-                <a:spAutoFit/>
-              </a:bodyPr>
-              <a:lstStyle>
-                <a:defPPr>
-                  <a:defRPr lang="zh-CN"/>
-                </a:defPPr>
-                <a:lvl1pPr algn="ctr"/>
-                <a:lvl2pPr>
-                  <a:defRPr>
-                    <a:solidFill>
-                      <a:schemeClr val="lt1"/>
-                    </a:solidFill>
-                  </a:defRPr>
-                </a:lvl2pPr>
-                <a:lvl3pPr>
-                  <a:defRPr>
-                    <a:solidFill>
-                      <a:schemeClr val="lt1"/>
-                    </a:solidFill>
-                  </a:defRPr>
-                </a:lvl3pPr>
-                <a:lvl4pPr>
-                  <a:defRPr>
-                    <a:solidFill>
-                      <a:schemeClr val="lt1"/>
-                    </a:solidFill>
-                  </a:defRPr>
-                </a:lvl4pPr>
-                <a:lvl5pPr>
-                  <a:defRPr>
-                    <a:solidFill>
-                      <a:schemeClr val="lt1"/>
-                    </a:solidFill>
-                  </a:defRPr>
-                </a:lvl5pPr>
-                <a:lvl6pPr>
-                  <a:defRPr>
-                    <a:solidFill>
-                      <a:schemeClr val="lt1"/>
-                    </a:solidFill>
-                  </a:defRPr>
-                </a:lvl6pPr>
-                <a:lvl7pPr>
-                  <a:defRPr>
-                    <a:solidFill>
-                      <a:schemeClr val="lt1"/>
-                    </a:solidFill>
-                  </a:defRPr>
-                </a:lvl7pPr>
-                <a:lvl8pPr>
-                  <a:defRPr>
-                    <a:solidFill>
-                      <a:schemeClr val="lt1"/>
-                    </a:solidFill>
-                  </a:defRPr>
-                </a:lvl8pPr>
-                <a:lvl9pPr>
-                  <a:defRPr>
-                    <a:solidFill>
-                      <a:schemeClr val="lt1"/>
-                    </a:solidFill>
-                  </a:defRPr>
-                </a:lvl9pPr>
-              </a:lstStyle>
-              <a:p>
-                <a:pPr defTabSz="685324">
-                  <a:buSzPct val="25000"/>
-                  <a:defRPr/>
-                </a:pPr>
-                <a:r>
-                  <a:rPr lang="en-US" altLang="zh-CN" sz="1350" b="1" dirty="0">
-                    <a:solidFill>
-                      <a:schemeClr val="tx1"/>
-                    </a:solidFill>
-                    <a:latin typeface="Calibri" panose="020F0502020204030204" pitchFamily="34" charset="0"/>
-                    <a:ea typeface="微软雅黑" panose="020B0503020204020204" pitchFamily="34" charset="-122"/>
-                  </a:rPr>
-                  <a:t>Text here</a:t>
-                </a:r>
-              </a:p>
-            </p:txBody>
-          </p:sp>
-        </p:grpSp>
-        <p:grpSp>
-          <p:nvGrpSpPr>
-            <p:cNvPr id="27" name="组合 26">
-              <a:extLst>
-                <a:ext uri="{FF2B5EF4-FFF2-40B4-BE49-F238E27FC236}">
-                  <a16:creationId xmlns:a16="http://schemas.microsoft.com/office/drawing/2014/main" id="{790C9E77-5E7F-DD64-AE0B-EF466DA8492B}"/>
-                </a:ext>
-              </a:extLst>
-            </p:cNvPr>
-            <p:cNvGrpSpPr/>
-            <p:nvPr/>
-          </p:nvGrpSpPr>
-          <p:grpSpPr>
-            <a:xfrm>
-              <a:off x="3870326" y="4747079"/>
-              <a:ext cx="4451348" cy="369332"/>
-              <a:chOff x="3863976" y="2786020"/>
-              <a:chExt cx="4451348" cy="1658412"/>
-            </a:xfrm>
-          </p:grpSpPr>
-          <p:cxnSp>
-            <p:nvCxnSpPr>
-              <p:cNvPr id="28" name="直接连接符 27">
-                <a:extLst>
-                  <a:ext uri="{FF2B5EF4-FFF2-40B4-BE49-F238E27FC236}">
-                    <a16:creationId xmlns:a16="http://schemas.microsoft.com/office/drawing/2014/main" id="{B6CC1105-FAB8-9F78-A7AD-5A1EBCA7ED87}"/>
-                  </a:ext>
-                </a:extLst>
-              </p:cNvPr>
-              <p:cNvCxnSpPr>
-                <a:cxnSpLocks/>
-              </p:cNvCxnSpPr>
-              <p:nvPr/>
-            </p:nvCxnSpPr>
-            <p:spPr>
-              <a:xfrm>
-                <a:off x="3863976" y="2786020"/>
-                <a:ext cx="0" cy="1658412"/>
-              </a:xfrm>
-              <a:prstGeom prst="line">
-                <a:avLst/>
-              </a:prstGeom>
-              <a:ln>
-                <a:solidFill>
-                  <a:schemeClr val="tx1">
-                    <a:alpha val="20000"/>
-                  </a:schemeClr>
-                </a:solidFill>
-              </a:ln>
-            </p:spPr>
-            <p:style>
-              <a:lnRef idx="1">
-                <a:schemeClr val="accent1"/>
-              </a:lnRef>
-              <a:fillRef idx="0">
-                <a:schemeClr val="accent1"/>
-              </a:fillRef>
-              <a:effectRef idx="0">
-                <a:schemeClr val="accent1"/>
-              </a:effectRef>
-              <a:fontRef idx="minor">
-                <a:schemeClr val="tx1"/>
-              </a:fontRef>
-            </p:style>
-          </p:cxnSp>
-          <p:cxnSp>
-            <p:nvCxnSpPr>
-              <p:cNvPr id="29" name="直接连接符 28">
-                <a:extLst>
-                  <a:ext uri="{FF2B5EF4-FFF2-40B4-BE49-F238E27FC236}">
-                    <a16:creationId xmlns:a16="http://schemas.microsoft.com/office/drawing/2014/main" id="{2EC26E90-5369-46D3-9547-5142492EBE52}"/>
-                  </a:ext>
-                </a:extLst>
-              </p:cNvPr>
-              <p:cNvCxnSpPr>
-                <a:cxnSpLocks/>
-              </p:cNvCxnSpPr>
-              <p:nvPr/>
-            </p:nvCxnSpPr>
-            <p:spPr>
-              <a:xfrm>
-                <a:off x="8315324" y="2786020"/>
-                <a:ext cx="0" cy="1658412"/>
-              </a:xfrm>
-              <a:prstGeom prst="line">
-                <a:avLst/>
-              </a:prstGeom>
-              <a:ln>
-                <a:solidFill>
-                  <a:schemeClr val="tx1">
-                    <a:alpha val="20000"/>
-                  </a:schemeClr>
-                </a:solidFill>
-              </a:ln>
-            </p:spPr>
-            <p:style>
-              <a:lnRef idx="1">
-                <a:schemeClr val="accent1"/>
-              </a:lnRef>
-              <a:fillRef idx="0">
-                <a:schemeClr val="accent1"/>
-              </a:fillRef>
-              <a:effectRef idx="0">
-                <a:schemeClr val="accent1"/>
-              </a:effectRef>
-              <a:fontRef idx="minor">
-                <a:schemeClr val="tx1"/>
-              </a:fontRef>
-            </p:style>
-          </p:cxnSp>
-        </p:grpSp>
-        <p:sp>
-          <p:nvSpPr>
-            <p:cNvPr id="30" name="文本框 29">
-              <a:extLst>
-                <a:ext uri="{FF2B5EF4-FFF2-40B4-BE49-F238E27FC236}">
-                  <a16:creationId xmlns:a16="http://schemas.microsoft.com/office/drawing/2014/main" id="{1DED1251-2AF9-DCF7-064F-2B23E15122EF}"/>
-                </a:ext>
-              </a:extLst>
-            </p:cNvPr>
-            <p:cNvSpPr txBox="1"/>
-            <p:nvPr/>
-          </p:nvSpPr>
-          <p:spPr>
-            <a:xfrm>
-              <a:off x="3003261" y="5256489"/>
-              <a:ext cx="1721432" cy="400109"/>
-            </a:xfrm>
-            <a:prstGeom prst="rect">
-              <a:avLst/>
-            </a:prstGeom>
-            <a:noFill/>
-            <a:ln w="38100">
-              <a:noFill/>
-              <a:round/>
-              <a:headEnd/>
-              <a:tailEnd/>
-            </a:ln>
-            <a:effectLst/>
-          </p:spPr>
-          <p:style>
-            <a:lnRef idx="2">
-              <a:schemeClr val="accent1">
-                <a:shade val="50000"/>
-              </a:schemeClr>
-            </a:lnRef>
-            <a:fillRef idx="1">
-              <a:schemeClr val="accent1"/>
-            </a:fillRef>
-            <a:effectRef idx="0">
-              <a:schemeClr val="accent1"/>
-            </a:effectRef>
-            <a:fontRef idx="minor">
-              <a:schemeClr val="lt1"/>
-            </a:fontRef>
-          </p:style>
-          <p:txBody>
-            <a:bodyPr rot="0" spcFirstLastPara="0" vert="horz" wrap="square" lIns="68580" tIns="34290" rIns="68580" bIns="34290" numCol="1" spcCol="0" rtlCol="0" fromWordArt="0" anchor="t" anchorCtr="0" forceAA="0" compatLnSpc="1">
-              <a:prstTxWarp prst="textNoShape">
-                <a:avLst/>
-              </a:prstTxWarp>
-              <a:spAutoFit/>
-            </a:bodyPr>
-            <a:lstStyle>
-              <a:defPPr>
-                <a:defRPr lang="zh-CN"/>
-              </a:defPPr>
-              <a:lvl1pPr algn="ctr"/>
-              <a:lvl2pPr>
-                <a:defRPr>
-                  <a:solidFill>
-                    <a:schemeClr val="lt1"/>
-                  </a:solidFill>
-                </a:defRPr>
-              </a:lvl2pPr>
-              <a:lvl3pPr>
-                <a:defRPr>
-                  <a:solidFill>
-                    <a:schemeClr val="lt1"/>
-                  </a:solidFill>
-                </a:defRPr>
-              </a:lvl3pPr>
-              <a:lvl4pPr>
-                <a:defRPr>
-                  <a:solidFill>
-                    <a:schemeClr val="lt1"/>
-                  </a:solidFill>
-                </a:defRPr>
-              </a:lvl4pPr>
-              <a:lvl5pPr>
-                <a:defRPr>
-                  <a:solidFill>
-                    <a:schemeClr val="lt1"/>
-                  </a:solidFill>
-                </a:defRPr>
-              </a:lvl5pPr>
-              <a:lvl6pPr>
-                <a:defRPr>
-                  <a:solidFill>
-                    <a:schemeClr val="lt1"/>
-                  </a:solidFill>
-                </a:defRPr>
-              </a:lvl6pPr>
-              <a:lvl7pPr>
-                <a:defRPr>
-                  <a:solidFill>
-                    <a:schemeClr val="lt1"/>
-                  </a:solidFill>
-                </a:defRPr>
-              </a:lvl7pPr>
-              <a:lvl8pPr>
-                <a:defRPr>
-                  <a:solidFill>
-                    <a:schemeClr val="lt1"/>
-                  </a:solidFill>
-                </a:defRPr>
-              </a:lvl8pPr>
-              <a:lvl9pPr>
-                <a:defRPr>
-                  <a:solidFill>
-                    <a:schemeClr val="lt1"/>
-                  </a:solidFill>
-                </a:defRPr>
-              </a:lvl9pPr>
-            </a:lstStyle>
-            <a:p>
-              <a:pPr defTabSz="685324">
-                <a:buSzPct val="25000"/>
-                <a:defRPr/>
-              </a:pPr>
-              <a:r>
-                <a:rPr lang="en-US" altLang="zh-CN" sz="750" dirty="0">
-                  <a:solidFill>
-                    <a:schemeClr val="tx1"/>
-                  </a:solidFill>
-                  <a:latin typeface="Calibri" panose="020F0502020204030204" pitchFamily="34" charset="0"/>
-                  <a:ea typeface="微软雅黑" panose="020B0503020204020204" pitchFamily="34" charset="-122"/>
-                </a:rPr>
-                <a:t>Text here</a:t>
-              </a:r>
-            </a:p>
-            <a:p>
-              <a:pPr defTabSz="685324">
-                <a:buSzPct val="25000"/>
-                <a:defRPr/>
-              </a:pPr>
-              <a:r>
-                <a:rPr lang="en-US" altLang="zh-CN" sz="750" dirty="0">
-                  <a:solidFill>
-                    <a:schemeClr val="tx1"/>
-                  </a:solidFill>
-                  <a:latin typeface="Calibri" panose="020F0502020204030204" pitchFamily="34" charset="0"/>
-                  <a:ea typeface="微软雅黑" panose="020B0503020204020204" pitchFamily="34" charset="-122"/>
-                </a:rPr>
-                <a:t>….</a:t>
-              </a:r>
-            </a:p>
-          </p:txBody>
-        </p:sp>
-        <p:sp>
-          <p:nvSpPr>
-            <p:cNvPr id="31" name="文本框 30">
-              <a:extLst>
-                <a:ext uri="{FF2B5EF4-FFF2-40B4-BE49-F238E27FC236}">
-                  <a16:creationId xmlns:a16="http://schemas.microsoft.com/office/drawing/2014/main" id="{3C450857-9C18-FBF2-E7F7-66596392C806}"/>
-                </a:ext>
-              </a:extLst>
-            </p:cNvPr>
-            <p:cNvSpPr txBox="1"/>
-            <p:nvPr/>
-          </p:nvSpPr>
-          <p:spPr>
-            <a:xfrm>
-              <a:off x="7454609" y="5256489"/>
-              <a:ext cx="1721432" cy="400109"/>
-            </a:xfrm>
-            <a:prstGeom prst="rect">
-              <a:avLst/>
-            </a:prstGeom>
-            <a:noFill/>
-            <a:ln w="38100">
-              <a:noFill/>
-              <a:round/>
-              <a:headEnd/>
-              <a:tailEnd/>
-            </a:ln>
-            <a:effectLst/>
-          </p:spPr>
-          <p:style>
-            <a:lnRef idx="2">
-              <a:schemeClr val="accent1">
-                <a:shade val="50000"/>
-              </a:schemeClr>
-            </a:lnRef>
-            <a:fillRef idx="1">
-              <a:schemeClr val="accent1"/>
-            </a:fillRef>
-            <a:effectRef idx="0">
-              <a:schemeClr val="accent1"/>
-            </a:effectRef>
-            <a:fontRef idx="minor">
-              <a:schemeClr val="lt1"/>
-            </a:fontRef>
-          </p:style>
-          <p:txBody>
-            <a:bodyPr rot="0" spcFirstLastPara="0" vert="horz" wrap="square" lIns="68580" tIns="34290" rIns="68580" bIns="34290" numCol="1" spcCol="0" rtlCol="0" fromWordArt="0" anchor="t" anchorCtr="0" forceAA="0" compatLnSpc="1">
-              <a:prstTxWarp prst="textNoShape">
-                <a:avLst/>
-              </a:prstTxWarp>
-              <a:spAutoFit/>
-            </a:bodyPr>
-            <a:lstStyle>
-              <a:defPPr>
-                <a:defRPr lang="zh-CN"/>
-              </a:defPPr>
-              <a:lvl1pPr algn="ctr"/>
-              <a:lvl2pPr>
-                <a:defRPr>
-                  <a:solidFill>
-                    <a:schemeClr val="lt1"/>
-                  </a:solidFill>
-                </a:defRPr>
-              </a:lvl2pPr>
-              <a:lvl3pPr>
-                <a:defRPr>
-                  <a:solidFill>
-                    <a:schemeClr val="lt1"/>
-                  </a:solidFill>
-                </a:defRPr>
-              </a:lvl3pPr>
-              <a:lvl4pPr>
-                <a:defRPr>
-                  <a:solidFill>
-                    <a:schemeClr val="lt1"/>
-                  </a:solidFill>
-                </a:defRPr>
-              </a:lvl4pPr>
-              <a:lvl5pPr>
-                <a:defRPr>
-                  <a:solidFill>
-                    <a:schemeClr val="lt1"/>
-                  </a:solidFill>
-                </a:defRPr>
-              </a:lvl5pPr>
-              <a:lvl6pPr>
-                <a:defRPr>
-                  <a:solidFill>
-                    <a:schemeClr val="lt1"/>
-                  </a:solidFill>
-                </a:defRPr>
-              </a:lvl6pPr>
-              <a:lvl7pPr>
-                <a:defRPr>
-                  <a:solidFill>
-                    <a:schemeClr val="lt1"/>
-                  </a:solidFill>
-                </a:defRPr>
-              </a:lvl7pPr>
-              <a:lvl8pPr>
-                <a:defRPr>
-                  <a:solidFill>
-                    <a:schemeClr val="lt1"/>
-                  </a:solidFill>
-                </a:defRPr>
-              </a:lvl8pPr>
-              <a:lvl9pPr>
-                <a:defRPr>
-                  <a:solidFill>
-                    <a:schemeClr val="lt1"/>
-                  </a:solidFill>
-                </a:defRPr>
-              </a:lvl9pPr>
-            </a:lstStyle>
-            <a:p>
-              <a:pPr defTabSz="685324">
-                <a:buSzPct val="25000"/>
-                <a:defRPr/>
-              </a:pPr>
-              <a:r>
-                <a:rPr lang="en-US" altLang="zh-CN" sz="750" dirty="0">
-                  <a:solidFill>
-                    <a:schemeClr val="tx1"/>
-                  </a:solidFill>
-                  <a:latin typeface="Calibri" panose="020F0502020204030204" pitchFamily="34" charset="0"/>
-                  <a:ea typeface="微软雅黑" panose="020B0503020204020204" pitchFamily="34" charset="-122"/>
-                </a:rPr>
-                <a:t>Text here</a:t>
-              </a:r>
-            </a:p>
-            <a:p>
-              <a:pPr defTabSz="685324">
-                <a:buSzPct val="25000"/>
-                <a:defRPr/>
-              </a:pPr>
-              <a:r>
-                <a:rPr lang="en-US" altLang="zh-CN" sz="750" dirty="0">
-                  <a:solidFill>
-                    <a:schemeClr val="tx1"/>
-                  </a:solidFill>
-                  <a:latin typeface="Calibri" panose="020F0502020204030204" pitchFamily="34" charset="0"/>
-                  <a:ea typeface="微软雅黑" panose="020B0503020204020204" pitchFamily="34" charset="-122"/>
-                </a:rPr>
-                <a:t>….</a:t>
-              </a:r>
-            </a:p>
-          </p:txBody>
-        </p:sp>
-        <p:sp>
-          <p:nvSpPr>
-            <p:cNvPr id="32" name="矩形 31">
-              <a:extLst>
-                <a:ext uri="{FF2B5EF4-FFF2-40B4-BE49-F238E27FC236}">
-                  <a16:creationId xmlns:a16="http://schemas.microsoft.com/office/drawing/2014/main" id="{5639648C-CCF5-8669-5BAC-7EC33E4D54CF}"/>
-                </a:ext>
-              </a:extLst>
-            </p:cNvPr>
-            <p:cNvSpPr/>
-            <p:nvPr/>
-          </p:nvSpPr>
-          <p:spPr>
-            <a:xfrm flipH="1">
-              <a:off x="3080097" y="1130300"/>
-              <a:ext cx="5827793" cy="257935"/>
-            </a:xfrm>
-            <a:prstGeom prst="rect">
-              <a:avLst/>
-            </a:prstGeom>
-            <a:ln>
-              <a:noFill/>
-            </a:ln>
-          </p:spPr>
-          <p:txBody>
-            <a:bodyPr wrap="square" lIns="68580" tIns="34290" rIns="68580" bIns="34290" anchor="t">
-              <a:spAutoFit/>
-            </a:bodyPr>
-            <a:lstStyle/>
-            <a:p>
-              <a:pPr algn="ctr" defTabSz="685324">
-                <a:lnSpc>
-                  <a:spcPct val="150000"/>
-                </a:lnSpc>
-                <a:buSzPct val="25000"/>
-                <a:defRPr/>
-              </a:pPr>
-              <a:r>
-                <a:rPr lang="en-US" altLang="zh-CN" sz="600" dirty="0">
-                  <a:latin typeface="Calibri" panose="020F0502020204030204" pitchFamily="34" charset="0"/>
-                  <a:ea typeface="微软雅黑" panose="020B0503020204020204" pitchFamily="34" charset="-122"/>
-                </a:rPr>
-                <a:t>Copy paste fonts Choose the only option to retain text Adjust the spacing to adapt to Chinese typesetting</a:t>
-              </a:r>
-            </a:p>
-          </p:txBody>
-        </p:sp>
-      </p:grpSp>
     </p:spTree>
     <p:extLst>
       <p:ext uri="{BB962C8B-B14F-4D97-AF65-F5344CB8AC3E}">
@@ -6181,7 +4802,7 @@
 </p:sld>
 </file>
 
-<file path=ppt/slides/slide6.xml><?xml version="1.0" encoding="utf-8"?>
+<file path=ppt/slides/slide8.xml><?xml version="1.0" encoding="utf-8"?>
 <p:sld xmlns:a="http://schemas.openxmlformats.org/drawingml/2006/main" xmlns:r="http://schemas.openxmlformats.org/officeDocument/2006/relationships" xmlns:p="http://schemas.openxmlformats.org/presentationml/2006/main">
   <p:cSld>
     <p:spTree>

--- a/002Matlab Project/Project.pptx
+++ b/002Matlab Project/Project.pptx
@@ -5,7 +5,7 @@
     <p:sldMasterId id="2147483648" r:id="rId1"/>
   </p:sldMasterIdLst>
   <p:notesMasterIdLst>
-    <p:notesMasterId r:id="rId10"/>
+    <p:notesMasterId r:id="rId13"/>
   </p:notesMasterIdLst>
   <p:sldIdLst>
     <p:sldId id="256" r:id="rId2"/>
@@ -13,9 +13,12 @@
     <p:sldId id="263" r:id="rId4"/>
     <p:sldId id="266" r:id="rId5"/>
     <p:sldId id="267" r:id="rId6"/>
-    <p:sldId id="264" r:id="rId7"/>
-    <p:sldId id="265" r:id="rId8"/>
-    <p:sldId id="260" r:id="rId9"/>
+    <p:sldId id="269" r:id="rId7"/>
+    <p:sldId id="271" r:id="rId8"/>
+    <p:sldId id="264" r:id="rId9"/>
+    <p:sldId id="270" r:id="rId10"/>
+    <p:sldId id="272" r:id="rId11"/>
+    <p:sldId id="260" r:id="rId12"/>
   </p:sldIdLst>
   <p:sldSz cx="9144000" cy="5143500" type="screen16x9"/>
   <p:notesSz cx="6858000" cy="9947275"/>
@@ -409,13 +412,7 @@
   <p:cSld>
     <p:spTree>
       <p:nvGrpSpPr>
-        <p:cNvPr id="1" name="">
-          <a:extLst>
-            <a:ext uri="{FF2B5EF4-FFF2-40B4-BE49-F238E27FC236}">
-              <a16:creationId xmlns:a16="http://schemas.microsoft.com/office/drawing/2014/main" id="{66BD4900-F60E-213D-9D93-CDD1C13C62C4}"/>
-            </a:ext>
-          </a:extLst>
-        </p:cNvPr>
+        <p:cNvPr id="1" name=""/>
         <p:cNvGrpSpPr/>
         <p:nvPr/>
       </p:nvGrpSpPr>
@@ -429,13 +426,7 @@
       </p:grpSpPr>
       <p:sp>
         <p:nvSpPr>
-          <p:cNvPr id="2" name="幻灯片图像占位符 1">
-            <a:extLst>
-              <a:ext uri="{FF2B5EF4-FFF2-40B4-BE49-F238E27FC236}">
-                <a16:creationId xmlns:a16="http://schemas.microsoft.com/office/drawing/2014/main" id="{C1BA39E2-D31A-4716-3B9E-5B6577720D59}"/>
-              </a:ext>
-            </a:extLst>
-          </p:cNvPr>
+          <p:cNvPr id="2" name="幻灯片图像占位符 1"/>
           <p:cNvSpPr>
             <a:spLocks noGrp="1" noRot="1" noChangeAspect="1"/>
           </p:cNvSpPr>
@@ -447,13 +438,7 @@
       </p:sp>
       <p:sp>
         <p:nvSpPr>
-          <p:cNvPr id="3" name="备注占位符 2">
-            <a:extLst>
-              <a:ext uri="{FF2B5EF4-FFF2-40B4-BE49-F238E27FC236}">
-                <a16:creationId xmlns:a16="http://schemas.microsoft.com/office/drawing/2014/main" id="{561FC7EE-7350-ADB8-B806-CFAF4B64DC22}"/>
-              </a:ext>
-            </a:extLst>
-          </p:cNvPr>
+          <p:cNvPr id="3" name="备注占位符 2"/>
           <p:cNvSpPr>
             <a:spLocks noGrp="1"/>
           </p:cNvSpPr>
@@ -466,28 +451,18 @@
           <a:bodyPr/>
           <a:lstStyle/>
           <a:p>
-            <a:r>
-              <a:rPr lang="en-US" altLang="zh-CN" dirty="0"/>
-              <a:t>029030dc-a7b8-4b08-84f7-8538096bc74a.source.5.zh-Hans</a:t>
-            </a:r>
             <a:endParaRPr lang="zh-CN" altLang="en-US" dirty="0"/>
           </a:p>
         </p:txBody>
       </p:sp>
       <p:sp>
         <p:nvSpPr>
-          <p:cNvPr id="4" name="灯片编号占位符 3">
-            <a:extLst>
-              <a:ext uri="{FF2B5EF4-FFF2-40B4-BE49-F238E27FC236}">
-                <a16:creationId xmlns:a16="http://schemas.microsoft.com/office/drawing/2014/main" id="{5C8243BF-B4BE-25F5-5C9C-5C6F2BBF8734}"/>
-              </a:ext>
-            </a:extLst>
-          </p:cNvPr>
+          <p:cNvPr id="4" name="灯片编号占位符 3"/>
           <p:cNvSpPr>
             <a:spLocks noGrp="1"/>
           </p:cNvSpPr>
           <p:nvPr>
-            <p:ph type="sldNum" sz="quarter" idx="10"/>
+            <p:ph type="sldNum" sz="quarter" idx="5"/>
           </p:nvPr>
         </p:nvSpPr>
         <p:spPr/>
@@ -495,18 +470,19 @@
           <a:bodyPr/>
           <a:lstStyle/>
           <a:p>
-            <a:fld id="{E9E6FDB6-6D2B-46C1-9FA1-D82906A37C3A}" type="slidenum">
-              <a:rPr lang="zh-CN" altLang="en-US" smtClean="0"/>
-              <a:t>7</a:t>
+            <a:fld id="{49DD4D23-C98A-435E-AE88-9061F8349B02}" type="slidenum">
+              <a:rPr lang="en-GB" smtClean="0"/>
+              <a:pPr/>
+              <a:t>6</a:t>
             </a:fld>
-            <a:endParaRPr lang="zh-CN" altLang="en-US"/>
+            <a:endParaRPr lang="en-GB"/>
           </a:p>
         </p:txBody>
       </p:sp>
     </p:spTree>
     <p:extLst>
       <p:ext uri="{BB962C8B-B14F-4D97-AF65-F5344CB8AC3E}">
-        <p14:creationId xmlns:p14="http://schemas.microsoft.com/office/powerpoint/2010/main" val="3894678962"/>
+        <p14:creationId xmlns:p14="http://schemas.microsoft.com/office/powerpoint/2010/main" val="890695336"/>
       </p:ext>
     </p:extLst>
   </p:cSld>
@@ -3283,6 +3259,193 @@
 </p:sld>
 </file>
 
+<file path=ppt/slides/slide10.xml><?xml version="1.0" encoding="utf-8"?>
+<p:sld xmlns:a="http://schemas.openxmlformats.org/drawingml/2006/main" xmlns:r="http://schemas.openxmlformats.org/officeDocument/2006/relationships" xmlns:p="http://schemas.openxmlformats.org/presentationml/2006/main">
+  <p:cSld>
+    <p:spTree>
+      <p:nvGrpSpPr>
+        <p:cNvPr id="1" name="">
+          <a:extLst>
+            <a:ext uri="{FF2B5EF4-FFF2-40B4-BE49-F238E27FC236}">
+              <a16:creationId xmlns:a16="http://schemas.microsoft.com/office/drawing/2014/main" id="{40A31C37-C258-306A-50C6-7BCC5147709A}"/>
+            </a:ext>
+          </a:extLst>
+        </p:cNvPr>
+        <p:cNvGrpSpPr/>
+        <p:nvPr/>
+      </p:nvGrpSpPr>
+      <p:grpSpPr>
+        <a:xfrm>
+          <a:off x="0" y="0"/>
+          <a:ext cx="0" cy="0"/>
+          <a:chOff x="0" y="0"/>
+          <a:chExt cx="0" cy="0"/>
+        </a:xfrm>
+      </p:grpSpPr>
+      <p:sp>
+        <p:nvSpPr>
+          <p:cNvPr id="2" name="Title 1">
+            <a:extLst>
+              <a:ext uri="{FF2B5EF4-FFF2-40B4-BE49-F238E27FC236}">
+                <a16:creationId xmlns:a16="http://schemas.microsoft.com/office/drawing/2014/main" id="{24562D67-549C-DA51-7BC8-05D08ED55C33}"/>
+              </a:ext>
+            </a:extLst>
+          </p:cNvPr>
+          <p:cNvSpPr>
+            <a:spLocks noGrp="1"/>
+          </p:cNvSpPr>
+          <p:nvPr>
+            <p:ph type="title"/>
+          </p:nvPr>
+        </p:nvSpPr>
+        <p:spPr>
+          <a:xfrm>
+            <a:off x="1150574" y="519274"/>
+            <a:ext cx="7500939" cy="421200"/>
+          </a:xfrm>
+        </p:spPr>
+        <p:txBody>
+          <a:bodyPr/>
+          <a:lstStyle/>
+          <a:p>
+            <a:r>
+              <a:rPr lang="en-US" altLang="zh-CN" dirty="0"/>
+              <a:t>E2E test</a:t>
+            </a:r>
+            <a:endParaRPr lang="en-GB" dirty="0"/>
+          </a:p>
+        </p:txBody>
+      </p:sp>
+      <p:sp>
+        <p:nvSpPr>
+          <p:cNvPr id="5" name="Slide Number Placeholder 4">
+            <a:extLst>
+              <a:ext uri="{FF2B5EF4-FFF2-40B4-BE49-F238E27FC236}">
+                <a16:creationId xmlns:a16="http://schemas.microsoft.com/office/drawing/2014/main" id="{3DCF2153-ED0A-F37C-0A0D-15A18D184D0A}"/>
+              </a:ext>
+            </a:extLst>
+          </p:cNvPr>
+          <p:cNvSpPr>
+            <a:spLocks noGrp="1"/>
+          </p:cNvSpPr>
+          <p:nvPr>
+            <p:ph type="sldNum" sz="quarter" idx="4"/>
+          </p:nvPr>
+        </p:nvSpPr>
+        <p:spPr>
+          <a:xfrm>
+            <a:off x="8039513" y="4881249"/>
+            <a:ext cx="290100" cy="191861"/>
+          </a:xfrm>
+        </p:spPr>
+        <p:txBody>
+          <a:bodyPr/>
+          <a:lstStyle/>
+          <a:p>
+            <a:fld id="{DDBE135E-2566-4748-853C-8A3B78F0FB00}" type="slidenum">
+              <a:rPr lang="en-GB" smtClean="0"/>
+              <a:pPr/>
+              <a:t>10</a:t>
+            </a:fld>
+            <a:endParaRPr lang="en-GB" dirty="0"/>
+          </a:p>
+        </p:txBody>
+      </p:sp>
+      <p:pic>
+        <p:nvPicPr>
+          <p:cNvPr id="4" name="图片 3">
+            <a:extLst>
+              <a:ext uri="{FF2B5EF4-FFF2-40B4-BE49-F238E27FC236}">
+                <a16:creationId xmlns:a16="http://schemas.microsoft.com/office/drawing/2014/main" id="{8633B3E0-3AE7-730F-3779-D812E5D15FF8}"/>
+              </a:ext>
+            </a:extLst>
+          </p:cNvPr>
+          <p:cNvPicPr>
+            <a:picLocks noChangeAspect="1"/>
+          </p:cNvPicPr>
+          <p:nvPr/>
+        </p:nvPicPr>
+        <p:blipFill>
+          <a:blip r:embed="rId2"/>
+          <a:stretch>
+            <a:fillRect/>
+          </a:stretch>
+        </p:blipFill>
+        <p:spPr>
+          <a:xfrm>
+            <a:off x="0" y="1875205"/>
+            <a:ext cx="9144000" cy="1393089"/>
+          </a:xfrm>
+          <a:prstGeom prst="rect">
+            <a:avLst/>
+          </a:prstGeom>
+        </p:spPr>
+      </p:pic>
+    </p:spTree>
+    <p:extLst>
+      <p:ext uri="{BB962C8B-B14F-4D97-AF65-F5344CB8AC3E}">
+        <p14:creationId xmlns:p14="http://schemas.microsoft.com/office/powerpoint/2010/main" val="3686621771"/>
+      </p:ext>
+    </p:extLst>
+  </p:cSld>
+  <p:clrMapOvr>
+    <a:masterClrMapping/>
+  </p:clrMapOvr>
+</p:sld>
+</file>
+
+<file path=ppt/slides/slide11.xml><?xml version="1.0" encoding="utf-8"?>
+<p:sld xmlns:a="http://schemas.openxmlformats.org/drawingml/2006/main" xmlns:r="http://schemas.openxmlformats.org/officeDocument/2006/relationships" xmlns:p="http://schemas.openxmlformats.org/presentationml/2006/main">
+  <p:cSld>
+    <p:spTree>
+      <p:nvGrpSpPr>
+        <p:cNvPr id="1" name=""/>
+        <p:cNvGrpSpPr/>
+        <p:nvPr/>
+      </p:nvGrpSpPr>
+      <p:grpSpPr>
+        <a:xfrm>
+          <a:off x="0" y="0"/>
+          <a:ext cx="0" cy="0"/>
+          <a:chOff x="0" y="0"/>
+          <a:chExt cx="0" cy="0"/>
+        </a:xfrm>
+      </p:grpSpPr>
+      <p:sp>
+        <p:nvSpPr>
+          <p:cNvPr id="2" name="Title 1"/>
+          <p:cNvSpPr>
+            <a:spLocks noGrp="1"/>
+          </p:cNvSpPr>
+          <p:nvPr>
+            <p:ph type="ctrTitle"/>
+          </p:nvPr>
+        </p:nvSpPr>
+        <p:spPr/>
+        <p:txBody>
+          <a:bodyPr/>
+          <a:lstStyle/>
+          <a:p>
+            <a:r>
+              <a:rPr lang="en-GB"/>
+              <a:t>Thank You</a:t>
+            </a:r>
+          </a:p>
+        </p:txBody>
+      </p:sp>
+    </p:spTree>
+    <p:extLst>
+      <p:ext uri="{BB962C8B-B14F-4D97-AF65-F5344CB8AC3E}">
+        <p14:creationId xmlns:p14="http://schemas.microsoft.com/office/powerpoint/2010/main" val="173462149"/>
+      </p:ext>
+    </p:extLst>
+  </p:cSld>
+  <p:clrMapOvr>
+    <a:masterClrMapping/>
+  </p:clrMapOvr>
+</p:sld>
+</file>
+
 <file path=ppt/slides/slide2.xml><?xml version="1.0" encoding="utf-8"?>
 <p:sld xmlns:a="http://schemas.openxmlformats.org/drawingml/2006/main" xmlns:r="http://schemas.openxmlformats.org/officeDocument/2006/relationships" xmlns:p="http://schemas.openxmlformats.org/presentationml/2006/main">
   <p:cSld>
@@ -4605,8 +4768,8 @@
         </p:blipFill>
         <p:spPr>
           <a:xfrm>
-            <a:off x="0" y="2082046"/>
-            <a:ext cx="3904430" cy="1360401"/>
+            <a:off x="0" y="1937725"/>
+            <a:ext cx="3904430" cy="1268047"/>
           </a:xfrm>
           <a:prstGeom prst="rect">
             <a:avLst/>
@@ -4631,7 +4794,13 @@
   <p:cSld>
     <p:spTree>
       <p:nvGrpSpPr>
-        <p:cNvPr id="1" name=""/>
+        <p:cNvPr id="1" name="">
+          <a:extLst>
+            <a:ext uri="{FF2B5EF4-FFF2-40B4-BE49-F238E27FC236}">
+              <a16:creationId xmlns:a16="http://schemas.microsoft.com/office/drawing/2014/main" id="{F915FA1C-0B51-BE30-8156-758504DE52E4}"/>
+            </a:ext>
+          </a:extLst>
+        </p:cNvPr>
         <p:cNvGrpSpPr/>
         <p:nvPr/>
       </p:nvGrpSpPr>
@@ -4645,51 +4814,35 @@
       </p:grpSpPr>
       <p:sp>
         <p:nvSpPr>
-          <p:cNvPr id="2" name="Title 1"/>
+          <p:cNvPr id="2" name="Title 1">
+            <a:extLst>
+              <a:ext uri="{FF2B5EF4-FFF2-40B4-BE49-F238E27FC236}">
+                <a16:creationId xmlns:a16="http://schemas.microsoft.com/office/drawing/2014/main" id="{2417EE9E-0A76-31F5-26D1-85C4D689016B}"/>
+              </a:ext>
+            </a:extLst>
+          </p:cNvPr>
           <p:cNvSpPr>
             <a:spLocks noGrp="1"/>
           </p:cNvSpPr>
           <p:nvPr>
-            <p:ph type="title"/>
-          </p:nvPr>
-        </p:nvSpPr>
-        <p:spPr/>
+            <p:ph type="title" idx="4294967295"/>
+          </p:nvPr>
+        </p:nvSpPr>
+        <p:spPr>
+          <a:xfrm>
+            <a:off x="555863" y="505563"/>
+            <a:ext cx="7500937" cy="422275"/>
+          </a:xfrm>
+        </p:spPr>
         <p:txBody>
           <a:bodyPr/>
           <a:lstStyle/>
           <a:p>
             <a:r>
               <a:rPr lang="en-US" altLang="zh-CN" dirty="0"/>
-              <a:t>Group Introduction</a:t>
+              <a:t>Function Blocks</a:t>
             </a:r>
             <a:endParaRPr lang="en-GB" dirty="0"/>
-          </a:p>
-        </p:txBody>
-      </p:sp>
-      <p:sp>
-        <p:nvSpPr>
-          <p:cNvPr id="4" name="Text Placeholder 3"/>
-          <p:cNvSpPr>
-            <a:spLocks noGrp="1"/>
-          </p:cNvSpPr>
-          <p:nvPr>
-            <p:ph type="body" sz="quarter" idx="11"/>
-          </p:nvPr>
-        </p:nvSpPr>
-        <p:spPr>
-          <a:xfrm>
-            <a:off x="828675" y="685806"/>
-            <a:ext cx="7500938" cy="350994"/>
-          </a:xfrm>
-        </p:spPr>
-        <p:txBody>
-          <a:bodyPr/>
-          <a:lstStyle/>
-          <a:p>
-            <a:r>
-              <a:rPr lang="en-GB" dirty="0"/>
-              <a:t>The development of Network-on-Chip</a:t>
-            </a:r>
           </a:p>
         </p:txBody>
       </p:sp>
@@ -4698,7 +4851,7 @@
           <p:cNvPr id="5" name="Slide Number Placeholder 4">
             <a:extLst>
               <a:ext uri="{FF2B5EF4-FFF2-40B4-BE49-F238E27FC236}">
-                <a16:creationId xmlns:a16="http://schemas.microsoft.com/office/drawing/2014/main" id="{0352E26E-3FA3-004E-AE8F-EF74CEC96E15}"/>
+                <a16:creationId xmlns:a16="http://schemas.microsoft.com/office/drawing/2014/main" id="{45811AE1-047F-3C39-36B0-B482EF73F8CD}"/>
               </a:ext>
             </a:extLst>
           </p:cNvPr>
@@ -4706,13 +4859,13 @@
             <a:spLocks noGrp="1"/>
           </p:cNvSpPr>
           <p:nvPr>
-            <p:ph type="sldNum" sz="quarter" idx="4"/>
-          </p:nvPr>
-        </p:nvSpPr>
-        <p:spPr>
-          <a:xfrm>
-            <a:off x="8039513" y="4881249"/>
-            <a:ext cx="290100" cy="191861"/>
+            <p:ph type="sldNum" sz="quarter" idx="4294967295"/>
+          </p:nvPr>
+        </p:nvSpPr>
+        <p:spPr>
+          <a:xfrm>
+            <a:off x="8853488" y="4881563"/>
+            <a:ext cx="290512" cy="192087"/>
           </a:xfrm>
         </p:spPr>
         <p:txBody>
@@ -4728,35 +4881,285 @@
           </a:p>
         </p:txBody>
       </p:sp>
-      <p:sp>
-        <p:nvSpPr>
-          <p:cNvPr id="7" name="Text Placeholder 6">
+      <p:pic>
+        <p:nvPicPr>
+          <p:cNvPr id="7" name="图片 6">
             <a:extLst>
               <a:ext uri="{FF2B5EF4-FFF2-40B4-BE49-F238E27FC236}">
-                <a16:creationId xmlns:a16="http://schemas.microsoft.com/office/drawing/2014/main" id="{C47A9B83-74A6-114D-9D6E-35E5B803BA13}"/>
+                <a16:creationId xmlns:a16="http://schemas.microsoft.com/office/drawing/2014/main" id="{21FA3703-0BA3-00A4-3686-B1320398651B}"/>
               </a:ext>
             </a:extLst>
           </p:cNvPr>
-          <p:cNvSpPr>
-            <a:spLocks noGrp="1"/>
-          </p:cNvSpPr>
-          <p:nvPr>
-            <p:ph type="body" sz="quarter" idx="10"/>
-          </p:nvPr>
-        </p:nvSpPr>
-        <p:spPr/>
-        <p:txBody>
-          <a:bodyPr/>
-          <a:lstStyle/>
-          <a:p>
-            <a:endParaRPr lang="en-IE" dirty="0"/>
+          <p:cNvPicPr>
+            <a:picLocks noChangeAspect="1"/>
+          </p:cNvPicPr>
+          <p:nvPr/>
+        </p:nvPicPr>
+        <p:blipFill>
+          <a:blip r:embed="rId3">
+            <a:extLst>
+              <a:ext uri="{28A0092B-C50C-407E-A947-70E740481C1C}">
+                <a14:useLocalDpi xmlns:a14="http://schemas.microsoft.com/office/drawing/2010/main" val="0"/>
+              </a:ext>
+            </a:extLst>
+          </a:blip>
+          <a:stretch>
+            <a:fillRect/>
+          </a:stretch>
+        </p:blipFill>
+        <p:spPr>
+          <a:xfrm>
+            <a:off x="4845600" y="1380762"/>
+            <a:ext cx="3856637" cy="3322477"/>
+          </a:xfrm>
+          <a:prstGeom prst="rect">
+            <a:avLst/>
+          </a:prstGeom>
+        </p:spPr>
+      </p:pic>
+      <p:pic>
+        <p:nvPicPr>
+          <p:cNvPr id="8" name="图片 7">
+            <a:extLst>
+              <a:ext uri="{FF2B5EF4-FFF2-40B4-BE49-F238E27FC236}">
+                <a16:creationId xmlns:a16="http://schemas.microsoft.com/office/drawing/2014/main" id="{1B7B8154-3CED-CB3F-D56E-A468AED3AAB5}"/>
+              </a:ext>
+            </a:extLst>
+          </p:cNvPr>
+          <p:cNvPicPr>
+            <a:picLocks noChangeAspect="1"/>
+          </p:cNvPicPr>
+          <p:nvPr/>
+        </p:nvPicPr>
+        <p:blipFill>
+          <a:blip r:embed="rId4">
+            <a:extLst>
+              <a:ext uri="{28A0092B-C50C-407E-A947-70E740481C1C}">
+                <a14:useLocalDpi xmlns:a14="http://schemas.microsoft.com/office/drawing/2010/main" val="0"/>
+              </a:ext>
+            </a:extLst>
+          </a:blip>
+          <a:stretch>
+            <a:fillRect/>
+          </a:stretch>
+        </p:blipFill>
+        <p:spPr>
+          <a:xfrm>
+            <a:off x="335570" y="1135656"/>
+            <a:ext cx="4385554" cy="1906345"/>
+          </a:xfrm>
+          <a:prstGeom prst="rect">
+            <a:avLst/>
+          </a:prstGeom>
+        </p:spPr>
+      </p:pic>
+      <p:sp>
+        <p:nvSpPr>
+          <p:cNvPr id="9" name="Text Placeholder 2">
+            <a:extLst>
+              <a:ext uri="{FF2B5EF4-FFF2-40B4-BE49-F238E27FC236}">
+                <a16:creationId xmlns:a16="http://schemas.microsoft.com/office/drawing/2014/main" id="{B0726243-113E-4816-05AB-816CE56F2EB3}"/>
+              </a:ext>
+            </a:extLst>
+          </p:cNvPr>
+          <p:cNvSpPr txBox="1">
+            <a:spLocks/>
+          </p:cNvSpPr>
+          <p:nvPr/>
+        </p:nvSpPr>
+        <p:spPr>
+          <a:xfrm>
+            <a:off x="335570" y="3054671"/>
+            <a:ext cx="4424362" cy="1699200"/>
+          </a:xfrm>
+          <a:prstGeom prst="rect">
+            <a:avLst/>
+          </a:prstGeom>
+        </p:spPr>
+        <p:txBody>
+          <a:bodyPr vert="horz" lIns="0" tIns="0" rIns="0" bIns="0" rtlCol="0">
+            <a:noAutofit/>
+          </a:bodyPr>
+          <a:lstStyle>
+            <a:lvl1pPr marL="0" indent="0" algn="l" defTabSz="914400" rtl="0" eaLnBrk="1" latinLnBrk="0" hangingPunct="1">
+              <a:spcBef>
+                <a:spcPts val="1417"/>
+              </a:spcBef>
+              <a:buFont typeface="Arial" pitchFamily="34" charset="0"/>
+              <a:buNone/>
+              <a:defRPr sz="2000" b="1" kern="1200">
+                <a:solidFill>
+                  <a:schemeClr val="tx1"/>
+                </a:solidFill>
+                <a:latin typeface="+mn-lt"/>
+                <a:ea typeface="+mn-ea"/>
+                <a:cs typeface="+mn-cs"/>
+              </a:defRPr>
+            </a:lvl1pPr>
+            <a:lvl2pPr marL="317500" indent="-317500" algn="l" defTabSz="914400" rtl="0" eaLnBrk="1" latinLnBrk="0" hangingPunct="1">
+              <a:spcBef>
+                <a:spcPts val="1134"/>
+              </a:spcBef>
+              <a:buClr>
+                <a:schemeClr val="tx2"/>
+              </a:buClr>
+              <a:buFont typeface="Arial" pitchFamily="34" charset="0"/>
+              <a:buChar char="–"/>
+              <a:defRPr sz="2000" kern="1200">
+                <a:solidFill>
+                  <a:schemeClr val="tx1"/>
+                </a:solidFill>
+                <a:latin typeface="+mn-lt"/>
+                <a:ea typeface="+mn-ea"/>
+                <a:cs typeface="+mn-cs"/>
+              </a:defRPr>
+            </a:lvl2pPr>
+            <a:lvl3pPr marL="568325" indent="-222250" algn="l" defTabSz="914400" rtl="0" eaLnBrk="1" latinLnBrk="0" hangingPunct="1">
+              <a:spcBef>
+                <a:spcPts val="1134"/>
+              </a:spcBef>
+              <a:buClr>
+                <a:schemeClr val="tx2"/>
+              </a:buClr>
+              <a:buFont typeface="Arial" pitchFamily="34" charset="0"/>
+              <a:buChar char="•"/>
+              <a:defRPr sz="2000" kern="1200">
+                <a:solidFill>
+                  <a:schemeClr val="tx1"/>
+                </a:solidFill>
+                <a:latin typeface="+mn-lt"/>
+                <a:ea typeface="+mn-ea"/>
+                <a:cs typeface="+mn-cs"/>
+              </a:defRPr>
+            </a:lvl3pPr>
+            <a:lvl4pPr marL="784225" indent="-201613" algn="l" defTabSz="914400" rtl="0" eaLnBrk="1" latinLnBrk="0" hangingPunct="1">
+              <a:spcBef>
+                <a:spcPts val="1134"/>
+              </a:spcBef>
+              <a:buClr>
+                <a:schemeClr val="tx2"/>
+              </a:buClr>
+              <a:buFont typeface="Minion Pro" pitchFamily="18" charset="0"/>
+              <a:buChar char="‒"/>
+              <a:defRPr sz="2000" kern="1200">
+                <a:solidFill>
+                  <a:schemeClr val="tx1"/>
+                </a:solidFill>
+                <a:latin typeface="+mn-lt"/>
+                <a:ea typeface="+mn-ea"/>
+                <a:cs typeface="+mn-cs"/>
+              </a:defRPr>
+            </a:lvl4pPr>
+            <a:lvl5pPr marL="1000125" indent="-185738" algn="l" defTabSz="914400" rtl="0" eaLnBrk="1" latinLnBrk="0" hangingPunct="1">
+              <a:spcBef>
+                <a:spcPts val="1134"/>
+              </a:spcBef>
+              <a:buClr>
+                <a:schemeClr val="tx2"/>
+              </a:buClr>
+              <a:buFont typeface="Arial" pitchFamily="34" charset="0"/>
+              <a:buChar char="»"/>
+              <a:defRPr sz="2000" kern="1200">
+                <a:solidFill>
+                  <a:schemeClr val="tx1"/>
+                </a:solidFill>
+                <a:latin typeface="+mn-lt"/>
+                <a:ea typeface="+mn-ea"/>
+                <a:cs typeface="+mn-cs"/>
+              </a:defRPr>
+            </a:lvl5pPr>
+            <a:lvl6pPr marL="2514600" indent="-228600" algn="l" defTabSz="914400" rtl="0" eaLnBrk="1" latinLnBrk="0" hangingPunct="1">
+              <a:spcBef>
+                <a:spcPct val="20000"/>
+              </a:spcBef>
+              <a:buFont typeface="Arial" pitchFamily="34" charset="0"/>
+              <a:buChar char="•"/>
+              <a:defRPr sz="2000" kern="1200">
+                <a:solidFill>
+                  <a:schemeClr val="tx1"/>
+                </a:solidFill>
+                <a:latin typeface="+mn-lt"/>
+                <a:ea typeface="+mn-ea"/>
+                <a:cs typeface="+mn-cs"/>
+              </a:defRPr>
+            </a:lvl6pPr>
+            <a:lvl7pPr marL="2971800" indent="-228600" algn="l" defTabSz="914400" rtl="0" eaLnBrk="1" latinLnBrk="0" hangingPunct="1">
+              <a:spcBef>
+                <a:spcPct val="20000"/>
+              </a:spcBef>
+              <a:buFont typeface="Arial" pitchFamily="34" charset="0"/>
+              <a:buChar char="•"/>
+              <a:defRPr sz="2000" kern="1200">
+                <a:solidFill>
+                  <a:schemeClr val="tx1"/>
+                </a:solidFill>
+                <a:latin typeface="+mn-lt"/>
+                <a:ea typeface="+mn-ea"/>
+                <a:cs typeface="+mn-cs"/>
+              </a:defRPr>
+            </a:lvl7pPr>
+            <a:lvl8pPr marL="3429000" indent="-228600" algn="l" defTabSz="914400" rtl="0" eaLnBrk="1" latinLnBrk="0" hangingPunct="1">
+              <a:spcBef>
+                <a:spcPct val="20000"/>
+              </a:spcBef>
+              <a:buFont typeface="Arial" pitchFamily="34" charset="0"/>
+              <a:buChar char="•"/>
+              <a:defRPr sz="2000" kern="1200">
+                <a:solidFill>
+                  <a:schemeClr val="tx1"/>
+                </a:solidFill>
+                <a:latin typeface="+mn-lt"/>
+                <a:ea typeface="+mn-ea"/>
+                <a:cs typeface="+mn-cs"/>
+              </a:defRPr>
+            </a:lvl8pPr>
+            <a:lvl9pPr marL="3886200" indent="-228600" algn="l" defTabSz="914400" rtl="0" eaLnBrk="1" latinLnBrk="0" hangingPunct="1">
+              <a:spcBef>
+                <a:spcPct val="20000"/>
+              </a:spcBef>
+              <a:buFont typeface="Arial" pitchFamily="34" charset="0"/>
+              <a:buChar char="•"/>
+              <a:defRPr sz="2000" kern="1200">
+                <a:solidFill>
+                  <a:schemeClr val="tx1"/>
+                </a:solidFill>
+                <a:latin typeface="+mn-lt"/>
+                <a:ea typeface="+mn-ea"/>
+                <a:cs typeface="+mn-cs"/>
+              </a:defRPr>
+            </a:lvl9pPr>
+          </a:lstStyle>
+          <a:p>
+            <a:r>
+              <a:rPr lang="en-US" altLang="zh-CN" sz="1600" dirty="0"/>
+              <a:t>User Interface</a:t>
+            </a:r>
+          </a:p>
+          <a:p>
+            <a:r>
+              <a:rPr lang="en-US" sz="1400" b="0" dirty="0"/>
+              <a:t>Data visualization capabilities</a:t>
+            </a:r>
+          </a:p>
+          <a:p>
+            <a:r>
+              <a:rPr lang="en-US" sz="1400" b="0" dirty="0"/>
+              <a:t>Easy integration with MATLAB's computational functions</a:t>
+            </a:r>
+          </a:p>
+          <a:p>
+            <a:r>
+              <a:rPr lang="en-US" sz="1400" b="0" dirty="0"/>
+              <a:t>User-friendly interface for creating and customizing GUIs without needing extensive programming skills.</a:t>
+            </a:r>
+            <a:endParaRPr lang="en-IE" sz="1400" b="0" dirty="0"/>
           </a:p>
         </p:txBody>
       </p:sp>
     </p:spTree>
     <p:extLst>
       <p:ext uri="{BB962C8B-B14F-4D97-AF65-F5344CB8AC3E}">
-        <p14:creationId xmlns:p14="http://schemas.microsoft.com/office/powerpoint/2010/main" val="2688214604"/>
+        <p14:creationId xmlns:p14="http://schemas.microsoft.com/office/powerpoint/2010/main" val="2709373467"/>
       </p:ext>
     </p:extLst>
   </p:cSld>
@@ -4774,7 +5177,7 @@
         <p:cNvPr id="1" name="">
           <a:extLst>
             <a:ext uri="{FF2B5EF4-FFF2-40B4-BE49-F238E27FC236}">
-              <a16:creationId xmlns:a16="http://schemas.microsoft.com/office/drawing/2014/main" id="{31760CA0-CDD3-96F1-59ED-F08B9AB1CE61}"/>
+              <a16:creationId xmlns:a16="http://schemas.microsoft.com/office/drawing/2014/main" id="{7C19F780-F127-B687-0B4C-89929B23D7AC}"/>
             </a:ext>
           </a:extLst>
         </p:cNvPr>
@@ -4789,10 +5192,115 @@
           <a:chExt cx="0" cy="0"/>
         </a:xfrm>
       </p:grpSpPr>
+      <p:sp>
+        <p:nvSpPr>
+          <p:cNvPr id="2" name="Title 1">
+            <a:extLst>
+              <a:ext uri="{FF2B5EF4-FFF2-40B4-BE49-F238E27FC236}">
+                <a16:creationId xmlns:a16="http://schemas.microsoft.com/office/drawing/2014/main" id="{C8DD35C0-DFA7-D010-0785-DD914BEC7A02}"/>
+              </a:ext>
+            </a:extLst>
+          </p:cNvPr>
+          <p:cNvSpPr>
+            <a:spLocks noGrp="1"/>
+          </p:cNvSpPr>
+          <p:nvPr>
+            <p:ph type="title"/>
+          </p:nvPr>
+        </p:nvSpPr>
+        <p:spPr>
+          <a:xfrm>
+            <a:off x="821530" y="542674"/>
+            <a:ext cx="7500939" cy="421200"/>
+          </a:xfrm>
+        </p:spPr>
+        <p:txBody>
+          <a:bodyPr/>
+          <a:lstStyle/>
+          <a:p>
+            <a:r>
+              <a:rPr lang="en-US" altLang="zh-CN" dirty="0" err="1"/>
+              <a:t>Unittest</a:t>
+            </a:r>
+            <a:endParaRPr lang="en-GB" dirty="0"/>
+          </a:p>
+        </p:txBody>
+      </p:sp>
+      <p:sp>
+        <p:nvSpPr>
+          <p:cNvPr id="5" name="Slide Number Placeholder 4">
+            <a:extLst>
+              <a:ext uri="{FF2B5EF4-FFF2-40B4-BE49-F238E27FC236}">
+                <a16:creationId xmlns:a16="http://schemas.microsoft.com/office/drawing/2014/main" id="{71F0EFE8-7B12-CAA6-5036-78451E78F868}"/>
+              </a:ext>
+            </a:extLst>
+          </p:cNvPr>
+          <p:cNvSpPr>
+            <a:spLocks noGrp="1"/>
+          </p:cNvSpPr>
+          <p:nvPr>
+            <p:ph type="sldNum" sz="quarter" idx="4"/>
+          </p:nvPr>
+        </p:nvSpPr>
+        <p:spPr>
+          <a:xfrm>
+            <a:off x="8039513" y="4881249"/>
+            <a:ext cx="290100" cy="191861"/>
+          </a:xfrm>
+        </p:spPr>
+        <p:txBody>
+          <a:bodyPr/>
+          <a:lstStyle/>
+          <a:p>
+            <a:fld id="{DDBE135E-2566-4748-853C-8A3B78F0FB00}" type="slidenum">
+              <a:rPr lang="en-GB" smtClean="0"/>
+              <a:pPr/>
+              <a:t>7</a:t>
+            </a:fld>
+            <a:endParaRPr lang="en-GB" dirty="0"/>
+          </a:p>
+        </p:txBody>
+      </p:sp>
+      <p:pic>
+        <p:nvPicPr>
+          <p:cNvPr id="4" name="图片 3">
+            <a:extLst>
+              <a:ext uri="{FF2B5EF4-FFF2-40B4-BE49-F238E27FC236}">
+                <a16:creationId xmlns:a16="http://schemas.microsoft.com/office/drawing/2014/main" id="{99F5AC40-8C88-20A1-DA12-E932859B0EA2}"/>
+              </a:ext>
+            </a:extLst>
+          </p:cNvPr>
+          <p:cNvPicPr>
+            <a:picLocks noChangeAspect="1"/>
+          </p:cNvPicPr>
+          <p:nvPr/>
+        </p:nvPicPr>
+        <p:blipFill>
+          <a:blip r:embed="rId2">
+            <a:extLst>
+              <a:ext uri="{28A0092B-C50C-407E-A947-70E740481C1C}">
+                <a14:useLocalDpi xmlns:a14="http://schemas.microsoft.com/office/drawing/2010/main" val="0"/>
+              </a:ext>
+            </a:extLst>
+          </a:blip>
+          <a:stretch>
+            <a:fillRect/>
+          </a:stretch>
+        </p:blipFill>
+        <p:spPr>
+          <a:xfrm>
+            <a:off x="1245955" y="1260211"/>
+            <a:ext cx="6652088" cy="3493827"/>
+          </a:xfrm>
+          <a:prstGeom prst="rect">
+            <a:avLst/>
+          </a:prstGeom>
+        </p:spPr>
+      </p:pic>
     </p:spTree>
     <p:extLst>
       <p:ext uri="{BB962C8B-B14F-4D97-AF65-F5344CB8AC3E}">
-        <p14:creationId xmlns:p14="http://schemas.microsoft.com/office/powerpoint/2010/main" val="1124990636"/>
+        <p14:creationId xmlns:p14="http://schemas.microsoft.com/office/powerpoint/2010/main" val="3157770545"/>
       </p:ext>
     </p:extLst>
   </p:cSld>
@@ -4826,25 +5334,236 @@
             <a:spLocks noGrp="1"/>
           </p:cNvSpPr>
           <p:nvPr>
-            <p:ph type="ctrTitle"/>
-          </p:nvPr>
-        </p:nvSpPr>
-        <p:spPr/>
+            <p:ph type="title"/>
+          </p:nvPr>
+        </p:nvSpPr>
+        <p:spPr>
+          <a:xfrm>
+            <a:off x="821530" y="542674"/>
+            <a:ext cx="7500939" cy="421200"/>
+          </a:xfrm>
+        </p:spPr>
         <p:txBody>
           <a:bodyPr/>
           <a:lstStyle/>
           <a:p>
             <a:r>
-              <a:rPr lang="en-GB"/>
-              <a:t>Thank You</a:t>
-            </a:r>
-          </a:p>
-        </p:txBody>
-      </p:sp>
+              <a:rPr lang="en-US" altLang="zh-CN" dirty="0" err="1"/>
+              <a:t>Unittest</a:t>
+            </a:r>
+            <a:endParaRPr lang="en-GB" dirty="0"/>
+          </a:p>
+        </p:txBody>
+      </p:sp>
+      <p:sp>
+        <p:nvSpPr>
+          <p:cNvPr id="5" name="Slide Number Placeholder 4">
+            <a:extLst>
+              <a:ext uri="{FF2B5EF4-FFF2-40B4-BE49-F238E27FC236}">
+                <a16:creationId xmlns:a16="http://schemas.microsoft.com/office/drawing/2014/main" id="{0352E26E-3FA3-004E-AE8F-EF74CEC96E15}"/>
+              </a:ext>
+            </a:extLst>
+          </p:cNvPr>
+          <p:cNvSpPr>
+            <a:spLocks noGrp="1"/>
+          </p:cNvSpPr>
+          <p:nvPr>
+            <p:ph type="sldNum" sz="quarter" idx="4"/>
+          </p:nvPr>
+        </p:nvSpPr>
+        <p:spPr>
+          <a:xfrm>
+            <a:off x="8039513" y="4881249"/>
+            <a:ext cx="290100" cy="191861"/>
+          </a:xfrm>
+        </p:spPr>
+        <p:txBody>
+          <a:bodyPr/>
+          <a:lstStyle/>
+          <a:p>
+            <a:fld id="{DDBE135E-2566-4748-853C-8A3B78F0FB00}" type="slidenum">
+              <a:rPr lang="en-GB" smtClean="0"/>
+              <a:pPr/>
+              <a:t>8</a:t>
+            </a:fld>
+            <a:endParaRPr lang="en-GB" dirty="0"/>
+          </a:p>
+        </p:txBody>
+      </p:sp>
+      <p:pic>
+        <p:nvPicPr>
+          <p:cNvPr id="10" name="图片 9">
+            <a:extLst>
+              <a:ext uri="{FF2B5EF4-FFF2-40B4-BE49-F238E27FC236}">
+                <a16:creationId xmlns:a16="http://schemas.microsoft.com/office/drawing/2014/main" id="{ADAFD111-5888-0AF3-47A2-423E00A65AD3}"/>
+              </a:ext>
+            </a:extLst>
+          </p:cNvPr>
+          <p:cNvPicPr>
+            <a:picLocks noChangeAspect="1"/>
+          </p:cNvPicPr>
+          <p:nvPr/>
+        </p:nvPicPr>
+        <p:blipFill>
+          <a:blip r:embed="rId2"/>
+          <a:stretch>
+            <a:fillRect/>
+          </a:stretch>
+        </p:blipFill>
+        <p:spPr>
+          <a:xfrm>
+            <a:off x="0" y="1229948"/>
+            <a:ext cx="9144000" cy="3466549"/>
+          </a:xfrm>
+          <a:prstGeom prst="rect">
+            <a:avLst/>
+          </a:prstGeom>
+        </p:spPr>
+      </p:pic>
     </p:spTree>
     <p:extLst>
       <p:ext uri="{BB962C8B-B14F-4D97-AF65-F5344CB8AC3E}">
-        <p14:creationId xmlns:p14="http://schemas.microsoft.com/office/powerpoint/2010/main" val="173462149"/>
+        <p14:creationId xmlns:p14="http://schemas.microsoft.com/office/powerpoint/2010/main" val="2688214604"/>
+      </p:ext>
+    </p:extLst>
+  </p:cSld>
+  <p:clrMapOvr>
+    <a:masterClrMapping/>
+  </p:clrMapOvr>
+</p:sld>
+</file>
+
+<file path=ppt/slides/slide9.xml><?xml version="1.0" encoding="utf-8"?>
+<p:sld xmlns:a="http://schemas.openxmlformats.org/drawingml/2006/main" xmlns:r="http://schemas.openxmlformats.org/officeDocument/2006/relationships" xmlns:p="http://schemas.openxmlformats.org/presentationml/2006/main">
+  <p:cSld>
+    <p:spTree>
+      <p:nvGrpSpPr>
+        <p:cNvPr id="1" name="">
+          <a:extLst>
+            <a:ext uri="{FF2B5EF4-FFF2-40B4-BE49-F238E27FC236}">
+              <a16:creationId xmlns:a16="http://schemas.microsoft.com/office/drawing/2014/main" id="{255EA639-742A-D0BC-F08F-6C1D1A38AAD4}"/>
+            </a:ext>
+          </a:extLst>
+        </p:cNvPr>
+        <p:cNvGrpSpPr/>
+        <p:nvPr/>
+      </p:nvGrpSpPr>
+      <p:grpSpPr>
+        <a:xfrm>
+          <a:off x="0" y="0"/>
+          <a:ext cx="0" cy="0"/>
+          <a:chOff x="0" y="0"/>
+          <a:chExt cx="0" cy="0"/>
+        </a:xfrm>
+      </p:grpSpPr>
+      <p:sp>
+        <p:nvSpPr>
+          <p:cNvPr id="2" name="Title 1">
+            <a:extLst>
+              <a:ext uri="{FF2B5EF4-FFF2-40B4-BE49-F238E27FC236}">
+                <a16:creationId xmlns:a16="http://schemas.microsoft.com/office/drawing/2014/main" id="{94D9B099-9E59-20D5-569E-A222D4BD9B45}"/>
+              </a:ext>
+            </a:extLst>
+          </p:cNvPr>
+          <p:cNvSpPr>
+            <a:spLocks noGrp="1"/>
+          </p:cNvSpPr>
+          <p:nvPr>
+            <p:ph type="title"/>
+          </p:nvPr>
+        </p:nvSpPr>
+        <p:spPr>
+          <a:xfrm>
+            <a:off x="1150574" y="519274"/>
+            <a:ext cx="7500939" cy="421200"/>
+          </a:xfrm>
+        </p:spPr>
+        <p:txBody>
+          <a:bodyPr/>
+          <a:lstStyle/>
+          <a:p>
+            <a:r>
+              <a:rPr lang="en-US" altLang="zh-CN" dirty="0"/>
+              <a:t>E2E test</a:t>
+            </a:r>
+            <a:endParaRPr lang="en-GB" dirty="0"/>
+          </a:p>
+        </p:txBody>
+      </p:sp>
+      <p:sp>
+        <p:nvSpPr>
+          <p:cNvPr id="5" name="Slide Number Placeholder 4">
+            <a:extLst>
+              <a:ext uri="{FF2B5EF4-FFF2-40B4-BE49-F238E27FC236}">
+                <a16:creationId xmlns:a16="http://schemas.microsoft.com/office/drawing/2014/main" id="{6B06168E-D2A2-9141-8F90-D08CFF216539}"/>
+              </a:ext>
+            </a:extLst>
+          </p:cNvPr>
+          <p:cNvSpPr>
+            <a:spLocks noGrp="1"/>
+          </p:cNvSpPr>
+          <p:nvPr>
+            <p:ph type="sldNum" sz="quarter" idx="4"/>
+          </p:nvPr>
+        </p:nvSpPr>
+        <p:spPr>
+          <a:xfrm>
+            <a:off x="8039513" y="4881249"/>
+            <a:ext cx="290100" cy="191861"/>
+          </a:xfrm>
+        </p:spPr>
+        <p:txBody>
+          <a:bodyPr/>
+          <a:lstStyle/>
+          <a:p>
+            <a:fld id="{DDBE135E-2566-4748-853C-8A3B78F0FB00}" type="slidenum">
+              <a:rPr lang="en-GB" smtClean="0"/>
+              <a:pPr/>
+              <a:t>9</a:t>
+            </a:fld>
+            <a:endParaRPr lang="en-GB" dirty="0"/>
+          </a:p>
+        </p:txBody>
+      </p:sp>
+      <p:pic>
+        <p:nvPicPr>
+          <p:cNvPr id="6" name="图片 5">
+            <a:extLst>
+              <a:ext uri="{FF2B5EF4-FFF2-40B4-BE49-F238E27FC236}">
+                <a16:creationId xmlns:a16="http://schemas.microsoft.com/office/drawing/2014/main" id="{B319EC00-B869-440E-01D2-50A07E003F5C}"/>
+              </a:ext>
+            </a:extLst>
+          </p:cNvPr>
+          <p:cNvPicPr>
+            <a:picLocks noChangeAspect="1"/>
+          </p:cNvPicPr>
+          <p:nvPr/>
+        </p:nvPicPr>
+        <p:blipFill rotWithShape="1">
+          <a:blip r:embed="rId2">
+            <a:extLst>
+              <a:ext uri="{28A0092B-C50C-407E-A947-70E740481C1C}">
+                <a14:useLocalDpi xmlns:a14="http://schemas.microsoft.com/office/drawing/2010/main" val="0"/>
+              </a:ext>
+            </a:extLst>
+          </a:blip>
+          <a:srcRect l="1773" t="5099" b="3826"/>
+          <a:stretch/>
+        </p:blipFill>
+        <p:spPr>
+          <a:xfrm>
+            <a:off x="1641600" y="1429879"/>
+            <a:ext cx="5860800" cy="2692076"/>
+          </a:xfrm>
+          <a:prstGeom prst="rect">
+            <a:avLst/>
+          </a:prstGeom>
+        </p:spPr>
+      </p:pic>
+    </p:spTree>
+    <p:extLst>
+      <p:ext uri="{BB962C8B-B14F-4D97-AF65-F5344CB8AC3E}">
+        <p14:creationId xmlns:p14="http://schemas.microsoft.com/office/powerpoint/2010/main" val="2173444909"/>
       </p:ext>
     </p:extLst>
   </p:cSld>
